--- a/optimization-methods-for-artificial-intelligence/optimization-introduction.pptx
+++ b/optimization-methods-for-artificial-intelligence/optimization-introduction.pptx
@@ -14,9 +14,11 @@
     <p:sldId id="261" r:id="rId8"/>
     <p:sldId id="267" r:id="rId9"/>
     <p:sldId id="264" r:id="rId10"/>
-    <p:sldId id="265" r:id="rId11"/>
-    <p:sldId id="268" r:id="rId12"/>
-    <p:sldId id="266" r:id="rId13"/>
+    <p:sldId id="270" r:id="rId11"/>
+    <p:sldId id="265" r:id="rId12"/>
+    <p:sldId id="268" r:id="rId13"/>
+    <p:sldId id="266" r:id="rId14"/>
+    <p:sldId id="269" r:id="rId15"/>
   </p:sldIdLst>
   <p:sldSz cx="12192000" cy="6858000"/>
   <p:notesSz cx="6858000" cy="9144000"/>
@@ -1777,7 +1779,7 @@
           <p:cNvPr id="2" name="Titre 1">
             <a:extLst>
               <a:ext uri="{FF2B5EF4-FFF2-40B4-BE49-F238E27FC236}">
-                <a16:creationId xmlns:a16="http://schemas.microsoft.com/office/drawing/2014/main" id="{D2AFAD20-0DE1-4157-BD39-702BC71C9B23}"/>
+                <a16:creationId xmlns:a16="http://schemas.microsoft.com/office/drawing/2014/main" id="{E4D016DB-D19B-43C1-853F-F1F5F9DDFBFB}"/>
               </a:ext>
             </a:extLst>
           </p:cNvPr>
@@ -1795,7 +1797,7 @@
           <a:p>
             <a:r>
               <a:rPr lang="en-US" dirty="0"/>
-              <a:t>Taxonomy of optimization methods</a:t>
+              <a:t>Simple strategies</a:t>
             </a:r>
           </a:p>
         </p:txBody>
@@ -1805,7 +1807,7 @@
           <p:cNvPr id="3" name="Espace réservé du texte 2">
             <a:extLst>
               <a:ext uri="{FF2B5EF4-FFF2-40B4-BE49-F238E27FC236}">
-                <a16:creationId xmlns:a16="http://schemas.microsoft.com/office/drawing/2014/main" id="{19817DE2-D8C5-47E2-BFF8-D249C242BFF0}"/>
+                <a16:creationId xmlns:a16="http://schemas.microsoft.com/office/drawing/2014/main" id="{9828DD91-0794-43F5-BF35-929C3B3E0B5B}"/>
               </a:ext>
             </a:extLst>
           </p:cNvPr>
@@ -1823,70 +1825,73 @@
           <a:p>
             <a:r>
               <a:rPr lang="en-US" dirty="0"/>
-              <a:t>Continuous vs Discrete</a:t>
-            </a:r>
-          </a:p>
-          <a:p>
-            <a:pPr lvl="1"/>
-            <a:r>
-              <a:rPr lang="en-US" dirty="0"/>
-              <a:t>For discrete optimization, it becomes “choose one among many”</a:t>
-            </a:r>
-          </a:p>
-          <a:p>
-            <a:pPr lvl="1"/>
-            <a:r>
-              <a:rPr lang="en-US" dirty="0"/>
-              <a:t>Domain is called “combinatorial optimization”</a:t>
-            </a:r>
-          </a:p>
-          <a:p>
-            <a:r>
-              <a:rPr lang="en-US" dirty="0"/>
-              <a:t>Exact vs Stochastic</a:t>
-            </a:r>
-          </a:p>
-          <a:p>
-            <a:pPr lvl="1"/>
-            <a:r>
-              <a:rPr lang="en-US" dirty="0"/>
-              <a:t>Exact methods guarantee convergence on a global optimum</a:t>
-            </a:r>
-          </a:p>
-          <a:p>
-            <a:pPr lvl="1"/>
-            <a:r>
-              <a:rPr lang="en-US" dirty="0"/>
-              <a:t>However, they might require too much time…</a:t>
-            </a:r>
-          </a:p>
-          <a:p>
-            <a:pPr lvl="1"/>
-            <a:r>
-              <a:rPr lang="en-US" dirty="0"/>
-              <a:t>…or make assumptions on the objective function</a:t>
-            </a:r>
-          </a:p>
-          <a:p>
-            <a:pPr lvl="1"/>
-            <a:r>
-              <a:rPr lang="en-US" dirty="0"/>
-              <a:t>Stochastic methods deliver reasonable solution in short(er) time…</a:t>
-            </a:r>
-          </a:p>
-          <a:p>
-            <a:pPr lvl="1"/>
-            <a:r>
-              <a:rPr lang="en-US" dirty="0"/>
-              <a:t>…but they have no guarantees on whether it’s the global optimum</a:t>
-            </a:r>
+              <a:t>Exhaustive search</a:t>
+            </a:r>
+          </a:p>
+          <a:p>
+            <a:pPr lvl="1"/>
+            <a:r>
+              <a:rPr lang="en-US" dirty="0"/>
+              <a:t>Evaluate all possible variable values in search space</a:t>
+            </a:r>
+          </a:p>
+          <a:p>
+            <a:pPr lvl="1"/>
+            <a:r>
+              <a:rPr lang="en-US" dirty="0"/>
+              <a:t>In practice, impossible; but a systematic (grid) search could be</a:t>
+            </a:r>
+          </a:p>
+          <a:p>
+            <a:r>
+              <a:rPr lang="en-US" dirty="0"/>
+              <a:t>Random search</a:t>
+            </a:r>
+          </a:p>
+          <a:p>
+            <a:pPr lvl="1"/>
+            <a:r>
+              <a:rPr lang="en-US" dirty="0"/>
+              <a:t>Randomly sample objective function in points within boundaries</a:t>
+            </a:r>
+          </a:p>
+          <a:p>
+            <a:pPr lvl="1"/>
+            <a:r>
+              <a:rPr lang="en-US" dirty="0"/>
+              <a:t>Does not take into account the feedback from objective function</a:t>
+            </a:r>
+          </a:p>
+          <a:p>
+            <a:r>
+              <a:rPr lang="en-US" dirty="0"/>
+              <a:t>Greedy search</a:t>
+            </a:r>
+          </a:p>
+          <a:p>
+            <a:pPr lvl="1"/>
+            <a:r>
+              <a:rPr lang="en-US" dirty="0"/>
+              <a:t>Start from a point, explore neighborhood and take best point</a:t>
+            </a:r>
+          </a:p>
+          <a:p>
+            <a:pPr lvl="1"/>
+            <a:r>
+              <a:rPr lang="en-US" dirty="0"/>
+              <a:t>Keep going until no improvement is found</a:t>
+            </a:r>
+          </a:p>
+          <a:p>
+            <a:pPr lvl="1"/>
+            <a:endParaRPr lang="en-US" dirty="0"/>
           </a:p>
         </p:txBody>
       </p:sp>
     </p:spTree>
     <p:extLst>
       <p:ext uri="{BB962C8B-B14F-4D97-AF65-F5344CB8AC3E}">
-        <p14:creationId xmlns:p14="http://schemas.microsoft.com/office/powerpoint/2010/main" val="2823423570"/>
+        <p14:creationId xmlns:p14="http://schemas.microsoft.com/office/powerpoint/2010/main" val="2919962269"/>
       </p:ext>
     </p:extLst>
   </p:cSld>
@@ -1964,28 +1969,62 @@
           <a:p>
             <a:r>
               <a:rPr lang="en-US" dirty="0"/>
-              <a:t>Archive/Population vs No-Memory</a:t>
-            </a:r>
-          </a:p>
-          <a:p>
-            <a:pPr lvl="1"/>
-            <a:r>
-              <a:rPr lang="en-US" dirty="0"/>
-              <a:t>Keep in memory a set of candidate solutions</a:t>
-            </a:r>
-          </a:p>
-          <a:p>
-            <a:pPr lvl="1"/>
-            <a:r>
-              <a:rPr lang="en-US" dirty="0"/>
-              <a:t>Representing current “knowledge” of the search space</a:t>
-            </a:r>
-          </a:p>
-          <a:p>
-            <a:pPr lvl="1"/>
-            <a:r>
-              <a:rPr lang="en-US" dirty="0"/>
-              <a:t>Use this knowledge to take decisions on next exploration</a:t>
+              <a:t>Continuous vs Discrete</a:t>
+            </a:r>
+          </a:p>
+          <a:p>
+            <a:pPr lvl="1"/>
+            <a:r>
+              <a:rPr lang="en-US" dirty="0"/>
+              <a:t>For discrete optimization, it becomes “choose one among many”</a:t>
+            </a:r>
+          </a:p>
+          <a:p>
+            <a:pPr lvl="1"/>
+            <a:r>
+              <a:rPr lang="en-US" dirty="0"/>
+              <a:t>Domain is called “combinatorial optimization”</a:t>
+            </a:r>
+          </a:p>
+          <a:p>
+            <a:r>
+              <a:rPr lang="en-US" dirty="0"/>
+              <a:t>Exact vs Stochastic</a:t>
+            </a:r>
+          </a:p>
+          <a:p>
+            <a:pPr lvl="1"/>
+            <a:r>
+              <a:rPr lang="en-US" dirty="0"/>
+              <a:t>Exact methods guarantee convergence on a global optimum</a:t>
+            </a:r>
+          </a:p>
+          <a:p>
+            <a:pPr lvl="1"/>
+            <a:r>
+              <a:rPr lang="en-US" dirty="0"/>
+              <a:t>However, they might require too much time…</a:t>
+            </a:r>
+          </a:p>
+          <a:p>
+            <a:pPr lvl="1"/>
+            <a:r>
+              <a:rPr lang="en-US" dirty="0"/>
+              <a:t>…or make assumptions on the objective function</a:t>
+            </a:r>
+          </a:p>
+          <a:p>
+            <a:pPr lvl="1"/>
+            <a:r>
+              <a:rPr lang="en-US" dirty="0"/>
+              <a:t>Stochastic methods deliver reasonable solution in short(er) time…</a:t>
+            </a:r>
+          </a:p>
+          <a:p>
+            <a:pPr lvl="1"/>
+            <a:r>
+              <a:rPr lang="en-US" dirty="0"/>
+              <a:t>…but they have no guarantees on whether it’s the global optimum</a:t>
             </a:r>
           </a:p>
         </p:txBody>
@@ -1993,7 +2032,7 @@
     </p:spTree>
     <p:extLst>
       <p:ext uri="{BB962C8B-B14F-4D97-AF65-F5344CB8AC3E}">
-        <p14:creationId xmlns:p14="http://schemas.microsoft.com/office/powerpoint/2010/main" val="2154077043"/>
+        <p14:creationId xmlns:p14="http://schemas.microsoft.com/office/powerpoint/2010/main" val="2823423570"/>
       </p:ext>
     </p:extLst>
   </p:cSld>
@@ -2025,7 +2064,7 @@
           <p:cNvPr id="2" name="Titre 1">
             <a:extLst>
               <a:ext uri="{FF2B5EF4-FFF2-40B4-BE49-F238E27FC236}">
-                <a16:creationId xmlns:a16="http://schemas.microsoft.com/office/drawing/2014/main" id="{9170B0D4-FEE2-4713-B14D-600141E0F4FE}"/>
+                <a16:creationId xmlns:a16="http://schemas.microsoft.com/office/drawing/2014/main" id="{D2AFAD20-0DE1-4157-BD39-702BC71C9B23}"/>
               </a:ext>
             </a:extLst>
           </p:cNvPr>
@@ -2043,7 +2082,7 @@
           <a:p>
             <a:r>
               <a:rPr lang="en-US" dirty="0"/>
-              <a:t>Real-world applications can be weird</a:t>
+              <a:t>Taxonomy of optimization methods</a:t>
             </a:r>
           </a:p>
         </p:txBody>
@@ -2053,7 +2092,7 @@
           <p:cNvPr id="3" name="Espace réservé du texte 2">
             <a:extLst>
               <a:ext uri="{FF2B5EF4-FFF2-40B4-BE49-F238E27FC236}">
-                <a16:creationId xmlns:a16="http://schemas.microsoft.com/office/drawing/2014/main" id="{84BDD6C9-5CA1-4F5E-9AE7-5D6FCCF39868}"/>
+                <a16:creationId xmlns:a16="http://schemas.microsoft.com/office/drawing/2014/main" id="{19817DE2-D8C5-47E2-BFF8-D249C242BFF0}"/>
               </a:ext>
             </a:extLst>
           </p:cNvPr>
@@ -2071,6 +2110,137 @@
           <a:p>
             <a:r>
               <a:rPr lang="en-US" dirty="0"/>
+              <a:t>Archive/Population vs No-Memory</a:t>
+            </a:r>
+          </a:p>
+          <a:p>
+            <a:pPr lvl="1"/>
+            <a:r>
+              <a:rPr lang="en-US" dirty="0"/>
+              <a:t>Keep in memory a set of candidate solutions</a:t>
+            </a:r>
+          </a:p>
+          <a:p>
+            <a:pPr lvl="1"/>
+            <a:r>
+              <a:rPr lang="en-US" dirty="0"/>
+              <a:t>Representing current “knowledge” of the search space</a:t>
+            </a:r>
+          </a:p>
+          <a:p>
+            <a:pPr lvl="1"/>
+            <a:r>
+              <a:rPr lang="en-US" dirty="0"/>
+              <a:t>Use this knowledge to take decisions on next exploration</a:t>
+            </a:r>
+          </a:p>
+          <a:p>
+            <a:r>
+              <a:rPr lang="en-US" dirty="0"/>
+              <a:t>Single-objective vs Multi-objective</a:t>
+            </a:r>
+          </a:p>
+          <a:p>
+            <a:pPr lvl="1"/>
+            <a:r>
+              <a:rPr lang="en-US" dirty="0"/>
+              <a:t>Conflicting objectives: improve one, deteriorate other(s)</a:t>
+            </a:r>
+          </a:p>
+          <a:p>
+            <a:pPr lvl="1"/>
+            <a:r>
+              <a:rPr lang="en-US" dirty="0"/>
+              <a:t>Not searching for a single solution, but several compromises</a:t>
+            </a:r>
+          </a:p>
+          <a:p>
+            <a:pPr lvl="1"/>
+            <a:endParaRPr lang="en-US" dirty="0"/>
+          </a:p>
+        </p:txBody>
+      </p:sp>
+    </p:spTree>
+    <p:extLst>
+      <p:ext uri="{BB962C8B-B14F-4D97-AF65-F5344CB8AC3E}">
+        <p14:creationId xmlns:p14="http://schemas.microsoft.com/office/powerpoint/2010/main" val="2154077043"/>
+      </p:ext>
+    </p:extLst>
+  </p:cSld>
+  <p:clrMapOvr>
+    <a:masterClrMapping/>
+  </p:clrMapOvr>
+</p:sld>
+</file>
+
+<file path=ppt/slides/slide13.xml><?xml version="1.0" encoding="utf-8"?>
+<p:sld xmlns:a="http://schemas.openxmlformats.org/drawingml/2006/main" xmlns:r="http://schemas.openxmlformats.org/officeDocument/2006/relationships" xmlns:p="http://schemas.openxmlformats.org/presentationml/2006/main">
+  <p:cSld>
+    <p:spTree>
+      <p:nvGrpSpPr>
+        <p:cNvPr id="1" name=""/>
+        <p:cNvGrpSpPr/>
+        <p:nvPr/>
+      </p:nvGrpSpPr>
+      <p:grpSpPr>
+        <a:xfrm>
+          <a:off x="0" y="0"/>
+          <a:ext cx="0" cy="0"/>
+          <a:chOff x="0" y="0"/>
+          <a:chExt cx="0" cy="0"/>
+        </a:xfrm>
+      </p:grpSpPr>
+      <p:sp>
+        <p:nvSpPr>
+          <p:cNvPr id="2" name="Titre 1">
+            <a:extLst>
+              <a:ext uri="{FF2B5EF4-FFF2-40B4-BE49-F238E27FC236}">
+                <a16:creationId xmlns:a16="http://schemas.microsoft.com/office/drawing/2014/main" id="{9170B0D4-FEE2-4713-B14D-600141E0F4FE}"/>
+              </a:ext>
+            </a:extLst>
+          </p:cNvPr>
+          <p:cNvSpPr>
+            <a:spLocks noGrp="1"/>
+          </p:cNvSpPr>
+          <p:nvPr>
+            <p:ph type="title"/>
+          </p:nvPr>
+        </p:nvSpPr>
+        <p:spPr/>
+        <p:txBody>
+          <a:bodyPr/>
+          <a:lstStyle/>
+          <a:p>
+            <a:r>
+              <a:rPr lang="en-US" dirty="0"/>
+              <a:t>Real-world applications can be weird</a:t>
+            </a:r>
+          </a:p>
+        </p:txBody>
+      </p:sp>
+      <p:sp>
+        <p:nvSpPr>
+          <p:cNvPr id="3" name="Espace réservé du texte 2">
+            <a:extLst>
+              <a:ext uri="{FF2B5EF4-FFF2-40B4-BE49-F238E27FC236}">
+                <a16:creationId xmlns:a16="http://schemas.microsoft.com/office/drawing/2014/main" id="{84BDD6C9-5CA1-4F5E-9AE7-5D6FCCF39868}"/>
+              </a:ext>
+            </a:extLst>
+          </p:cNvPr>
+          <p:cNvSpPr>
+            <a:spLocks noGrp="1"/>
+          </p:cNvSpPr>
+          <p:nvPr>
+            <p:ph type="body" sz="quarter" idx="10"/>
+          </p:nvPr>
+        </p:nvSpPr>
+        <p:spPr/>
+        <p:txBody>
+          <a:bodyPr/>
+          <a:lstStyle/>
+          <a:p>
+            <a:r>
+              <a:rPr lang="en-US" dirty="0"/>
               <a:t>Mix of continuous and discrete variables</a:t>
             </a:r>
           </a:p>
@@ -2126,6 +2296,103 @@
     <p:extLst>
       <p:ext uri="{BB962C8B-B14F-4D97-AF65-F5344CB8AC3E}">
         <p14:creationId xmlns:p14="http://schemas.microsoft.com/office/powerpoint/2010/main" val="423835340"/>
+      </p:ext>
+    </p:extLst>
+  </p:cSld>
+  <p:clrMapOvr>
+    <a:masterClrMapping/>
+  </p:clrMapOvr>
+</p:sld>
+</file>
+
+<file path=ppt/slides/slide14.xml><?xml version="1.0" encoding="utf-8"?>
+<p:sld xmlns:a="http://schemas.openxmlformats.org/drawingml/2006/main" xmlns:r="http://schemas.openxmlformats.org/officeDocument/2006/relationships" xmlns:p="http://schemas.openxmlformats.org/presentationml/2006/main">
+  <p:cSld>
+    <p:spTree>
+      <p:nvGrpSpPr>
+        <p:cNvPr id="1" name=""/>
+        <p:cNvGrpSpPr/>
+        <p:nvPr/>
+      </p:nvGrpSpPr>
+      <p:grpSpPr>
+        <a:xfrm>
+          <a:off x="0" y="0"/>
+          <a:ext cx="0" cy="0"/>
+          <a:chOff x="0" y="0"/>
+          <a:chExt cx="0" cy="0"/>
+        </a:xfrm>
+      </p:grpSpPr>
+      <p:sp>
+        <p:nvSpPr>
+          <p:cNvPr id="4" name="Titre 3">
+            <a:extLst>
+              <a:ext uri="{FF2B5EF4-FFF2-40B4-BE49-F238E27FC236}">
+                <a16:creationId xmlns:a16="http://schemas.microsoft.com/office/drawing/2014/main" id="{B53E8A05-42BD-489E-BF5F-958C213739DF}"/>
+              </a:ext>
+            </a:extLst>
+          </p:cNvPr>
+          <p:cNvSpPr>
+            <a:spLocks noGrp="1"/>
+          </p:cNvSpPr>
+          <p:nvPr>
+            <p:ph type="ctrTitle"/>
+          </p:nvPr>
+        </p:nvSpPr>
+        <p:spPr/>
+        <p:txBody>
+          <a:bodyPr/>
+          <a:lstStyle/>
+          <a:p>
+            <a:r>
+              <a:rPr lang="en-US" dirty="0"/>
+              <a:t>Questions?</a:t>
+            </a:r>
+          </a:p>
+        </p:txBody>
+      </p:sp>
+      <p:sp>
+        <p:nvSpPr>
+          <p:cNvPr id="5" name="Sous-titre 4">
+            <a:extLst>
+              <a:ext uri="{FF2B5EF4-FFF2-40B4-BE49-F238E27FC236}">
+                <a16:creationId xmlns:a16="http://schemas.microsoft.com/office/drawing/2014/main" id="{CEB63DBD-0FC0-4057-AC92-1717C1D0ED55}"/>
+              </a:ext>
+            </a:extLst>
+          </p:cNvPr>
+          <p:cNvSpPr>
+            <a:spLocks noGrp="1"/>
+          </p:cNvSpPr>
+          <p:nvPr>
+            <p:ph type="subTitle" idx="1"/>
+          </p:nvPr>
+        </p:nvSpPr>
+        <p:spPr/>
+        <p:txBody>
+          <a:bodyPr>
+            <a:noAutofit/>
+          </a:bodyPr>
+          <a:lstStyle/>
+          <a:p>
+            <a:r>
+              <a:rPr lang="en-US" dirty="0"/>
+              <a:t>Bibliography</a:t>
+            </a:r>
+          </a:p>
+          <a:p>
+            <a:endParaRPr lang="en-US" dirty="0"/>
+          </a:p>
+          <a:p>
+            <a:r>
+              <a:rPr lang="en-US" dirty="0"/>
+              <a:t>Images: unless otherwise stated, I stole them from the Internet. I hope they are not copyrighted, or that their use falls under the Fair Use clause, and if not, I am sorry. Please don’t sue me.</a:t>
+            </a:r>
+          </a:p>
+        </p:txBody>
+      </p:sp>
+    </p:spTree>
+    <p:extLst>
+      <p:ext uri="{BB962C8B-B14F-4D97-AF65-F5344CB8AC3E}">
+        <p14:creationId xmlns:p14="http://schemas.microsoft.com/office/powerpoint/2010/main" val="938009228"/>
       </p:ext>
     </p:extLst>
   </p:cSld>
@@ -2342,7 +2609,7 @@
             <a:pPr lvl="1"/>
             <a:r>
               <a:rPr lang="en-US" dirty="0"/>
-              <a:t>We can control them, and use them to sample the function</a:t>
+              <a:t>We can control them, use them to sample the objective function</a:t>
             </a:r>
           </a:p>
           <a:p>
@@ -2362,7 +2629,7 @@
             <a:pPr lvl="1"/>
             <a:r>
               <a:rPr lang="en-US" dirty="0"/>
-              <a:t>Sample this to find best possible values of objective function</a:t>
+              <a:t>Sampled to find best possible values of objective function</a:t>
             </a:r>
           </a:p>
         </p:txBody>
@@ -2843,7 +3110,7 @@
           <a:p>
             <a:r>
               <a:rPr lang="en-US" dirty="0"/>
-              <a:t>In general, we do not know much about the search space</a:t>
+              <a:t>We do not know much about the search space</a:t>
             </a:r>
           </a:p>
           <a:p>

--- a/optimization-methods-for-artificial-intelligence/optimization-introduction.pptx
+++ b/optimization-methods-for-artificial-intelligence/optimization-introduction.pptx
@@ -1964,7 +1964,9 @@
         </p:nvSpPr>
         <p:spPr/>
         <p:txBody>
-          <a:bodyPr/>
+          <a:bodyPr>
+            <a:noAutofit/>
+          </a:bodyPr>
           <a:lstStyle/>
           <a:p>
             <a:r>
@@ -1983,7 +1985,14 @@
             <a:pPr lvl="1"/>
             <a:r>
               <a:rPr lang="en-US" dirty="0"/>
-              <a:t>Domain is called “combinatorial optimization”</a:t>
+              <a:t>Domain is “combinatorial optimization”</a:t>
+            </a:r>
+          </a:p>
+          <a:p>
+            <a:pPr lvl="1"/>
+            <a:r>
+              <a:rPr lang="en-US" dirty="0"/>
+              <a:t>Mixed discrete/continuous problems also exist</a:t>
             </a:r>
           </a:p>
           <a:p>
@@ -2473,6 +2482,13 @@
               <a:rPr lang="it-IT" dirty="0"/>
               <a:t>Taxonomy (-ies)</a:t>
             </a:r>
+          </a:p>
+          <a:p>
+            <a:r>
+              <a:rPr lang="it-IT"/>
+              <a:t>Brainstorming</a:t>
+            </a:r>
+            <a:endParaRPr lang="it-IT" dirty="0"/>
           </a:p>
         </p:txBody>
       </p:sp>

--- a/optimization-methods-for-artificial-intelligence/optimization-introduction.pptx
+++ b/optimization-methods-for-artificial-intelligence/optimization-introduction.pptx
@@ -17,8 +17,13 @@
     <p:sldId id="270" r:id="rId11"/>
     <p:sldId id="265" r:id="rId12"/>
     <p:sldId id="268" r:id="rId13"/>
-    <p:sldId id="266" r:id="rId14"/>
-    <p:sldId id="269" r:id="rId15"/>
+    <p:sldId id="271" r:id="rId14"/>
+    <p:sldId id="272" r:id="rId15"/>
+    <p:sldId id="273" r:id="rId16"/>
+    <p:sldId id="275" r:id="rId17"/>
+    <p:sldId id="266" r:id="rId18"/>
+    <p:sldId id="274" r:id="rId19"/>
+    <p:sldId id="269" r:id="rId20"/>
   </p:sldIdLst>
   <p:sldSz cx="12192000" cy="6858000"/>
   <p:notesSz cx="6858000" cy="9144000"/>
@@ -1239,16 +1244,7 @@
                 </a:solidFill>
                 <a:latin typeface="+mn-lt"/>
               </a:rPr>
-              <a:t>TITLE OF THE PRESENTATION HERE (MODIFY IN VIEW -&gt; MASK</a:t>
-            </a:r>
-            <a:r>
-              <a:rPr lang="it-IT" sz="1000" baseline="0" dirty="0">
-                <a:solidFill>
-                  <a:srgbClr val="275662"/>
-                </a:solidFill>
-                <a:latin typeface="+mn-lt"/>
-              </a:rPr>
-              <a:t> / AFFICHAGE -&gt; MASQUE DE DIAPOSITIVES) </a:t>
+              <a:t>Optimization: an Introduction</a:t>
             </a:r>
             <a:endParaRPr lang="fr-FR" sz="1000" dirty="0">
               <a:solidFill>
@@ -1992,7 +1988,7 @@
             <a:pPr lvl="1"/>
             <a:r>
               <a:rPr lang="en-US" dirty="0"/>
-              <a:t>Mixed discrete/continuous problems also exist</a:t>
+              <a:t>Mixed discrete/continuous problems exist; also complex structures</a:t>
             </a:r>
           </a:p>
           <a:p>
@@ -2165,6 +2161,13 @@
           </a:p>
           <a:p>
             <a:pPr lvl="1"/>
+            <a:r>
+              <a:rPr lang="en-US" dirty="0"/>
+              <a:t>“Many”-objective: 10 or more objectives (…)</a:t>
+            </a:r>
+          </a:p>
+          <a:p>
+            <a:pPr lvl="1"/>
             <a:endParaRPr lang="en-US" dirty="0"/>
           </a:p>
         </p:txBody>
@@ -2204,6 +2207,738 @@
           <p:cNvPr id="2" name="Titre 1">
             <a:extLst>
               <a:ext uri="{FF2B5EF4-FFF2-40B4-BE49-F238E27FC236}">
+                <a16:creationId xmlns:a16="http://schemas.microsoft.com/office/drawing/2014/main" id="{D2AFAD20-0DE1-4157-BD39-702BC71C9B23}"/>
+              </a:ext>
+            </a:extLst>
+          </p:cNvPr>
+          <p:cNvSpPr>
+            <a:spLocks noGrp="1"/>
+          </p:cNvSpPr>
+          <p:nvPr>
+            <p:ph type="title"/>
+          </p:nvPr>
+        </p:nvSpPr>
+        <p:spPr/>
+        <p:txBody>
+          <a:bodyPr/>
+          <a:lstStyle/>
+          <a:p>
+            <a:r>
+              <a:rPr lang="en-US" dirty="0"/>
+              <a:t>Taxonomy of optimization problems</a:t>
+            </a:r>
+          </a:p>
+        </p:txBody>
+      </p:sp>
+      <p:sp>
+        <p:nvSpPr>
+          <p:cNvPr id="3" name="Espace réservé du texte 2">
+            <a:extLst>
+              <a:ext uri="{FF2B5EF4-FFF2-40B4-BE49-F238E27FC236}">
+                <a16:creationId xmlns:a16="http://schemas.microsoft.com/office/drawing/2014/main" id="{19817DE2-D8C5-47E2-BFF8-D249C242BFF0}"/>
+              </a:ext>
+            </a:extLst>
+          </p:cNvPr>
+          <p:cNvSpPr>
+            <a:spLocks noGrp="1"/>
+          </p:cNvSpPr>
+          <p:nvPr>
+            <p:ph type="body" sz="quarter" idx="10"/>
+          </p:nvPr>
+        </p:nvSpPr>
+        <p:spPr/>
+        <p:txBody>
+          <a:bodyPr/>
+          <a:lstStyle/>
+          <a:p>
+            <a:pPr marL="457200" lvl="1" indent="0">
+              <a:buNone/>
+            </a:pPr>
+            <a:endParaRPr lang="en-US" dirty="0"/>
+          </a:p>
+        </p:txBody>
+      </p:sp>
+      <p:pic>
+        <p:nvPicPr>
+          <p:cNvPr id="5" name="Image 4">
+            <a:extLst>
+              <a:ext uri="{FF2B5EF4-FFF2-40B4-BE49-F238E27FC236}">
+                <a16:creationId xmlns:a16="http://schemas.microsoft.com/office/drawing/2014/main" id="{387C4385-C53A-4A19-824D-09FEEA6097C4}"/>
+              </a:ext>
+            </a:extLst>
+          </p:cNvPr>
+          <p:cNvPicPr>
+            <a:picLocks noChangeAspect="1"/>
+          </p:cNvPicPr>
+          <p:nvPr/>
+        </p:nvPicPr>
+        <p:blipFill>
+          <a:blip r:embed="rId2"/>
+          <a:stretch>
+            <a:fillRect/>
+          </a:stretch>
+        </p:blipFill>
+        <p:spPr>
+          <a:xfrm>
+            <a:off x="27492" y="1423358"/>
+            <a:ext cx="5625153" cy="4011284"/>
+          </a:xfrm>
+          <a:prstGeom prst="rect">
+            <a:avLst/>
+          </a:prstGeom>
+        </p:spPr>
+      </p:pic>
+      <p:pic>
+        <p:nvPicPr>
+          <p:cNvPr id="7" name="Image 6">
+            <a:extLst>
+              <a:ext uri="{FF2B5EF4-FFF2-40B4-BE49-F238E27FC236}">
+                <a16:creationId xmlns:a16="http://schemas.microsoft.com/office/drawing/2014/main" id="{BE59C227-60BA-4488-BDBB-F467A521FD84}"/>
+              </a:ext>
+            </a:extLst>
+          </p:cNvPr>
+          <p:cNvPicPr>
+            <a:picLocks noChangeAspect="1"/>
+          </p:cNvPicPr>
+          <p:nvPr/>
+        </p:nvPicPr>
+        <p:blipFill>
+          <a:blip r:embed="rId3"/>
+          <a:stretch>
+            <a:fillRect/>
+          </a:stretch>
+        </p:blipFill>
+        <p:spPr>
+          <a:xfrm>
+            <a:off x="6096000" y="1634448"/>
+            <a:ext cx="5225229" cy="3589104"/>
+          </a:xfrm>
+          <a:prstGeom prst="rect">
+            <a:avLst/>
+          </a:prstGeom>
+        </p:spPr>
+      </p:pic>
+    </p:spTree>
+    <p:extLst>
+      <p:ext uri="{BB962C8B-B14F-4D97-AF65-F5344CB8AC3E}">
+        <p14:creationId xmlns:p14="http://schemas.microsoft.com/office/powerpoint/2010/main" val="2787659661"/>
+      </p:ext>
+    </p:extLst>
+  </p:cSld>
+  <p:clrMapOvr>
+    <a:masterClrMapping/>
+  </p:clrMapOvr>
+</p:sld>
+</file>
+
+<file path=ppt/slides/slide14.xml><?xml version="1.0" encoding="utf-8"?>
+<p:sld xmlns:a="http://schemas.openxmlformats.org/drawingml/2006/main" xmlns:r="http://schemas.openxmlformats.org/officeDocument/2006/relationships" xmlns:p="http://schemas.openxmlformats.org/presentationml/2006/main">
+  <p:cSld>
+    <p:spTree>
+      <p:nvGrpSpPr>
+        <p:cNvPr id="1" name=""/>
+        <p:cNvGrpSpPr/>
+        <p:nvPr/>
+      </p:nvGrpSpPr>
+      <p:grpSpPr>
+        <a:xfrm>
+          <a:off x="0" y="0"/>
+          <a:ext cx="0" cy="0"/>
+          <a:chOff x="0" y="0"/>
+          <a:chExt cx="0" cy="0"/>
+        </a:xfrm>
+      </p:grpSpPr>
+      <p:sp>
+        <p:nvSpPr>
+          <p:cNvPr id="2" name="Titre 1">
+            <a:extLst>
+              <a:ext uri="{FF2B5EF4-FFF2-40B4-BE49-F238E27FC236}">
+                <a16:creationId xmlns:a16="http://schemas.microsoft.com/office/drawing/2014/main" id="{D2AFAD20-0DE1-4157-BD39-702BC71C9B23}"/>
+              </a:ext>
+            </a:extLst>
+          </p:cNvPr>
+          <p:cNvSpPr>
+            <a:spLocks noGrp="1"/>
+          </p:cNvSpPr>
+          <p:nvPr>
+            <p:ph type="title"/>
+          </p:nvPr>
+        </p:nvSpPr>
+        <p:spPr/>
+        <p:txBody>
+          <a:bodyPr/>
+          <a:lstStyle/>
+          <a:p>
+            <a:r>
+              <a:rPr lang="en-US" dirty="0"/>
+              <a:t>Taxonomy of optimization problems</a:t>
+            </a:r>
+          </a:p>
+        </p:txBody>
+      </p:sp>
+      <p:sp>
+        <p:nvSpPr>
+          <p:cNvPr id="3" name="Espace réservé du texte 2">
+            <a:extLst>
+              <a:ext uri="{FF2B5EF4-FFF2-40B4-BE49-F238E27FC236}">
+                <a16:creationId xmlns:a16="http://schemas.microsoft.com/office/drawing/2014/main" id="{19817DE2-D8C5-47E2-BFF8-D249C242BFF0}"/>
+              </a:ext>
+            </a:extLst>
+          </p:cNvPr>
+          <p:cNvSpPr>
+            <a:spLocks noGrp="1"/>
+          </p:cNvSpPr>
+          <p:nvPr>
+            <p:ph type="body" sz="quarter" idx="10"/>
+          </p:nvPr>
+        </p:nvSpPr>
+        <p:spPr/>
+        <p:txBody>
+          <a:bodyPr/>
+          <a:lstStyle/>
+          <a:p>
+            <a:pPr marL="457200" lvl="1" indent="0">
+              <a:buNone/>
+            </a:pPr>
+            <a:endParaRPr lang="en-US" dirty="0"/>
+          </a:p>
+        </p:txBody>
+      </p:sp>
+      <p:pic>
+        <p:nvPicPr>
+          <p:cNvPr id="5" name="Image 4">
+            <a:extLst>
+              <a:ext uri="{FF2B5EF4-FFF2-40B4-BE49-F238E27FC236}">
+                <a16:creationId xmlns:a16="http://schemas.microsoft.com/office/drawing/2014/main" id="{387C4385-C53A-4A19-824D-09FEEA6097C4}"/>
+              </a:ext>
+            </a:extLst>
+          </p:cNvPr>
+          <p:cNvPicPr>
+            <a:picLocks noChangeAspect="1"/>
+          </p:cNvPicPr>
+          <p:nvPr/>
+        </p:nvPicPr>
+        <p:blipFill>
+          <a:blip r:embed="rId2"/>
+          <a:stretch>
+            <a:fillRect/>
+          </a:stretch>
+        </p:blipFill>
+        <p:spPr>
+          <a:xfrm>
+            <a:off x="27492" y="1423358"/>
+            <a:ext cx="5625153" cy="4011284"/>
+          </a:xfrm>
+          <a:prstGeom prst="rect">
+            <a:avLst/>
+          </a:prstGeom>
+        </p:spPr>
+      </p:pic>
+      <p:pic>
+        <p:nvPicPr>
+          <p:cNvPr id="7" name="Image 6">
+            <a:extLst>
+              <a:ext uri="{FF2B5EF4-FFF2-40B4-BE49-F238E27FC236}">
+                <a16:creationId xmlns:a16="http://schemas.microsoft.com/office/drawing/2014/main" id="{BE59C227-60BA-4488-BDBB-F467A521FD84}"/>
+              </a:ext>
+            </a:extLst>
+          </p:cNvPr>
+          <p:cNvPicPr>
+            <a:picLocks noChangeAspect="1"/>
+          </p:cNvPicPr>
+          <p:nvPr/>
+        </p:nvPicPr>
+        <p:blipFill>
+          <a:blip r:embed="rId3"/>
+          <a:stretch>
+            <a:fillRect/>
+          </a:stretch>
+        </p:blipFill>
+        <p:spPr>
+          <a:xfrm>
+            <a:off x="6096000" y="1634448"/>
+            <a:ext cx="5225229" cy="3589104"/>
+          </a:xfrm>
+          <a:prstGeom prst="rect">
+            <a:avLst/>
+          </a:prstGeom>
+        </p:spPr>
+      </p:pic>
+      <p:sp>
+        <p:nvSpPr>
+          <p:cNvPr id="4" name="Ellipse 3">
+            <a:extLst>
+              <a:ext uri="{FF2B5EF4-FFF2-40B4-BE49-F238E27FC236}">
+                <a16:creationId xmlns:a16="http://schemas.microsoft.com/office/drawing/2014/main" id="{2AD2EF19-D926-410C-8A29-C8E20139CCFD}"/>
+              </a:ext>
+            </a:extLst>
+          </p:cNvPr>
+          <p:cNvSpPr/>
+          <p:nvPr/>
+        </p:nvSpPr>
+        <p:spPr>
+          <a:xfrm>
+            <a:off x="8578392" y="1875934"/>
+            <a:ext cx="2639505" cy="857839"/>
+          </a:xfrm>
+          <a:prstGeom prst="ellipse">
+            <a:avLst/>
+          </a:prstGeom>
+          <a:noFill/>
+          <a:ln w="28575">
+            <a:solidFill>
+              <a:srgbClr val="FF0000"/>
+            </a:solidFill>
+          </a:ln>
+        </p:spPr>
+        <p:style>
+          <a:lnRef idx="2">
+            <a:schemeClr val="accent1">
+              <a:shade val="50000"/>
+            </a:schemeClr>
+          </a:lnRef>
+          <a:fillRef idx="1">
+            <a:schemeClr val="accent1"/>
+          </a:fillRef>
+          <a:effectRef idx="0">
+            <a:schemeClr val="accent1"/>
+          </a:effectRef>
+          <a:fontRef idx="minor">
+            <a:schemeClr val="lt1"/>
+          </a:fontRef>
+        </p:style>
+        <p:txBody>
+          <a:bodyPr rtlCol="0" anchor="ctr"/>
+          <a:lstStyle/>
+          <a:p>
+            <a:pPr algn="ctr"/>
+            <a:endParaRPr lang="en-US"/>
+          </a:p>
+        </p:txBody>
+      </p:sp>
+      <p:sp>
+        <p:nvSpPr>
+          <p:cNvPr id="8" name="Ellipse 7">
+            <a:extLst>
+              <a:ext uri="{FF2B5EF4-FFF2-40B4-BE49-F238E27FC236}">
+                <a16:creationId xmlns:a16="http://schemas.microsoft.com/office/drawing/2014/main" id="{CE8B1E10-5A16-4148-868D-6157CF464CD3}"/>
+              </a:ext>
+            </a:extLst>
+          </p:cNvPr>
+          <p:cNvSpPr/>
+          <p:nvPr/>
+        </p:nvSpPr>
+        <p:spPr>
+          <a:xfrm>
+            <a:off x="8578391" y="4395030"/>
+            <a:ext cx="2639505" cy="857839"/>
+          </a:xfrm>
+          <a:prstGeom prst="ellipse">
+            <a:avLst/>
+          </a:prstGeom>
+          <a:noFill/>
+          <a:ln w="28575">
+            <a:solidFill>
+              <a:srgbClr val="FF0000"/>
+            </a:solidFill>
+          </a:ln>
+        </p:spPr>
+        <p:style>
+          <a:lnRef idx="2">
+            <a:schemeClr val="accent1">
+              <a:shade val="50000"/>
+            </a:schemeClr>
+          </a:lnRef>
+          <a:fillRef idx="1">
+            <a:schemeClr val="accent1"/>
+          </a:fillRef>
+          <a:effectRef idx="0">
+            <a:schemeClr val="accent1"/>
+          </a:effectRef>
+          <a:fontRef idx="minor">
+            <a:schemeClr val="lt1"/>
+          </a:fontRef>
+        </p:style>
+        <p:txBody>
+          <a:bodyPr rtlCol="0" anchor="ctr"/>
+          <a:lstStyle/>
+          <a:p>
+            <a:pPr algn="ctr"/>
+            <a:endParaRPr lang="en-US"/>
+          </a:p>
+        </p:txBody>
+      </p:sp>
+    </p:spTree>
+    <p:extLst>
+      <p:ext uri="{BB962C8B-B14F-4D97-AF65-F5344CB8AC3E}">
+        <p14:creationId xmlns:p14="http://schemas.microsoft.com/office/powerpoint/2010/main" val="4230814192"/>
+      </p:ext>
+    </p:extLst>
+  </p:cSld>
+  <p:clrMapOvr>
+    <a:masterClrMapping/>
+  </p:clrMapOvr>
+</p:sld>
+</file>
+
+<file path=ppt/slides/slide15.xml><?xml version="1.0" encoding="utf-8"?>
+<p:sld xmlns:a="http://schemas.openxmlformats.org/drawingml/2006/main" xmlns:r="http://schemas.openxmlformats.org/officeDocument/2006/relationships" xmlns:p="http://schemas.openxmlformats.org/presentationml/2006/main">
+  <p:cSld>
+    <p:spTree>
+      <p:nvGrpSpPr>
+        <p:cNvPr id="1" name=""/>
+        <p:cNvGrpSpPr/>
+        <p:nvPr/>
+      </p:nvGrpSpPr>
+      <p:grpSpPr>
+        <a:xfrm>
+          <a:off x="0" y="0"/>
+          <a:ext cx="0" cy="0"/>
+          <a:chOff x="0" y="0"/>
+          <a:chExt cx="0" cy="0"/>
+        </a:xfrm>
+      </p:grpSpPr>
+      <p:sp>
+        <p:nvSpPr>
+          <p:cNvPr id="2" name="Titre 1">
+            <a:extLst>
+              <a:ext uri="{FF2B5EF4-FFF2-40B4-BE49-F238E27FC236}">
+                <a16:creationId xmlns:a16="http://schemas.microsoft.com/office/drawing/2014/main" id="{92039938-E253-451A-B795-7C85F98D3611}"/>
+              </a:ext>
+            </a:extLst>
+          </p:cNvPr>
+          <p:cNvSpPr>
+            <a:spLocks noGrp="1"/>
+          </p:cNvSpPr>
+          <p:nvPr>
+            <p:ph type="title"/>
+          </p:nvPr>
+        </p:nvSpPr>
+        <p:spPr/>
+        <p:txBody>
+          <a:bodyPr/>
+          <a:lstStyle/>
+          <a:p>
+            <a:r>
+              <a:rPr lang="en-US" dirty="0"/>
+              <a:t>Taxonomy of optimization problems</a:t>
+            </a:r>
+          </a:p>
+        </p:txBody>
+      </p:sp>
+      <mc:AlternateContent xmlns:mc="http://schemas.openxmlformats.org/markup-compatibility/2006">
+        <mc:Choice xmlns:a14="http://schemas.microsoft.com/office/drawing/2010/main" Requires="a14">
+          <p:sp>
+            <p:nvSpPr>
+              <p:cNvPr id="3" name="Espace réservé du texte 2">
+                <a:extLst>
+                  <a:ext uri="{FF2B5EF4-FFF2-40B4-BE49-F238E27FC236}">
+                    <a16:creationId xmlns:a16="http://schemas.microsoft.com/office/drawing/2014/main" id="{53E79C10-3953-4B2E-AD58-0E4C65A76100}"/>
+                  </a:ext>
+                </a:extLst>
+              </p:cNvPr>
+              <p:cNvSpPr>
+                <a:spLocks noGrp="1"/>
+              </p:cNvSpPr>
+              <p:nvPr>
+                <p:ph type="body" sz="quarter" idx="10"/>
+              </p:nvPr>
+            </p:nvSpPr>
+            <p:spPr/>
+            <p:txBody>
+              <a:bodyPr/>
+              <a:lstStyle/>
+              <a:p>
+                <a:r>
+                  <a:rPr lang="en-US" dirty="0"/>
+                  <a:t>Modality</a:t>
+                </a:r>
+              </a:p>
+              <a:p>
+                <a:pPr lvl="1"/>
+                <a:r>
+                  <a:rPr lang="en-US" dirty="0"/>
+                  <a:t>Unimodal: there is only one global optimum, find ONE solution</a:t>
+                </a:r>
+              </a:p>
+              <a:p>
+                <a:pPr lvl="1"/>
+                <a:r>
+                  <a:rPr lang="en-US" dirty="0"/>
+                  <a:t>Multi-modal: there are multiple global optima, or local optima close in value to the global optimum</a:t>
+                </a:r>
+              </a:p>
+              <a:p>
+                <a:pPr lvl="1"/>
+                <a:r>
+                  <a:rPr lang="en-US" dirty="0"/>
+                  <a:t>Multi-modal: we are interested in finding ALL (or more) optima</a:t>
+                </a:r>
+              </a:p>
+              <a:p>
+                <a:r>
+                  <a:rPr lang="en-US" dirty="0"/>
+                  <a:t>Dynamicity</a:t>
+                </a:r>
+              </a:p>
+              <a:p>
+                <a:pPr lvl="1"/>
+                <a:r>
+                  <a:rPr lang="en-US" dirty="0"/>
+                  <a:t>Static: a regular optimization problem</a:t>
+                </a:r>
+              </a:p>
+              <a:p>
+                <a:pPr lvl="1"/>
+                <a:r>
+                  <a:rPr lang="en-US" dirty="0"/>
+                  <a:t>Dynamic: the objective function CHANGES WITH TIME!</a:t>
+                </a:r>
+              </a:p>
+              <a:p>
+                <a:pPr lvl="1"/>
+                <a:r>
+                  <a:rPr lang="en-US" dirty="0"/>
+                  <a:t>Objective function: </a:t>
+                </a:r>
+                <a14:m>
+                  <m:oMath xmlns:m="http://schemas.openxmlformats.org/officeDocument/2006/math">
+                    <m:r>
+                      <m:rPr>
+                        <m:sty m:val="p"/>
+                      </m:rPr>
+                      <a:rPr lang="it-IT" b="0" i="0" smtClean="0">
+                        <a:latin typeface="Cambria Math" panose="02040503050406030204" pitchFamily="18" charset="0"/>
+                      </a:rPr>
+                      <m:t>y</m:t>
+                    </m:r>
+                    <m:r>
+                      <a:rPr lang="it-IT" b="0" i="0" smtClean="0">
+                        <a:latin typeface="Cambria Math" panose="02040503050406030204" pitchFamily="18" charset="0"/>
+                      </a:rPr>
+                      <m:t>=</m:t>
+                    </m:r>
+                    <m:r>
+                      <a:rPr lang="it-IT" b="0" i="1" smtClean="0">
+                        <a:latin typeface="Cambria Math" panose="02040503050406030204" pitchFamily="18" charset="0"/>
+                      </a:rPr>
+                      <m:t>𝑓</m:t>
+                    </m:r>
+                    <m:r>
+                      <a:rPr lang="it-IT" b="0" i="1" smtClean="0">
+                        <a:latin typeface="Cambria Math" panose="02040503050406030204" pitchFamily="18" charset="0"/>
+                      </a:rPr>
+                      <m:t>(</m:t>
+                    </m:r>
+                    <m:r>
+                      <a:rPr lang="it-IT" b="1" i="1" smtClean="0">
+                        <a:latin typeface="Cambria Math" panose="02040503050406030204" pitchFamily="18" charset="0"/>
+                      </a:rPr>
+                      <m:t>𝒙</m:t>
+                    </m:r>
+                    <m:r>
+                      <a:rPr lang="it-IT" b="0" i="1" smtClean="0">
+                        <a:latin typeface="Cambria Math" panose="02040503050406030204" pitchFamily="18" charset="0"/>
+                      </a:rPr>
+                      <m:t>,</m:t>
+                    </m:r>
+                    <m:r>
+                      <a:rPr lang="it-IT" b="0" i="1" smtClean="0">
+                        <a:solidFill>
+                          <a:srgbClr val="FF0000"/>
+                        </a:solidFill>
+                        <a:latin typeface="Cambria Math" panose="02040503050406030204" pitchFamily="18" charset="0"/>
+                      </a:rPr>
+                      <m:t>𝑡</m:t>
+                    </m:r>
+                    <m:r>
+                      <a:rPr lang="it-IT" b="0" i="1" smtClean="0">
+                        <a:latin typeface="Cambria Math" panose="02040503050406030204" pitchFamily="18" charset="0"/>
+                      </a:rPr>
+                      <m:t>)</m:t>
+                    </m:r>
+                  </m:oMath>
+                </a14:m>
+                <a:endParaRPr lang="en-US" dirty="0"/>
+              </a:p>
+            </p:txBody>
+          </p:sp>
+        </mc:Choice>
+        <mc:Fallback>
+          <p:sp>
+            <p:nvSpPr>
+              <p:cNvPr id="3" name="Espace réservé du texte 2">
+                <a:extLst>
+                  <a:ext uri="{FF2B5EF4-FFF2-40B4-BE49-F238E27FC236}">
+                    <a16:creationId xmlns:a16="http://schemas.microsoft.com/office/drawing/2014/main" id="{53E79C10-3953-4B2E-AD58-0E4C65A76100}"/>
+                  </a:ext>
+                </a:extLst>
+              </p:cNvPr>
+              <p:cNvSpPr>
+                <a:spLocks noGrp="1" noRot="1" noChangeAspect="1" noMove="1" noResize="1" noEditPoints="1" noAdjustHandles="1" noChangeArrowheads="1" noChangeShapeType="1" noTextEdit="1"/>
+              </p:cNvSpPr>
+              <p:nvPr>
+                <p:ph type="body" sz="quarter" idx="10"/>
+              </p:nvPr>
+            </p:nvSpPr>
+            <p:spPr>
+              <a:blipFill>
+                <a:blip r:embed="rId2"/>
+                <a:stretch>
+                  <a:fillRect l="-1333" t="-2734"/>
+                </a:stretch>
+              </a:blipFill>
+            </p:spPr>
+            <p:txBody>
+              <a:bodyPr/>
+              <a:lstStyle/>
+              <a:p>
+                <a:r>
+                  <a:rPr lang="en-US">
+                    <a:noFill/>
+                  </a:rPr>
+                  <a:t> </a:t>
+                </a:r>
+              </a:p>
+            </p:txBody>
+          </p:sp>
+        </mc:Fallback>
+      </mc:AlternateContent>
+    </p:spTree>
+    <p:extLst>
+      <p:ext uri="{BB962C8B-B14F-4D97-AF65-F5344CB8AC3E}">
+        <p14:creationId xmlns:p14="http://schemas.microsoft.com/office/powerpoint/2010/main" val="3625665128"/>
+      </p:ext>
+    </p:extLst>
+  </p:cSld>
+  <p:clrMapOvr>
+    <a:masterClrMapping/>
+  </p:clrMapOvr>
+</p:sld>
+</file>
+
+<file path=ppt/slides/slide16.xml><?xml version="1.0" encoding="utf-8"?>
+<p:sld xmlns:a="http://schemas.openxmlformats.org/drawingml/2006/main" xmlns:r="http://schemas.openxmlformats.org/officeDocument/2006/relationships" xmlns:p="http://schemas.openxmlformats.org/presentationml/2006/main">
+  <p:cSld>
+    <p:spTree>
+      <p:nvGrpSpPr>
+        <p:cNvPr id="1" name=""/>
+        <p:cNvGrpSpPr/>
+        <p:nvPr/>
+      </p:nvGrpSpPr>
+      <p:grpSpPr>
+        <a:xfrm>
+          <a:off x="0" y="0"/>
+          <a:ext cx="0" cy="0"/>
+          <a:chOff x="0" y="0"/>
+          <a:chExt cx="0" cy="0"/>
+        </a:xfrm>
+      </p:grpSpPr>
+      <p:sp>
+        <p:nvSpPr>
+          <p:cNvPr id="2" name="Titre 1">
+            <a:extLst>
+              <a:ext uri="{FF2B5EF4-FFF2-40B4-BE49-F238E27FC236}">
+                <a16:creationId xmlns:a16="http://schemas.microsoft.com/office/drawing/2014/main" id="{38F283DB-373A-4D0E-91FF-512CE166AA5A}"/>
+              </a:ext>
+            </a:extLst>
+          </p:cNvPr>
+          <p:cNvSpPr>
+            <a:spLocks noGrp="1"/>
+          </p:cNvSpPr>
+          <p:nvPr>
+            <p:ph type="title"/>
+          </p:nvPr>
+        </p:nvSpPr>
+        <p:spPr/>
+        <p:txBody>
+          <a:bodyPr/>
+          <a:lstStyle/>
+          <a:p>
+            <a:r>
+              <a:rPr lang="en-US" dirty="0"/>
+              <a:t>Taxonomy of optimization problems</a:t>
+            </a:r>
+          </a:p>
+        </p:txBody>
+      </p:sp>
+      <p:sp>
+        <p:nvSpPr>
+          <p:cNvPr id="3" name="Espace réservé du texte 2">
+            <a:extLst>
+              <a:ext uri="{FF2B5EF4-FFF2-40B4-BE49-F238E27FC236}">
+                <a16:creationId xmlns:a16="http://schemas.microsoft.com/office/drawing/2014/main" id="{EB3459E1-6021-4DAD-881F-3E5891837093}"/>
+              </a:ext>
+            </a:extLst>
+          </p:cNvPr>
+          <p:cNvSpPr>
+            <a:spLocks noGrp="1"/>
+          </p:cNvSpPr>
+          <p:nvPr>
+            <p:ph type="body" sz="quarter" idx="10"/>
+          </p:nvPr>
+        </p:nvSpPr>
+        <p:spPr/>
+        <p:txBody>
+          <a:bodyPr/>
+          <a:lstStyle/>
+          <a:p>
+            <a:r>
+              <a:rPr lang="en-US" dirty="0"/>
+              <a:t>Computationally expensiveness of objective function</a:t>
+            </a:r>
+          </a:p>
+          <a:p>
+            <a:pPr lvl="1"/>
+            <a:r>
+              <a:rPr lang="en-US" dirty="0"/>
+              <a:t>Not expensive: extensive sampling possible</a:t>
+            </a:r>
+          </a:p>
+          <a:p>
+            <a:pPr lvl="1"/>
+            <a:r>
+              <a:rPr lang="en-US" dirty="0"/>
+              <a:t>Expensive: surrogate models, Bayesian optimization, store list of all solutions previously evaluated…</a:t>
+            </a:r>
+          </a:p>
+        </p:txBody>
+      </p:sp>
+    </p:spTree>
+    <p:extLst>
+      <p:ext uri="{BB962C8B-B14F-4D97-AF65-F5344CB8AC3E}">
+        <p14:creationId xmlns:p14="http://schemas.microsoft.com/office/powerpoint/2010/main" val="1704670619"/>
+      </p:ext>
+    </p:extLst>
+  </p:cSld>
+  <p:clrMapOvr>
+    <a:masterClrMapping/>
+  </p:clrMapOvr>
+</p:sld>
+</file>
+
+<file path=ppt/slides/slide17.xml><?xml version="1.0" encoding="utf-8"?>
+<p:sld xmlns:a="http://schemas.openxmlformats.org/drawingml/2006/main" xmlns:r="http://schemas.openxmlformats.org/officeDocument/2006/relationships" xmlns:p="http://schemas.openxmlformats.org/presentationml/2006/main">
+  <p:cSld>
+    <p:spTree>
+      <p:nvGrpSpPr>
+        <p:cNvPr id="1" name=""/>
+        <p:cNvGrpSpPr/>
+        <p:nvPr/>
+      </p:nvGrpSpPr>
+      <p:grpSpPr>
+        <a:xfrm>
+          <a:off x="0" y="0"/>
+          <a:ext cx="0" cy="0"/>
+          <a:chOff x="0" y="0"/>
+          <a:chExt cx="0" cy="0"/>
+        </a:xfrm>
+      </p:grpSpPr>
+      <p:sp>
+        <p:nvSpPr>
+          <p:cNvPr id="2" name="Titre 1">
+            <a:extLst>
+              <a:ext uri="{FF2B5EF4-FFF2-40B4-BE49-F238E27FC236}">
                 <a16:creationId xmlns:a16="http://schemas.microsoft.com/office/drawing/2014/main" id="{9170B0D4-FEE2-4713-B14D-600141E0F4FE}"/>
               </a:ext>
             </a:extLst>
@@ -2314,7 +3049,132 @@
 </p:sld>
 </file>
 
-<file path=ppt/slides/slide14.xml><?xml version="1.0" encoding="utf-8"?>
+<file path=ppt/slides/slide18.xml><?xml version="1.0" encoding="utf-8"?>
+<p:sld xmlns:a="http://schemas.openxmlformats.org/drawingml/2006/main" xmlns:r="http://schemas.openxmlformats.org/officeDocument/2006/relationships" xmlns:p="http://schemas.openxmlformats.org/presentationml/2006/main">
+  <p:cSld>
+    <p:spTree>
+      <p:nvGrpSpPr>
+        <p:cNvPr id="1" name=""/>
+        <p:cNvGrpSpPr/>
+        <p:nvPr/>
+      </p:nvGrpSpPr>
+      <p:grpSpPr>
+        <a:xfrm>
+          <a:off x="0" y="0"/>
+          <a:ext cx="0" cy="0"/>
+          <a:chOff x="0" y="0"/>
+          <a:chExt cx="0" cy="0"/>
+        </a:xfrm>
+      </p:grpSpPr>
+      <p:sp>
+        <p:nvSpPr>
+          <p:cNvPr id="2" name="Titre 1">
+            <a:extLst>
+              <a:ext uri="{FF2B5EF4-FFF2-40B4-BE49-F238E27FC236}">
+                <a16:creationId xmlns:a16="http://schemas.microsoft.com/office/drawing/2014/main" id="{8A111054-157A-4EAD-92D3-024F1981BE8B}"/>
+              </a:ext>
+            </a:extLst>
+          </p:cNvPr>
+          <p:cNvSpPr>
+            <a:spLocks noGrp="1"/>
+          </p:cNvSpPr>
+          <p:nvPr>
+            <p:ph type="title"/>
+          </p:nvPr>
+        </p:nvSpPr>
+        <p:spPr/>
+        <p:txBody>
+          <a:bodyPr/>
+          <a:lstStyle/>
+          <a:p>
+            <a:r>
+              <a:rPr lang="en-US" dirty="0"/>
+              <a:t>Intended outcome</a:t>
+            </a:r>
+          </a:p>
+        </p:txBody>
+      </p:sp>
+      <p:sp>
+        <p:nvSpPr>
+          <p:cNvPr id="3" name="Espace réservé du texte 2">
+            <a:extLst>
+              <a:ext uri="{FF2B5EF4-FFF2-40B4-BE49-F238E27FC236}">
+                <a16:creationId xmlns:a16="http://schemas.microsoft.com/office/drawing/2014/main" id="{0BA73617-3CAE-4848-8E24-6D82ABF3557D}"/>
+              </a:ext>
+            </a:extLst>
+          </p:cNvPr>
+          <p:cNvSpPr>
+            <a:spLocks noGrp="1"/>
+          </p:cNvSpPr>
+          <p:nvPr>
+            <p:ph type="body" sz="quarter" idx="10"/>
+          </p:nvPr>
+        </p:nvSpPr>
+        <p:spPr/>
+        <p:txBody>
+          <a:bodyPr/>
+          <a:lstStyle/>
+          <a:p>
+            <a:r>
+              <a:rPr lang="en-US" dirty="0"/>
+              <a:t>Why are we doing this overview?</a:t>
+            </a:r>
+          </a:p>
+          <a:p>
+            <a:r>
+              <a:rPr lang="en-US" dirty="0"/>
+              <a:t>You will have optimization problems to solve</a:t>
+            </a:r>
+          </a:p>
+          <a:p>
+            <a:pPr lvl="1"/>
+            <a:r>
+              <a:rPr lang="en-US" dirty="0"/>
+              <a:t>Identify the typology (linear, non-linear, dynamic, static…)</a:t>
+            </a:r>
+          </a:p>
+          <a:p>
+            <a:pPr lvl="1"/>
+            <a:r>
+              <a:rPr lang="en-US" dirty="0"/>
+              <a:t>Match with the best algorithm for the problem</a:t>
+            </a:r>
+          </a:p>
+          <a:p>
+            <a:pPr lvl="1"/>
+            <a:r>
+              <a:rPr lang="en-US" dirty="0"/>
+              <a:t>Or get some ideas on how to design an algorithm</a:t>
+            </a:r>
+          </a:p>
+          <a:p>
+            <a:endParaRPr lang="en-US" dirty="0"/>
+          </a:p>
+          <a:p>
+            <a:r>
+              <a:rPr lang="en-US" dirty="0"/>
+              <a:t>Very often, the best optimization algorithm is HEURISTIC</a:t>
+            </a:r>
+          </a:p>
+          <a:p>
+            <a:endParaRPr lang="en-US" dirty="0"/>
+          </a:p>
+        </p:txBody>
+      </p:sp>
+    </p:spTree>
+    <p:extLst>
+      <p:ext uri="{BB962C8B-B14F-4D97-AF65-F5344CB8AC3E}">
+        <p14:creationId xmlns:p14="http://schemas.microsoft.com/office/powerpoint/2010/main" val="646405908"/>
+      </p:ext>
+    </p:extLst>
+  </p:cSld>
+  <p:clrMapOvr>
+    <a:masterClrMapping/>
+  </p:clrMapOvr>
+</p:sld>
+</file>
+
+<file path=ppt/slides/slide19.xml><?xml version="1.0" encoding="utf-8"?>
 <p:sld xmlns:a="http://schemas.openxmlformats.org/drawingml/2006/main" xmlns:r="http://schemas.openxmlformats.org/officeDocument/2006/relationships" xmlns:p="http://schemas.openxmlformats.org/presentationml/2006/main">
   <p:cSld>
     <p:spTree>
@@ -2480,15 +3340,20 @@
           <a:p>
             <a:r>
               <a:rPr lang="it-IT" dirty="0"/>
+              <a:t>Brainstorming</a:t>
+            </a:r>
+          </a:p>
+          <a:p>
+            <a:r>
+              <a:rPr lang="it-IT" dirty="0"/>
               <a:t>Taxonomy (-ies)</a:t>
             </a:r>
           </a:p>
           <a:p>
             <a:r>
-              <a:rPr lang="it-IT"/>
-              <a:t>Brainstorming</a:t>
-            </a:r>
-            <a:endParaRPr lang="it-IT" dirty="0"/>
+              <a:rPr lang="it-IT" dirty="0"/>
+              <a:t>Intended outcome</a:t>
+            </a:r>
           </a:p>
         </p:txBody>
       </p:sp>
@@ -3098,7 +3963,7 @@
           <a:p>
             <a:r>
               <a:rPr lang="en-US" dirty="0"/>
-              <a:t>General principles</a:t>
+              <a:t>General principles and assumptions</a:t>
             </a:r>
           </a:p>
         </p:txBody>
@@ -3244,7 +4109,7 @@
           <a:p>
             <a:r>
               <a:rPr lang="en-US" dirty="0"/>
-              <a:t>General principles</a:t>
+              <a:t>General principles and assumptions</a:t>
             </a:r>
           </a:p>
         </p:txBody>

--- a/optimization-methods-for-artificial-intelligence/optimization-introduction.pptx
+++ b/optimization-methods-for-artificial-intelligence/optimization-introduction.pptx
@@ -13,17 +13,18 @@
     <p:sldId id="263" r:id="rId7"/>
     <p:sldId id="261" r:id="rId8"/>
     <p:sldId id="267" r:id="rId9"/>
-    <p:sldId id="264" r:id="rId10"/>
-    <p:sldId id="270" r:id="rId11"/>
-    <p:sldId id="265" r:id="rId12"/>
-    <p:sldId id="268" r:id="rId13"/>
-    <p:sldId id="271" r:id="rId14"/>
-    <p:sldId id="272" r:id="rId15"/>
-    <p:sldId id="273" r:id="rId16"/>
-    <p:sldId id="275" r:id="rId17"/>
-    <p:sldId id="266" r:id="rId18"/>
-    <p:sldId id="274" r:id="rId19"/>
-    <p:sldId id="269" r:id="rId20"/>
+    <p:sldId id="276" r:id="rId10"/>
+    <p:sldId id="264" r:id="rId11"/>
+    <p:sldId id="270" r:id="rId12"/>
+    <p:sldId id="265" r:id="rId13"/>
+    <p:sldId id="268" r:id="rId14"/>
+    <p:sldId id="271" r:id="rId15"/>
+    <p:sldId id="272" r:id="rId16"/>
+    <p:sldId id="273" r:id="rId17"/>
+    <p:sldId id="275" r:id="rId18"/>
+    <p:sldId id="266" r:id="rId19"/>
+    <p:sldId id="274" r:id="rId20"/>
+    <p:sldId id="269" r:id="rId21"/>
   </p:sldIdLst>
   <p:sldSz cx="12192000" cy="6858000"/>
   <p:notesSz cx="6858000" cy="9144000"/>
@@ -1775,7 +1776,7 @@
           <p:cNvPr id="2" name="Titre 1">
             <a:extLst>
               <a:ext uri="{FF2B5EF4-FFF2-40B4-BE49-F238E27FC236}">
-                <a16:creationId xmlns:a16="http://schemas.microsoft.com/office/drawing/2014/main" id="{E4D016DB-D19B-43C1-853F-F1F5F9DDFBFB}"/>
+                <a16:creationId xmlns:a16="http://schemas.microsoft.com/office/drawing/2014/main" id="{E8769534-0F69-4CC0-A067-824E98004618}"/>
               </a:ext>
             </a:extLst>
           </p:cNvPr>
@@ -1793,7 +1794,7 @@
           <a:p>
             <a:r>
               <a:rPr lang="en-US" dirty="0"/>
-              <a:t>Simple strategies</a:t>
+              <a:t>Brainstorming</a:t>
             </a:r>
           </a:p>
         </p:txBody>
@@ -1803,7 +1804,7 @@
           <p:cNvPr id="3" name="Espace réservé du texte 2">
             <a:extLst>
               <a:ext uri="{FF2B5EF4-FFF2-40B4-BE49-F238E27FC236}">
-                <a16:creationId xmlns:a16="http://schemas.microsoft.com/office/drawing/2014/main" id="{9828DD91-0794-43F5-BF35-929C3B3E0B5B}"/>
+                <a16:creationId xmlns:a16="http://schemas.microsoft.com/office/drawing/2014/main" id="{7E6E889B-FB4D-462B-856D-4FD3D56BAE9F}"/>
               </a:ext>
             </a:extLst>
           </p:cNvPr>
@@ -1821,73 +1822,15 @@
           <a:p>
             <a:r>
               <a:rPr lang="en-US" dirty="0"/>
-              <a:t>Exhaustive search</a:t>
-            </a:r>
-          </a:p>
-          <a:p>
-            <a:pPr lvl="1"/>
-            <a:r>
-              <a:rPr lang="en-US" dirty="0"/>
-              <a:t>Evaluate all possible variable values in search space</a:t>
-            </a:r>
-          </a:p>
-          <a:p>
-            <a:pPr lvl="1"/>
-            <a:r>
-              <a:rPr lang="en-US" dirty="0"/>
-              <a:t>In practice, impossible; but a systematic (grid) search could be</a:t>
-            </a:r>
-          </a:p>
-          <a:p>
-            <a:r>
-              <a:rPr lang="en-US" dirty="0"/>
-              <a:t>Random search</a:t>
-            </a:r>
-          </a:p>
-          <a:p>
-            <a:pPr lvl="1"/>
-            <a:r>
-              <a:rPr lang="en-US" dirty="0"/>
-              <a:t>Randomly sample objective function in points within boundaries</a:t>
-            </a:r>
-          </a:p>
-          <a:p>
-            <a:pPr lvl="1"/>
-            <a:r>
-              <a:rPr lang="en-US" dirty="0"/>
-              <a:t>Does not take into account the feedback from objective function</a:t>
-            </a:r>
-          </a:p>
-          <a:p>
-            <a:r>
-              <a:rPr lang="en-US" dirty="0"/>
-              <a:t>Greedy search</a:t>
-            </a:r>
-          </a:p>
-          <a:p>
-            <a:pPr lvl="1"/>
-            <a:r>
-              <a:rPr lang="en-US" dirty="0"/>
-              <a:t>Start from a point, explore neighborhood and take best point</a:t>
-            </a:r>
-          </a:p>
-          <a:p>
-            <a:pPr lvl="1"/>
-            <a:r>
-              <a:rPr lang="en-US" dirty="0"/>
-              <a:t>Keep going until no improvement is found</a:t>
-            </a:r>
-          </a:p>
-          <a:p>
-            <a:pPr lvl="1"/>
-            <a:endParaRPr lang="en-US" dirty="0"/>
+              <a:t>Can we think about a few (simple) strategies to go through the search space and find the best possible point?</a:t>
+            </a:r>
           </a:p>
         </p:txBody>
       </p:sp>
     </p:spTree>
     <p:extLst>
       <p:ext uri="{BB962C8B-B14F-4D97-AF65-F5344CB8AC3E}">
-        <p14:creationId xmlns:p14="http://schemas.microsoft.com/office/powerpoint/2010/main" val="2919962269"/>
+        <p14:creationId xmlns:p14="http://schemas.microsoft.com/office/powerpoint/2010/main" val="1282739137"/>
       </p:ext>
     </p:extLst>
   </p:cSld>
@@ -1919,7 +1862,7 @@
           <p:cNvPr id="2" name="Titre 1">
             <a:extLst>
               <a:ext uri="{FF2B5EF4-FFF2-40B4-BE49-F238E27FC236}">
-                <a16:creationId xmlns:a16="http://schemas.microsoft.com/office/drawing/2014/main" id="{D2AFAD20-0DE1-4157-BD39-702BC71C9B23}"/>
+                <a16:creationId xmlns:a16="http://schemas.microsoft.com/office/drawing/2014/main" id="{E4D016DB-D19B-43C1-853F-F1F5F9DDFBFB}"/>
               </a:ext>
             </a:extLst>
           </p:cNvPr>
@@ -1937,7 +1880,7 @@
           <a:p>
             <a:r>
               <a:rPr lang="en-US" dirty="0"/>
-              <a:t>Taxonomy of optimization methods</a:t>
+              <a:t>Simple strategies</a:t>
             </a:r>
           </a:p>
         </p:txBody>
@@ -1947,7 +1890,7 @@
           <p:cNvPr id="3" name="Espace réservé du texte 2">
             <a:extLst>
               <a:ext uri="{FF2B5EF4-FFF2-40B4-BE49-F238E27FC236}">
-                <a16:creationId xmlns:a16="http://schemas.microsoft.com/office/drawing/2014/main" id="{19817DE2-D8C5-47E2-BFF8-D249C242BFF0}"/>
+                <a16:creationId xmlns:a16="http://schemas.microsoft.com/office/drawing/2014/main" id="{9828DD91-0794-43F5-BF35-929C3B3E0B5B}"/>
               </a:ext>
             </a:extLst>
           </p:cNvPr>
@@ -1960,84 +1903,78 @@
         </p:nvSpPr>
         <p:spPr/>
         <p:txBody>
-          <a:bodyPr>
-            <a:noAutofit/>
-          </a:bodyPr>
-          <a:lstStyle/>
-          <a:p>
-            <a:r>
-              <a:rPr lang="en-US" dirty="0"/>
-              <a:t>Continuous vs Discrete</a:t>
-            </a:r>
-          </a:p>
-          <a:p>
-            <a:pPr lvl="1"/>
-            <a:r>
-              <a:rPr lang="en-US" dirty="0"/>
-              <a:t>For discrete optimization, it becomes “choose one among many”</a:t>
-            </a:r>
-          </a:p>
-          <a:p>
-            <a:pPr lvl="1"/>
-            <a:r>
-              <a:rPr lang="en-US" dirty="0"/>
-              <a:t>Domain is “combinatorial optimization”</a:t>
-            </a:r>
-          </a:p>
-          <a:p>
-            <a:pPr lvl="1"/>
-            <a:r>
-              <a:rPr lang="en-US" dirty="0"/>
-              <a:t>Mixed discrete/continuous problems exist; also complex structures</a:t>
-            </a:r>
-          </a:p>
-          <a:p>
-            <a:r>
-              <a:rPr lang="en-US" dirty="0"/>
-              <a:t>Exact vs Stochastic</a:t>
-            </a:r>
-          </a:p>
-          <a:p>
-            <a:pPr lvl="1"/>
-            <a:r>
-              <a:rPr lang="en-US" dirty="0"/>
-              <a:t>Exact methods guarantee convergence on a global optimum</a:t>
-            </a:r>
-          </a:p>
-          <a:p>
-            <a:pPr lvl="1"/>
-            <a:r>
-              <a:rPr lang="en-US" dirty="0"/>
-              <a:t>However, they might require too much time…</a:t>
-            </a:r>
-          </a:p>
-          <a:p>
-            <a:pPr lvl="1"/>
-            <a:r>
-              <a:rPr lang="en-US" dirty="0"/>
-              <a:t>…or make assumptions on the objective function</a:t>
-            </a:r>
-          </a:p>
-          <a:p>
-            <a:pPr lvl="1"/>
-            <a:r>
-              <a:rPr lang="en-US" dirty="0"/>
-              <a:t>Stochastic methods deliver reasonable solution in short(er) time…</a:t>
-            </a:r>
-          </a:p>
-          <a:p>
-            <a:pPr lvl="1"/>
-            <a:r>
-              <a:rPr lang="en-US" dirty="0"/>
-              <a:t>…but they have no guarantees on whether it’s the global optimum</a:t>
-            </a:r>
+          <a:bodyPr/>
+          <a:lstStyle/>
+          <a:p>
+            <a:r>
+              <a:rPr lang="en-US" dirty="0"/>
+              <a:t>Exhaustive search</a:t>
+            </a:r>
+          </a:p>
+          <a:p>
+            <a:pPr lvl="1"/>
+            <a:r>
+              <a:rPr lang="en-US" dirty="0"/>
+              <a:t>Evaluate all possible variable values in search space</a:t>
+            </a:r>
+          </a:p>
+          <a:p>
+            <a:pPr lvl="1"/>
+            <a:r>
+              <a:rPr lang="en-US" dirty="0"/>
+              <a:t>In practice, impossible; but a systematic (grid) search could be</a:t>
+            </a:r>
+          </a:p>
+          <a:p>
+            <a:r>
+              <a:rPr lang="en-US" dirty="0"/>
+              <a:t>Random search</a:t>
+            </a:r>
+          </a:p>
+          <a:p>
+            <a:pPr lvl="1"/>
+            <a:r>
+              <a:rPr lang="en-US" dirty="0"/>
+              <a:t>Randomly sample objective function in points within boundaries</a:t>
+            </a:r>
+          </a:p>
+          <a:p>
+            <a:pPr lvl="1"/>
+            <a:r>
+              <a:rPr lang="en-US" dirty="0"/>
+              <a:t>Does not take into account the feedback from objective function</a:t>
+            </a:r>
+          </a:p>
+          <a:p>
+            <a:r>
+              <a:rPr lang="en-US" dirty="0"/>
+              <a:t>Greedy search</a:t>
+            </a:r>
+          </a:p>
+          <a:p>
+            <a:pPr lvl="1"/>
+            <a:r>
+              <a:rPr lang="en-US" dirty="0"/>
+              <a:t>Start from a point, explore neighborhood and take best point</a:t>
+            </a:r>
+          </a:p>
+          <a:p>
+            <a:pPr lvl="1"/>
+            <a:r>
+              <a:rPr lang="en-US" dirty="0"/>
+              <a:t>Keep going until no improvement is found</a:t>
+            </a:r>
+          </a:p>
+          <a:p>
+            <a:pPr lvl="1"/>
+            <a:endParaRPr lang="en-US" dirty="0"/>
           </a:p>
         </p:txBody>
       </p:sp>
     </p:spTree>
     <p:extLst>
       <p:ext uri="{BB962C8B-B14F-4D97-AF65-F5344CB8AC3E}">
-        <p14:creationId xmlns:p14="http://schemas.microsoft.com/office/powerpoint/2010/main" val="2823423570"/>
+        <p14:creationId xmlns:p14="http://schemas.microsoft.com/office/powerpoint/2010/main" val="2919962269"/>
       </p:ext>
     </p:extLst>
   </p:cSld>
@@ -2110,6 +2047,156 @@
         </p:nvSpPr>
         <p:spPr/>
         <p:txBody>
+          <a:bodyPr>
+            <a:noAutofit/>
+          </a:bodyPr>
+          <a:lstStyle/>
+          <a:p>
+            <a:r>
+              <a:rPr lang="en-US" dirty="0"/>
+              <a:t>Continuous vs Discrete</a:t>
+            </a:r>
+          </a:p>
+          <a:p>
+            <a:pPr lvl="1"/>
+            <a:r>
+              <a:rPr lang="en-US" dirty="0"/>
+              <a:t>For discrete optimization, it becomes “choose one among many”</a:t>
+            </a:r>
+          </a:p>
+          <a:p>
+            <a:pPr lvl="1"/>
+            <a:r>
+              <a:rPr lang="en-US" dirty="0"/>
+              <a:t>Domain is “combinatorial optimization”</a:t>
+            </a:r>
+          </a:p>
+          <a:p>
+            <a:pPr lvl="1"/>
+            <a:r>
+              <a:rPr lang="en-US" dirty="0"/>
+              <a:t>Mixed discrete/continuous problems exist; also complex structures</a:t>
+            </a:r>
+          </a:p>
+          <a:p>
+            <a:r>
+              <a:rPr lang="en-US" dirty="0"/>
+              <a:t>Exact vs Stochastic</a:t>
+            </a:r>
+          </a:p>
+          <a:p>
+            <a:pPr lvl="1"/>
+            <a:r>
+              <a:rPr lang="en-US" dirty="0"/>
+              <a:t>Exact methods guarantee convergence on a global optimum</a:t>
+            </a:r>
+          </a:p>
+          <a:p>
+            <a:pPr lvl="1"/>
+            <a:r>
+              <a:rPr lang="en-US" dirty="0"/>
+              <a:t>However, they might require too much time…</a:t>
+            </a:r>
+          </a:p>
+          <a:p>
+            <a:pPr lvl="1"/>
+            <a:r>
+              <a:rPr lang="en-US" dirty="0"/>
+              <a:t>…or make assumptions on the objective function</a:t>
+            </a:r>
+          </a:p>
+          <a:p>
+            <a:pPr lvl="1"/>
+            <a:r>
+              <a:rPr lang="en-US" dirty="0"/>
+              <a:t>Stochastic methods deliver reasonable solution in short(er) time…</a:t>
+            </a:r>
+          </a:p>
+          <a:p>
+            <a:pPr lvl="1"/>
+            <a:r>
+              <a:rPr lang="en-US" dirty="0"/>
+              <a:t>…but they have no guarantees on whether it’s the global optimum</a:t>
+            </a:r>
+          </a:p>
+        </p:txBody>
+      </p:sp>
+    </p:spTree>
+    <p:extLst>
+      <p:ext uri="{BB962C8B-B14F-4D97-AF65-F5344CB8AC3E}">
+        <p14:creationId xmlns:p14="http://schemas.microsoft.com/office/powerpoint/2010/main" val="2823423570"/>
+      </p:ext>
+    </p:extLst>
+  </p:cSld>
+  <p:clrMapOvr>
+    <a:masterClrMapping/>
+  </p:clrMapOvr>
+</p:sld>
+</file>
+
+<file path=ppt/slides/slide13.xml><?xml version="1.0" encoding="utf-8"?>
+<p:sld xmlns:a="http://schemas.openxmlformats.org/drawingml/2006/main" xmlns:r="http://schemas.openxmlformats.org/officeDocument/2006/relationships" xmlns:p="http://schemas.openxmlformats.org/presentationml/2006/main">
+  <p:cSld>
+    <p:spTree>
+      <p:nvGrpSpPr>
+        <p:cNvPr id="1" name=""/>
+        <p:cNvGrpSpPr/>
+        <p:nvPr/>
+      </p:nvGrpSpPr>
+      <p:grpSpPr>
+        <a:xfrm>
+          <a:off x="0" y="0"/>
+          <a:ext cx="0" cy="0"/>
+          <a:chOff x="0" y="0"/>
+          <a:chExt cx="0" cy="0"/>
+        </a:xfrm>
+      </p:grpSpPr>
+      <p:sp>
+        <p:nvSpPr>
+          <p:cNvPr id="2" name="Titre 1">
+            <a:extLst>
+              <a:ext uri="{FF2B5EF4-FFF2-40B4-BE49-F238E27FC236}">
+                <a16:creationId xmlns:a16="http://schemas.microsoft.com/office/drawing/2014/main" id="{D2AFAD20-0DE1-4157-BD39-702BC71C9B23}"/>
+              </a:ext>
+            </a:extLst>
+          </p:cNvPr>
+          <p:cNvSpPr>
+            <a:spLocks noGrp="1"/>
+          </p:cNvSpPr>
+          <p:nvPr>
+            <p:ph type="title"/>
+          </p:nvPr>
+        </p:nvSpPr>
+        <p:spPr/>
+        <p:txBody>
+          <a:bodyPr/>
+          <a:lstStyle/>
+          <a:p>
+            <a:r>
+              <a:rPr lang="en-US" dirty="0"/>
+              <a:t>Taxonomy of optimization methods</a:t>
+            </a:r>
+          </a:p>
+        </p:txBody>
+      </p:sp>
+      <p:sp>
+        <p:nvSpPr>
+          <p:cNvPr id="3" name="Espace réservé du texte 2">
+            <a:extLst>
+              <a:ext uri="{FF2B5EF4-FFF2-40B4-BE49-F238E27FC236}">
+                <a16:creationId xmlns:a16="http://schemas.microsoft.com/office/drawing/2014/main" id="{19817DE2-D8C5-47E2-BFF8-D249C242BFF0}"/>
+              </a:ext>
+            </a:extLst>
+          </p:cNvPr>
+          <p:cNvSpPr>
+            <a:spLocks noGrp="1"/>
+          </p:cNvSpPr>
+          <p:nvPr>
+            <p:ph type="body" sz="quarter" idx="10"/>
+          </p:nvPr>
+        </p:nvSpPr>
+        <p:spPr/>
+        <p:txBody>
           <a:bodyPr/>
           <a:lstStyle/>
           <a:p>
@@ -2185,7 +2272,7 @@
 </p:sld>
 </file>
 
-<file path=ppt/slides/slide13.xml><?xml version="1.0" encoding="utf-8"?>
+<file path=ppt/slides/slide14.xml><?xml version="1.0" encoding="utf-8"?>
 <p:sld xmlns:a="http://schemas.openxmlformats.org/drawingml/2006/main" xmlns:r="http://schemas.openxmlformats.org/officeDocument/2006/relationships" xmlns:p="http://schemas.openxmlformats.org/presentationml/2006/main">
   <p:cSld>
     <p:spTree>
@@ -2331,7 +2418,7 @@
 </p:sld>
 </file>
 
-<file path=ppt/slides/slide14.xml><?xml version="1.0" encoding="utf-8"?>
+<file path=ppt/slides/slide15.xml><?xml version="1.0" encoding="utf-8"?>
 <p:sld xmlns:a="http://schemas.openxmlformats.org/drawingml/2006/main" xmlns:r="http://schemas.openxmlformats.org/officeDocument/2006/relationships" xmlns:p="http://schemas.openxmlformats.org/presentationml/2006/main">
   <p:cSld>
     <p:spTree>
@@ -2581,7 +2668,7 @@
 </p:sld>
 </file>
 
-<file path=ppt/slides/slide15.xml><?xml version="1.0" encoding="utf-8"?>
+<file path=ppt/slides/slide16.xml><?xml version="1.0" encoding="utf-8"?>
 <p:sld xmlns:a="http://schemas.openxmlformats.org/drawingml/2006/main" xmlns:r="http://schemas.openxmlformats.org/officeDocument/2006/relationships" xmlns:p="http://schemas.openxmlformats.org/presentationml/2006/main">
   <p:cSld>
     <p:spTree>
@@ -2626,8 +2713,8 @@
           </a:p>
         </p:txBody>
       </p:sp>
-      <mc:AlternateContent xmlns:mc="http://schemas.openxmlformats.org/markup-compatibility/2006">
-        <mc:Choice xmlns:a14="http://schemas.microsoft.com/office/drawing/2010/main" Requires="a14">
+      <mc:AlternateContent xmlns:mc="http://schemas.openxmlformats.org/markup-compatibility/2006" xmlns:a14="http://schemas.microsoft.com/office/drawing/2010/main">
+        <mc:Choice Requires="a14">
           <p:sp>
             <p:nvSpPr>
               <p:cNvPr id="3" name="Espace réservé du texte 2">
@@ -2764,7 +2851,7 @@
             </p:txBody>
           </p:sp>
         </mc:Choice>
-        <mc:Fallback>
+        <mc:Fallback xmlns="">
           <p:sp>
             <p:nvSpPr>
               <p:cNvPr id="3" name="Espace réservé du texte 2">
@@ -2817,106 +2904,6 @@
 </p:sld>
 </file>
 
-<file path=ppt/slides/slide16.xml><?xml version="1.0" encoding="utf-8"?>
-<p:sld xmlns:a="http://schemas.openxmlformats.org/drawingml/2006/main" xmlns:r="http://schemas.openxmlformats.org/officeDocument/2006/relationships" xmlns:p="http://schemas.openxmlformats.org/presentationml/2006/main">
-  <p:cSld>
-    <p:spTree>
-      <p:nvGrpSpPr>
-        <p:cNvPr id="1" name=""/>
-        <p:cNvGrpSpPr/>
-        <p:nvPr/>
-      </p:nvGrpSpPr>
-      <p:grpSpPr>
-        <a:xfrm>
-          <a:off x="0" y="0"/>
-          <a:ext cx="0" cy="0"/>
-          <a:chOff x="0" y="0"/>
-          <a:chExt cx="0" cy="0"/>
-        </a:xfrm>
-      </p:grpSpPr>
-      <p:sp>
-        <p:nvSpPr>
-          <p:cNvPr id="2" name="Titre 1">
-            <a:extLst>
-              <a:ext uri="{FF2B5EF4-FFF2-40B4-BE49-F238E27FC236}">
-                <a16:creationId xmlns:a16="http://schemas.microsoft.com/office/drawing/2014/main" id="{38F283DB-373A-4D0E-91FF-512CE166AA5A}"/>
-              </a:ext>
-            </a:extLst>
-          </p:cNvPr>
-          <p:cNvSpPr>
-            <a:spLocks noGrp="1"/>
-          </p:cNvSpPr>
-          <p:nvPr>
-            <p:ph type="title"/>
-          </p:nvPr>
-        </p:nvSpPr>
-        <p:spPr/>
-        <p:txBody>
-          <a:bodyPr/>
-          <a:lstStyle/>
-          <a:p>
-            <a:r>
-              <a:rPr lang="en-US" dirty="0"/>
-              <a:t>Taxonomy of optimization problems</a:t>
-            </a:r>
-          </a:p>
-        </p:txBody>
-      </p:sp>
-      <p:sp>
-        <p:nvSpPr>
-          <p:cNvPr id="3" name="Espace réservé du texte 2">
-            <a:extLst>
-              <a:ext uri="{FF2B5EF4-FFF2-40B4-BE49-F238E27FC236}">
-                <a16:creationId xmlns:a16="http://schemas.microsoft.com/office/drawing/2014/main" id="{EB3459E1-6021-4DAD-881F-3E5891837093}"/>
-              </a:ext>
-            </a:extLst>
-          </p:cNvPr>
-          <p:cNvSpPr>
-            <a:spLocks noGrp="1"/>
-          </p:cNvSpPr>
-          <p:nvPr>
-            <p:ph type="body" sz="quarter" idx="10"/>
-          </p:nvPr>
-        </p:nvSpPr>
-        <p:spPr/>
-        <p:txBody>
-          <a:bodyPr/>
-          <a:lstStyle/>
-          <a:p>
-            <a:r>
-              <a:rPr lang="en-US" dirty="0"/>
-              <a:t>Computationally expensiveness of objective function</a:t>
-            </a:r>
-          </a:p>
-          <a:p>
-            <a:pPr lvl="1"/>
-            <a:r>
-              <a:rPr lang="en-US" dirty="0"/>
-              <a:t>Not expensive: extensive sampling possible</a:t>
-            </a:r>
-          </a:p>
-          <a:p>
-            <a:pPr lvl="1"/>
-            <a:r>
-              <a:rPr lang="en-US" dirty="0"/>
-              <a:t>Expensive: surrogate models, Bayesian optimization, store list of all solutions previously evaluated…</a:t>
-            </a:r>
-          </a:p>
-        </p:txBody>
-      </p:sp>
-    </p:spTree>
-    <p:extLst>
-      <p:ext uri="{BB962C8B-B14F-4D97-AF65-F5344CB8AC3E}">
-        <p14:creationId xmlns:p14="http://schemas.microsoft.com/office/powerpoint/2010/main" val="1704670619"/>
-      </p:ext>
-    </p:extLst>
-  </p:cSld>
-  <p:clrMapOvr>
-    <a:masterClrMapping/>
-  </p:clrMapOvr>
-</p:sld>
-</file>
-
 <file path=ppt/slides/slide17.xml><?xml version="1.0" encoding="utf-8"?>
 <p:sld xmlns:a="http://schemas.openxmlformats.org/drawingml/2006/main" xmlns:r="http://schemas.openxmlformats.org/officeDocument/2006/relationships" xmlns:p="http://schemas.openxmlformats.org/presentationml/2006/main">
   <p:cSld>
@@ -2939,7 +2926,7 @@
           <p:cNvPr id="2" name="Titre 1">
             <a:extLst>
               <a:ext uri="{FF2B5EF4-FFF2-40B4-BE49-F238E27FC236}">
-                <a16:creationId xmlns:a16="http://schemas.microsoft.com/office/drawing/2014/main" id="{9170B0D4-FEE2-4713-B14D-600141E0F4FE}"/>
+                <a16:creationId xmlns:a16="http://schemas.microsoft.com/office/drawing/2014/main" id="{38F283DB-373A-4D0E-91FF-512CE166AA5A}"/>
               </a:ext>
             </a:extLst>
           </p:cNvPr>
@@ -2957,7 +2944,7 @@
           <a:p>
             <a:r>
               <a:rPr lang="en-US" dirty="0"/>
-              <a:t>Real-world applications can be weird</a:t>
+              <a:t>Taxonomy of optimization problems</a:t>
             </a:r>
           </a:p>
         </p:txBody>
@@ -2967,7 +2954,7 @@
           <p:cNvPr id="3" name="Espace réservé du texte 2">
             <a:extLst>
               <a:ext uri="{FF2B5EF4-FFF2-40B4-BE49-F238E27FC236}">
-                <a16:creationId xmlns:a16="http://schemas.microsoft.com/office/drawing/2014/main" id="{84BDD6C9-5CA1-4F5E-9AE7-5D6FCCF39868}"/>
+                <a16:creationId xmlns:a16="http://schemas.microsoft.com/office/drawing/2014/main" id="{EB3459E1-6021-4DAD-881F-3E5891837093}"/>
               </a:ext>
             </a:extLst>
           </p:cNvPr>
@@ -2985,53 +2972,21 @@
           <a:p>
             <a:r>
               <a:rPr lang="en-US" dirty="0"/>
-              <a:t>Mix of continuous and discrete variables</a:t>
-            </a:r>
-          </a:p>
-          <a:p>
-            <a:r>
-              <a:rPr lang="en-US" dirty="0"/>
-              <a:t>Optimize graphs, trees, ensembles </a:t>
-            </a:r>
-            <a:r>
-              <a:rPr lang="en-US"/>
-              <a:t>of trees…</a:t>
-            </a:r>
-            <a:endParaRPr lang="en-US" dirty="0"/>
-          </a:p>
-          <a:p>
-            <a:r>
-              <a:rPr lang="en-US" dirty="0"/>
-              <a:t>Search space can be hard to characterize</a:t>
-            </a:r>
-          </a:p>
-          <a:p>
-            <a:pPr lvl="1"/>
-            <a:r>
-              <a:rPr lang="en-US" dirty="0"/>
-              <a:t>E.g. “optimize the shape of a car to minimize wind resistance”</a:t>
-            </a:r>
-          </a:p>
-          <a:p>
-            <a:pPr lvl="1"/>
-            <a:r>
-              <a:rPr lang="en-US" dirty="0"/>
-              <a:t>E.g. “optimize the order of visit of a series of towns, to minimize traveling time”</a:t>
-            </a:r>
-          </a:p>
-          <a:p>
-            <a:pPr lvl="1"/>
-            <a:r>
-              <a:rPr lang="en-US" dirty="0"/>
-              <a:t>E.g. “optimize an Assembly language program that is able to set all bits in the </a:t>
-            </a:r>
-            <a:r>
-              <a:rPr lang="en-US" i="1" dirty="0"/>
-              <a:t>ax</a:t>
-            </a:r>
-            <a:r>
-              <a:rPr lang="en-US" dirty="0"/>
-              <a:t> computer registry to zero (maximize number of bits set to zero)”</a:t>
+              <a:t>Computationally expensiveness of objective function</a:t>
+            </a:r>
+          </a:p>
+          <a:p>
+            <a:pPr lvl="1"/>
+            <a:r>
+              <a:rPr lang="en-US" dirty="0"/>
+              <a:t>Not expensive: extensive sampling possible</a:t>
+            </a:r>
+          </a:p>
+          <a:p>
+            <a:pPr lvl="1"/>
+            <a:r>
+              <a:rPr lang="en-US" dirty="0"/>
+              <a:t>Expensive: surrogate models, Bayesian optimization, store list of all solutions previously evaluated…</a:t>
             </a:r>
           </a:p>
         </p:txBody>
@@ -3039,7 +2994,7 @@
     </p:spTree>
     <p:extLst>
       <p:ext uri="{BB962C8B-B14F-4D97-AF65-F5344CB8AC3E}">
-        <p14:creationId xmlns:p14="http://schemas.microsoft.com/office/powerpoint/2010/main" val="423835340"/>
+        <p14:creationId xmlns:p14="http://schemas.microsoft.com/office/powerpoint/2010/main" val="1704670619"/>
       </p:ext>
     </p:extLst>
   </p:cSld>
@@ -3071,7 +3026,7 @@
           <p:cNvPr id="2" name="Titre 1">
             <a:extLst>
               <a:ext uri="{FF2B5EF4-FFF2-40B4-BE49-F238E27FC236}">
-                <a16:creationId xmlns:a16="http://schemas.microsoft.com/office/drawing/2014/main" id="{8A111054-157A-4EAD-92D3-024F1981BE8B}"/>
+                <a16:creationId xmlns:a16="http://schemas.microsoft.com/office/drawing/2014/main" id="{9170B0D4-FEE2-4713-B14D-600141E0F4FE}"/>
               </a:ext>
             </a:extLst>
           </p:cNvPr>
@@ -3089,7 +3044,7 @@
           <a:p>
             <a:r>
               <a:rPr lang="en-US" dirty="0"/>
-              <a:t>Intended outcome</a:t>
+              <a:t>Real-world applications can be weird</a:t>
             </a:r>
           </a:p>
         </p:txBody>
@@ -3099,7 +3054,7 @@
           <p:cNvPr id="3" name="Espace réservé du texte 2">
             <a:extLst>
               <a:ext uri="{FF2B5EF4-FFF2-40B4-BE49-F238E27FC236}">
-                <a16:creationId xmlns:a16="http://schemas.microsoft.com/office/drawing/2014/main" id="{0BA73617-3CAE-4848-8E24-6D82ABF3557D}"/>
+                <a16:creationId xmlns:a16="http://schemas.microsoft.com/office/drawing/2014/main" id="{84BDD6C9-5CA1-4F5E-9AE7-5D6FCCF39868}"/>
               </a:ext>
             </a:extLst>
           </p:cNvPr>
@@ -3117,54 +3072,61 @@
           <a:p>
             <a:r>
               <a:rPr lang="en-US" dirty="0"/>
-              <a:t>Why are we doing this overview?</a:t>
-            </a:r>
-          </a:p>
-          <a:p>
-            <a:r>
-              <a:rPr lang="en-US" dirty="0"/>
-              <a:t>You will have optimization problems to solve</a:t>
-            </a:r>
-          </a:p>
-          <a:p>
-            <a:pPr lvl="1"/>
-            <a:r>
-              <a:rPr lang="en-US" dirty="0"/>
-              <a:t>Identify the typology (linear, non-linear, dynamic, static…)</a:t>
-            </a:r>
-          </a:p>
-          <a:p>
-            <a:pPr lvl="1"/>
-            <a:r>
-              <a:rPr lang="en-US" dirty="0"/>
-              <a:t>Match with the best algorithm for the problem</a:t>
-            </a:r>
-          </a:p>
-          <a:p>
-            <a:pPr lvl="1"/>
-            <a:r>
-              <a:rPr lang="en-US" dirty="0"/>
-              <a:t>Or get some ideas on how to design an algorithm</a:t>
-            </a:r>
-          </a:p>
-          <a:p>
+              <a:t>Mix of continuous and discrete variables</a:t>
+            </a:r>
+          </a:p>
+          <a:p>
+            <a:r>
+              <a:rPr lang="en-US" dirty="0"/>
+              <a:t>Optimize graphs, trees, ensembles </a:t>
+            </a:r>
+            <a:r>
+              <a:rPr lang="en-US"/>
+              <a:t>of trees…</a:t>
+            </a:r>
             <a:endParaRPr lang="en-US" dirty="0"/>
           </a:p>
           <a:p>
             <a:r>
               <a:rPr lang="en-US" dirty="0"/>
-              <a:t>Very often, the best optimization algorithm is HEURISTIC</a:t>
-            </a:r>
-          </a:p>
-          <a:p>
-            <a:endParaRPr lang="en-US" dirty="0"/>
+              <a:t>Search space can be hard to characterize</a:t>
+            </a:r>
+          </a:p>
+          <a:p>
+            <a:pPr lvl="1"/>
+            <a:r>
+              <a:rPr lang="en-US" dirty="0"/>
+              <a:t>E.g. “optimize the shape of a car to minimize wind resistance”</a:t>
+            </a:r>
+          </a:p>
+          <a:p>
+            <a:pPr lvl="1"/>
+            <a:r>
+              <a:rPr lang="en-US" dirty="0"/>
+              <a:t>E.g. “optimize the order of visit of a series of towns, to minimize traveling time”</a:t>
+            </a:r>
+          </a:p>
+          <a:p>
+            <a:pPr lvl="1"/>
+            <a:r>
+              <a:rPr lang="en-US" dirty="0"/>
+              <a:t>E.g. “optimize an Assembly language program that is able to set all bits in the </a:t>
+            </a:r>
+            <a:r>
+              <a:rPr lang="en-US" i="1" dirty="0"/>
+              <a:t>ax</a:t>
+            </a:r>
+            <a:r>
+              <a:rPr lang="en-US" dirty="0"/>
+              <a:t> computer registry to zero (maximize number of bits set to zero)”</a:t>
+            </a:r>
           </a:p>
         </p:txBody>
       </p:sp>
     </p:spTree>
     <p:extLst>
       <p:ext uri="{BB962C8B-B14F-4D97-AF65-F5344CB8AC3E}">
-        <p14:creationId xmlns:p14="http://schemas.microsoft.com/office/powerpoint/2010/main" val="646405908"/>
+        <p14:creationId xmlns:p14="http://schemas.microsoft.com/office/powerpoint/2010/main" val="423835340"/>
       </p:ext>
     </p:extLst>
   </p:cSld>
@@ -3193,10 +3155,10 @@
       </p:grpSpPr>
       <p:sp>
         <p:nvSpPr>
-          <p:cNvPr id="4" name="Titre 3">
-            <a:extLst>
-              <a:ext uri="{FF2B5EF4-FFF2-40B4-BE49-F238E27FC236}">
-                <a16:creationId xmlns:a16="http://schemas.microsoft.com/office/drawing/2014/main" id="{B53E8A05-42BD-489E-BF5F-958C213739DF}"/>
+          <p:cNvPr id="2" name="Titre 1">
+            <a:extLst>
+              <a:ext uri="{FF2B5EF4-FFF2-40B4-BE49-F238E27FC236}">
+                <a16:creationId xmlns:a16="http://schemas.microsoft.com/office/drawing/2014/main" id="{8A111054-157A-4EAD-92D3-024F1981BE8B}"/>
               </a:ext>
             </a:extLst>
           </p:cNvPr>
@@ -3204,7 +3166,7 @@
             <a:spLocks noGrp="1"/>
           </p:cNvSpPr>
           <p:nvPr>
-            <p:ph type="ctrTitle"/>
+            <p:ph type="title"/>
           </p:nvPr>
         </p:nvSpPr>
         <p:spPr/>
@@ -3214,17 +3176,17 @@
           <a:p>
             <a:r>
               <a:rPr lang="en-US" dirty="0"/>
-              <a:t>Questions?</a:t>
-            </a:r>
-          </a:p>
-        </p:txBody>
-      </p:sp>
-      <p:sp>
-        <p:nvSpPr>
-          <p:cNvPr id="5" name="Sous-titre 4">
-            <a:extLst>
-              <a:ext uri="{FF2B5EF4-FFF2-40B4-BE49-F238E27FC236}">
-                <a16:creationId xmlns:a16="http://schemas.microsoft.com/office/drawing/2014/main" id="{CEB63DBD-0FC0-4057-AC92-1717C1D0ED55}"/>
+              <a:t>Intended outcome</a:t>
+            </a:r>
+          </a:p>
+        </p:txBody>
+      </p:sp>
+      <p:sp>
+        <p:nvSpPr>
+          <p:cNvPr id="3" name="Espace réservé du texte 2">
+            <a:extLst>
+              <a:ext uri="{FF2B5EF4-FFF2-40B4-BE49-F238E27FC236}">
+                <a16:creationId xmlns:a16="http://schemas.microsoft.com/office/drawing/2014/main" id="{0BA73617-3CAE-4848-8E24-6D82ABF3557D}"/>
               </a:ext>
             </a:extLst>
           </p:cNvPr>
@@ -3232,19 +3194,44 @@
             <a:spLocks noGrp="1"/>
           </p:cNvSpPr>
           <p:nvPr>
-            <p:ph type="subTitle" idx="1"/>
+            <p:ph type="body" sz="quarter" idx="10"/>
           </p:nvPr>
         </p:nvSpPr>
         <p:spPr/>
         <p:txBody>
-          <a:bodyPr>
-            <a:noAutofit/>
-          </a:bodyPr>
-          <a:lstStyle/>
-          <a:p>
-            <a:r>
-              <a:rPr lang="en-US" dirty="0"/>
-              <a:t>Bibliography</a:t>
+          <a:bodyPr/>
+          <a:lstStyle/>
+          <a:p>
+            <a:r>
+              <a:rPr lang="en-US" dirty="0"/>
+              <a:t>Why are we doing this overview?</a:t>
+            </a:r>
+          </a:p>
+          <a:p>
+            <a:r>
+              <a:rPr lang="en-US" dirty="0"/>
+              <a:t>You will have optimization problems to solve</a:t>
+            </a:r>
+          </a:p>
+          <a:p>
+            <a:pPr lvl="1"/>
+            <a:r>
+              <a:rPr lang="en-US" dirty="0"/>
+              <a:t>Identify the typology (linear, non-linear, dynamic, static…)</a:t>
+            </a:r>
+          </a:p>
+          <a:p>
+            <a:pPr lvl="1"/>
+            <a:r>
+              <a:rPr lang="en-US" dirty="0"/>
+              <a:t>Match with the best algorithm for the problem</a:t>
+            </a:r>
+          </a:p>
+          <a:p>
+            <a:pPr lvl="1"/>
+            <a:r>
+              <a:rPr lang="en-US" dirty="0"/>
+              <a:t>Or get some ideas on how to design an optimization algorithm</a:t>
             </a:r>
           </a:p>
           <a:p>
@@ -3253,15 +3240,32 @@
           <a:p>
             <a:r>
               <a:rPr lang="en-US" dirty="0"/>
-              <a:t>Images: unless otherwise stated, I stole them from the Internet. I hope they are not copyrighted, or that their use falls under the Fair Use clause, and if not, I am sorry. Please don’t sue me.</a:t>
-            </a:r>
+              <a:t>Very often, the best optimization algorithm is HEURISTIC</a:t>
+            </a:r>
+          </a:p>
+          <a:p>
+            <a:pPr lvl="1"/>
+            <a:r>
+              <a:rPr lang="en-US" dirty="0"/>
+              <a:t>Heuristic is developed ad-hoc for the target problem</a:t>
+            </a:r>
+          </a:p>
+          <a:p>
+            <a:pPr lvl="1"/>
+            <a:r>
+              <a:rPr lang="en-US" dirty="0"/>
+              <a:t>Employs domain knowledge of the problem inside algorithm</a:t>
+            </a:r>
+          </a:p>
+          <a:p>
+            <a:endParaRPr lang="en-US" dirty="0"/>
           </a:p>
         </p:txBody>
       </p:sp>
     </p:spTree>
     <p:extLst>
       <p:ext uri="{BB962C8B-B14F-4D97-AF65-F5344CB8AC3E}">
-        <p14:creationId xmlns:p14="http://schemas.microsoft.com/office/powerpoint/2010/main" val="938009228"/>
+        <p14:creationId xmlns:p14="http://schemas.microsoft.com/office/powerpoint/2010/main" val="646405908"/>
       </p:ext>
     </p:extLst>
   </p:cSld>
@@ -3370,6 +3374,103 @@
 </p:sld>
 </file>
 
+<file path=ppt/slides/slide20.xml><?xml version="1.0" encoding="utf-8"?>
+<p:sld xmlns:a="http://schemas.openxmlformats.org/drawingml/2006/main" xmlns:r="http://schemas.openxmlformats.org/officeDocument/2006/relationships" xmlns:p="http://schemas.openxmlformats.org/presentationml/2006/main">
+  <p:cSld>
+    <p:spTree>
+      <p:nvGrpSpPr>
+        <p:cNvPr id="1" name=""/>
+        <p:cNvGrpSpPr/>
+        <p:nvPr/>
+      </p:nvGrpSpPr>
+      <p:grpSpPr>
+        <a:xfrm>
+          <a:off x="0" y="0"/>
+          <a:ext cx="0" cy="0"/>
+          <a:chOff x="0" y="0"/>
+          <a:chExt cx="0" cy="0"/>
+        </a:xfrm>
+      </p:grpSpPr>
+      <p:sp>
+        <p:nvSpPr>
+          <p:cNvPr id="4" name="Titre 3">
+            <a:extLst>
+              <a:ext uri="{FF2B5EF4-FFF2-40B4-BE49-F238E27FC236}">
+                <a16:creationId xmlns:a16="http://schemas.microsoft.com/office/drawing/2014/main" id="{B53E8A05-42BD-489E-BF5F-958C213739DF}"/>
+              </a:ext>
+            </a:extLst>
+          </p:cNvPr>
+          <p:cNvSpPr>
+            <a:spLocks noGrp="1"/>
+          </p:cNvSpPr>
+          <p:nvPr>
+            <p:ph type="ctrTitle"/>
+          </p:nvPr>
+        </p:nvSpPr>
+        <p:spPr/>
+        <p:txBody>
+          <a:bodyPr/>
+          <a:lstStyle/>
+          <a:p>
+            <a:r>
+              <a:rPr lang="en-US" dirty="0"/>
+              <a:t>Questions?</a:t>
+            </a:r>
+          </a:p>
+        </p:txBody>
+      </p:sp>
+      <p:sp>
+        <p:nvSpPr>
+          <p:cNvPr id="5" name="Sous-titre 4">
+            <a:extLst>
+              <a:ext uri="{FF2B5EF4-FFF2-40B4-BE49-F238E27FC236}">
+                <a16:creationId xmlns:a16="http://schemas.microsoft.com/office/drawing/2014/main" id="{CEB63DBD-0FC0-4057-AC92-1717C1D0ED55}"/>
+              </a:ext>
+            </a:extLst>
+          </p:cNvPr>
+          <p:cNvSpPr>
+            <a:spLocks noGrp="1"/>
+          </p:cNvSpPr>
+          <p:nvPr>
+            <p:ph type="subTitle" idx="1"/>
+          </p:nvPr>
+        </p:nvSpPr>
+        <p:spPr/>
+        <p:txBody>
+          <a:bodyPr>
+            <a:noAutofit/>
+          </a:bodyPr>
+          <a:lstStyle/>
+          <a:p>
+            <a:r>
+              <a:rPr lang="en-US" dirty="0"/>
+              <a:t>Bibliography</a:t>
+            </a:r>
+          </a:p>
+          <a:p>
+            <a:endParaRPr lang="en-US" dirty="0"/>
+          </a:p>
+          <a:p>
+            <a:r>
+              <a:rPr lang="en-US" dirty="0"/>
+              <a:t>Images: unless otherwise stated, I stole them from the Internet. I hope they are not copyrighted, or that their use falls under the Fair Use clause, and if not, I am sorry. Please don’t sue me.</a:t>
+            </a:r>
+          </a:p>
+        </p:txBody>
+      </p:sp>
+    </p:spTree>
+    <p:extLst>
+      <p:ext uri="{BB962C8B-B14F-4D97-AF65-F5344CB8AC3E}">
+        <p14:creationId xmlns:p14="http://schemas.microsoft.com/office/powerpoint/2010/main" val="938009228"/>
+      </p:ext>
+    </p:extLst>
+  </p:cSld>
+  <p:clrMapOvr>
+    <a:masterClrMapping/>
+  </p:clrMapOvr>
+</p:sld>
+</file>
+
 <file path=ppt/slides/slide3.xml><?xml version="1.0" encoding="utf-8"?>
 <p:sld xmlns:a="http://schemas.openxmlformats.org/drawingml/2006/main" xmlns:r="http://schemas.openxmlformats.org/officeDocument/2006/relationships" xmlns:p="http://schemas.openxmlformats.org/presentationml/2006/main">
   <p:cSld>
@@ -3496,7 +3597,7 @@
           <a:p>
             <a:r>
               <a:rPr lang="en-US" dirty="0"/>
-              <a:t>Search space</a:t>
+              <a:t>Search space/objective function landscape</a:t>
             </a:r>
           </a:p>
           <a:p>
@@ -3776,6 +3877,53 @@
           </a:p>
         </p:txBody>
       </p:sp>
+      <p:pic>
+        <p:nvPicPr>
+          <p:cNvPr id="1028" name="Picture 4" descr="Illustration of local optimum and global optimum | Download Scientific  Diagram">
+            <a:extLst>
+              <a:ext uri="{FF2B5EF4-FFF2-40B4-BE49-F238E27FC236}">
+                <a16:creationId xmlns:a16="http://schemas.microsoft.com/office/drawing/2014/main" id="{0885A5D5-7325-4FD3-8C74-4AE998C4ED58}"/>
+              </a:ext>
+            </a:extLst>
+          </p:cNvPr>
+          <p:cNvPicPr>
+            <a:picLocks noChangeAspect="1" noChangeArrowheads="1"/>
+          </p:cNvPicPr>
+          <p:nvPr/>
+        </p:nvPicPr>
+        <p:blipFill>
+          <a:blip r:embed="rId2" cstate="print">
+            <a:extLst>
+              <a:ext uri="{28A0092B-C50C-407E-A947-70E740481C1C}">
+                <a14:useLocalDpi xmlns:a14="http://schemas.microsoft.com/office/drawing/2010/main" val="0"/>
+              </a:ext>
+            </a:extLst>
+          </a:blip>
+          <a:srcRect/>
+          <a:stretch>
+            <a:fillRect/>
+          </a:stretch>
+        </p:blipFill>
+        <p:spPr bwMode="auto">
+          <a:xfrm>
+            <a:off x="7918515" y="3884220"/>
+            <a:ext cx="3435285" cy="2606775"/>
+          </a:xfrm>
+          <a:prstGeom prst="rect">
+            <a:avLst/>
+          </a:prstGeom>
+          <a:noFill/>
+          <a:extLst>
+            <a:ext uri="{909E8E84-426E-40DD-AFC4-6F175D3DCCD1}">
+              <a14:hiddenFill xmlns:a14="http://schemas.microsoft.com/office/drawing/2010/main">
+                <a:solidFill>
+                  <a:srgbClr val="FFFFFF"/>
+                </a:solidFill>
+              </a14:hiddenFill>
+            </a:ext>
+          </a:extLst>
+        </p:spPr>
+      </p:pic>
     </p:spTree>
     <p:extLst>
       <p:ext uri="{BB962C8B-B14F-4D97-AF65-F5344CB8AC3E}">
@@ -3864,7 +4012,7 @@
             <a:pPr lvl="1"/>
             <a:r>
               <a:rPr lang="en-US" dirty="0"/>
-              <a:t>Point in the search space with a (relatively) high value of the objective function</a:t>
+              <a:t>Point with a (relatively) high value of the objective function</a:t>
             </a:r>
           </a:p>
           <a:p>
@@ -3910,6 +4058,53 @@
           </a:p>
         </p:txBody>
       </p:sp>
+      <p:pic>
+        <p:nvPicPr>
+          <p:cNvPr id="4" name="Picture 4" descr="Illustration of local optimum and global optimum | Download Scientific  Diagram">
+            <a:extLst>
+              <a:ext uri="{FF2B5EF4-FFF2-40B4-BE49-F238E27FC236}">
+                <a16:creationId xmlns:a16="http://schemas.microsoft.com/office/drawing/2014/main" id="{AF513253-C9DF-4AD2-BFBE-ACF4D29C3F8F}"/>
+              </a:ext>
+            </a:extLst>
+          </p:cNvPr>
+          <p:cNvPicPr>
+            <a:picLocks noChangeAspect="1" noChangeArrowheads="1"/>
+          </p:cNvPicPr>
+          <p:nvPr/>
+        </p:nvPicPr>
+        <p:blipFill>
+          <a:blip r:embed="rId2" cstate="print">
+            <a:extLst>
+              <a:ext uri="{28A0092B-C50C-407E-A947-70E740481C1C}">
+                <a14:useLocalDpi xmlns:a14="http://schemas.microsoft.com/office/drawing/2010/main" val="0"/>
+              </a:ext>
+            </a:extLst>
+          </a:blip>
+          <a:srcRect/>
+          <a:stretch>
+            <a:fillRect/>
+          </a:stretch>
+        </p:blipFill>
+        <p:spPr bwMode="auto">
+          <a:xfrm>
+            <a:off x="7918515" y="3884220"/>
+            <a:ext cx="3435285" cy="2606775"/>
+          </a:xfrm>
+          <a:prstGeom prst="rect">
+            <a:avLst/>
+          </a:prstGeom>
+          <a:noFill/>
+          <a:extLst>
+            <a:ext uri="{909E8E84-426E-40DD-AFC4-6F175D3DCCD1}">
+              <a14:hiddenFill xmlns:a14="http://schemas.microsoft.com/office/drawing/2010/main">
+                <a:solidFill>
+                  <a:srgbClr val="FFFFFF"/>
+                </a:solidFill>
+              </a14:hiddenFill>
+            </a:ext>
+          </a:extLst>
+        </p:spPr>
+      </p:pic>
     </p:spTree>
     <p:extLst>
       <p:ext uri="{BB962C8B-B14F-4D97-AF65-F5344CB8AC3E}">
@@ -3986,7 +4181,9 @@
         </p:nvSpPr>
         <p:spPr/>
         <p:txBody>
-          <a:bodyPr/>
+          <a:bodyPr>
+            <a:normAutofit/>
+          </a:bodyPr>
           <a:lstStyle/>
           <a:p>
             <a:r>
@@ -4024,19 +4221,32 @@
             </a:r>
           </a:p>
           <a:p>
-            <a:endParaRPr lang="en-US" dirty="0"/>
-          </a:p>
-          <a:p>
-            <a:r>
-              <a:rPr lang="en-US" dirty="0"/>
-              <a:t>We want to explore in an efficient way!</a:t>
-            </a:r>
-          </a:p>
-          <a:p>
-            <a:pPr lvl="1"/>
-            <a:r>
-              <a:rPr lang="en-US" dirty="0"/>
-              <a:t>We cannot spend infinite time wandering about</a:t>
+            <a:r>
+              <a:rPr lang="en-US" dirty="0"/>
+              <a:t>We want to explore in an </a:t>
+            </a:r>
+            <a:r>
+              <a:rPr lang="en-US" u="sng" dirty="0"/>
+              <a:t>efficient</a:t>
+            </a:r>
+            <a:r>
+              <a:rPr lang="en-US" dirty="0"/>
+              <a:t> way!</a:t>
+            </a:r>
+          </a:p>
+          <a:p>
+            <a:pPr lvl="1"/>
+            <a:r>
+              <a:rPr lang="en-US" dirty="0"/>
+              <a:t>We cannot spend </a:t>
+            </a:r>
+            <a:r>
+              <a:rPr lang="en-US" i="1" dirty="0"/>
+              <a:t>infinite time </a:t>
+            </a:r>
+            <a:r>
+              <a:rPr lang="en-US" dirty="0"/>
+              <a:t>wandering about</a:t>
             </a:r>
           </a:p>
           <a:p>
@@ -4053,6 +4263,30 @@
               <a:rPr lang="en-US" dirty="0"/>
               <a:t> in the search space to explore!</a:t>
             </a:r>
+          </a:p>
+          <a:p>
+            <a:pPr lvl="1"/>
+            <a:r>
+              <a:rPr lang="en-US" dirty="0"/>
+              <a:t>Trade-off between </a:t>
+            </a:r>
+            <a:r>
+              <a:rPr lang="en-US" b="1" dirty="0"/>
+              <a:t>quality</a:t>
+            </a:r>
+            <a:r>
+              <a:rPr lang="en-US" dirty="0"/>
+              <a:t> of solution and </a:t>
+            </a:r>
+            <a:r>
+              <a:rPr lang="en-US" b="1" dirty="0"/>
+              <a:t>time</a:t>
+            </a:r>
+            <a:r>
+              <a:rPr lang="en-US" dirty="0"/>
+              <a:t> spent</a:t>
+            </a:r>
+            <a:endParaRPr lang="en-US" b="1" dirty="0"/>
           </a:p>
         </p:txBody>
       </p:sp>
@@ -4144,7 +4378,7 @@
             <a:pPr lvl="1"/>
             <a:r>
               <a:rPr lang="en-US" dirty="0"/>
-              <a:t>Define boundaries</a:t>
+              <a:t>Define boundaries (min and max values of points)</a:t>
             </a:r>
           </a:p>
           <a:p>
@@ -4172,6 +4406,53 @@
           </a:p>
         </p:txBody>
       </p:sp>
+      <p:pic>
+        <p:nvPicPr>
+          <p:cNvPr id="2050" name="Picture 2" descr="Optimization. The three pillars of Data Science are: | by Heena Rijhwani |  Analytics Vidhya | Medium">
+            <a:extLst>
+              <a:ext uri="{FF2B5EF4-FFF2-40B4-BE49-F238E27FC236}">
+                <a16:creationId xmlns:a16="http://schemas.microsoft.com/office/drawing/2014/main" id="{F9B24C10-5AAB-450B-8132-ACD8D9B3616F}"/>
+              </a:ext>
+            </a:extLst>
+          </p:cNvPr>
+          <p:cNvPicPr>
+            <a:picLocks noChangeAspect="1" noChangeArrowheads="1"/>
+          </p:cNvPicPr>
+          <p:nvPr/>
+        </p:nvPicPr>
+        <p:blipFill>
+          <a:blip r:embed="rId2">
+            <a:extLst>
+              <a:ext uri="{28A0092B-C50C-407E-A947-70E740481C1C}">
+                <a14:useLocalDpi xmlns:a14="http://schemas.microsoft.com/office/drawing/2010/main" val="0"/>
+              </a:ext>
+            </a:extLst>
+          </a:blip>
+          <a:srcRect/>
+          <a:stretch>
+            <a:fillRect/>
+          </a:stretch>
+        </p:blipFill>
+        <p:spPr bwMode="auto">
+          <a:xfrm>
+            <a:off x="6361718" y="3761266"/>
+            <a:ext cx="4992082" cy="2389258"/>
+          </a:xfrm>
+          <a:prstGeom prst="rect">
+            <a:avLst/>
+          </a:prstGeom>
+          <a:noFill/>
+          <a:extLst>
+            <a:ext uri="{909E8E84-426E-40DD-AFC4-6F175D3DCCD1}">
+              <a14:hiddenFill xmlns:a14="http://schemas.microsoft.com/office/drawing/2010/main">
+                <a:solidFill>
+                  <a:srgbClr val="FFFFFF"/>
+                </a:solidFill>
+              </a14:hiddenFill>
+            </a:ext>
+          </a:extLst>
+        </p:spPr>
+      </p:pic>
     </p:spTree>
     <p:extLst>
       <p:ext uri="{BB962C8B-B14F-4D97-AF65-F5344CB8AC3E}">
@@ -4207,7 +4488,7 @@
           <p:cNvPr id="2" name="Titre 1">
             <a:extLst>
               <a:ext uri="{FF2B5EF4-FFF2-40B4-BE49-F238E27FC236}">
-                <a16:creationId xmlns:a16="http://schemas.microsoft.com/office/drawing/2014/main" id="{E8769534-0F69-4CC0-A067-824E98004618}"/>
+                <a16:creationId xmlns:a16="http://schemas.microsoft.com/office/drawing/2014/main" id="{BA25FDB9-E12E-4934-8F2F-2310B1DCEC22}"/>
               </a:ext>
             </a:extLst>
           </p:cNvPr>
@@ -4225,7 +4506,7 @@
           <a:p>
             <a:r>
               <a:rPr lang="en-US" dirty="0"/>
-              <a:t>Brainstorming</a:t>
+              <a:t>General principles and assumptions</a:t>
             </a:r>
           </a:p>
         </p:txBody>
@@ -4235,7 +4516,7 @@
           <p:cNvPr id="3" name="Espace réservé du texte 2">
             <a:extLst>
               <a:ext uri="{FF2B5EF4-FFF2-40B4-BE49-F238E27FC236}">
-                <a16:creationId xmlns:a16="http://schemas.microsoft.com/office/drawing/2014/main" id="{7E6E889B-FB4D-462B-856D-4FD3D56BAE9F}"/>
+                <a16:creationId xmlns:a16="http://schemas.microsoft.com/office/drawing/2014/main" id="{2BBA0B92-E162-42C9-8FE0-3DEA81584E5D}"/>
               </a:ext>
             </a:extLst>
           </p:cNvPr>
@@ -4252,24 +4533,91 @@
           <a:lstStyle/>
           <a:p>
             <a:r>
-              <a:rPr lang="en-US" dirty="0"/>
-              <a:t>Can we think about a few </a:t>
-            </a:r>
-            <a:r>
-              <a:rPr lang="en-US"/>
-              <a:t>(simple) </a:t>
-            </a:r>
-            <a:r>
-              <a:rPr lang="en-US" dirty="0"/>
-              <a:t>strategies to explore the search space?</a:t>
-            </a:r>
-          </a:p>
-        </p:txBody>
-      </p:sp>
+              <a:rPr lang="it-IT" dirty="0"/>
+              <a:t>Exploration and exploitation</a:t>
+            </a:r>
+          </a:p>
+          <a:p>
+            <a:pPr lvl="1"/>
+            <a:r>
+              <a:rPr lang="it-IT" dirty="0"/>
+              <a:t>Assuming an iterative optimization algorithm</a:t>
+            </a:r>
+          </a:p>
+          <a:p>
+            <a:pPr lvl="1"/>
+            <a:r>
+              <a:rPr lang="it-IT" dirty="0"/>
+              <a:t>Initially, explore the search space as much as possible</a:t>
+            </a:r>
+          </a:p>
+          <a:p>
+            <a:pPr lvl="1"/>
+            <a:r>
+              <a:rPr lang="en-US" dirty="0"/>
+              <a:t>Then, focus on the most promising parts found</a:t>
+            </a:r>
+          </a:p>
+          <a:p>
+            <a:pPr lvl="1"/>
+            <a:r>
+              <a:rPr lang="en-US" dirty="0"/>
+              <a:t>Switch between exploration and exploitation is hard to time</a:t>
+            </a:r>
+          </a:p>
+        </p:txBody>
+      </p:sp>
+      <p:pic>
+        <p:nvPicPr>
+          <p:cNvPr id="4098" name="Picture 2" descr="Exploration-Exploitation Dilemma">
+            <a:extLst>
+              <a:ext uri="{FF2B5EF4-FFF2-40B4-BE49-F238E27FC236}">
+                <a16:creationId xmlns:a16="http://schemas.microsoft.com/office/drawing/2014/main" id="{46141549-27DA-481A-9A26-62FA0CF9E081}"/>
+              </a:ext>
+            </a:extLst>
+          </p:cNvPr>
+          <p:cNvPicPr>
+            <a:picLocks noChangeAspect="1" noChangeArrowheads="1"/>
+          </p:cNvPicPr>
+          <p:nvPr/>
+        </p:nvPicPr>
+        <p:blipFill>
+          <a:blip r:embed="rId2">
+            <a:extLst>
+              <a:ext uri="{28A0092B-C50C-407E-A947-70E740481C1C}">
+                <a14:useLocalDpi xmlns:a14="http://schemas.microsoft.com/office/drawing/2010/main" val="0"/>
+              </a:ext>
+            </a:extLst>
+          </a:blip>
+          <a:srcRect/>
+          <a:stretch>
+            <a:fillRect/>
+          </a:stretch>
+        </p:blipFill>
+        <p:spPr bwMode="auto">
+          <a:xfrm>
+            <a:off x="7268065" y="3761266"/>
+            <a:ext cx="4000893" cy="2572003"/>
+          </a:xfrm>
+          <a:prstGeom prst="rect">
+            <a:avLst/>
+          </a:prstGeom>
+          <a:noFill/>
+          <a:extLst>
+            <a:ext uri="{909E8E84-426E-40DD-AFC4-6F175D3DCCD1}">
+              <a14:hiddenFill xmlns:a14="http://schemas.microsoft.com/office/drawing/2010/main">
+                <a:solidFill>
+                  <a:srgbClr val="FFFFFF"/>
+                </a:solidFill>
+              </a14:hiddenFill>
+            </a:ext>
+          </a:extLst>
+        </p:spPr>
+      </p:pic>
     </p:spTree>
     <p:extLst>
       <p:ext uri="{BB962C8B-B14F-4D97-AF65-F5344CB8AC3E}">
-        <p14:creationId xmlns:p14="http://schemas.microsoft.com/office/powerpoint/2010/main" val="1282739137"/>
+        <p14:creationId xmlns:p14="http://schemas.microsoft.com/office/powerpoint/2010/main" val="3597807160"/>
       </p:ext>
     </p:extLst>
   </p:cSld>

--- a/optimization-methods-for-artificial-intelligence/optimization-introduction.pptx
+++ b/optimization-methods-for-artificial-intelligence/optimization-introduction.pptx
@@ -1741,6 +1741,90 @@
           </a:p>
         </p:txBody>
       </p:sp>
+      <p:pic>
+        <p:nvPicPr>
+          <p:cNvPr id="6" name="Picture 2">
+            <a:extLst>
+              <a:ext uri="{FF2B5EF4-FFF2-40B4-BE49-F238E27FC236}">
+                <a16:creationId xmlns:a16="http://schemas.microsoft.com/office/drawing/2014/main" id="{5DD96B06-A81D-482F-B894-0D22873EFF17}"/>
+              </a:ext>
+            </a:extLst>
+          </p:cNvPr>
+          <p:cNvPicPr>
+            <a:picLocks noChangeAspect="1" noChangeArrowheads="1"/>
+          </p:cNvPicPr>
+          <p:nvPr/>
+        </p:nvPicPr>
+        <p:blipFill rotWithShape="1">
+          <a:blip r:embed="rId2">
+            <a:extLst>
+              <a:ext uri="{BEBA8EAE-BF5A-486C-A8C5-ECC9F3942E4B}">
+                <a14:imgProps xmlns:a14="http://schemas.microsoft.com/office/drawing/2010/main">
+                  <a14:imgLayer r:embed="rId3">
+                    <a14:imgEffect>
+                      <a14:backgroundRemoval t="22283" b="75673" l="54554" r="90983"/>
+                    </a14:imgEffect>
+                  </a14:imgLayer>
+                </a14:imgProps>
+              </a:ext>
+              <a:ext uri="{28A0092B-C50C-407E-A947-70E740481C1C}">
+                <a14:useLocalDpi xmlns:a14="http://schemas.microsoft.com/office/drawing/2010/main" val="0"/>
+              </a:ext>
+            </a:extLst>
+          </a:blip>
+          <a:srcRect l="50000" t="15610" r="4463" b="17653"/>
+          <a:stretch/>
+        </p:blipFill>
+        <p:spPr bwMode="auto">
+          <a:xfrm>
+            <a:off x="4938382" y="1037974"/>
+            <a:ext cx="1295445" cy="884352"/>
+          </a:xfrm>
+          <a:prstGeom prst="rect">
+            <a:avLst/>
+          </a:prstGeom>
+          <a:noFill/>
+          <a:extLst>
+            <a:ext uri="{909E8E84-426E-40DD-AFC4-6F175D3DCCD1}">
+              <a14:hiddenFill xmlns:a14="http://schemas.microsoft.com/office/drawing/2010/main">
+                <a:solidFill>
+                  <a:srgbClr val="FFFFFF"/>
+                </a:solidFill>
+              </a14:hiddenFill>
+            </a:ext>
+          </a:extLst>
+        </p:spPr>
+      </p:pic>
+      <p:pic>
+        <p:nvPicPr>
+          <p:cNvPr id="7" name="Image 6">
+            <a:extLst>
+              <a:ext uri="{FF2B5EF4-FFF2-40B4-BE49-F238E27FC236}">
+                <a16:creationId xmlns:a16="http://schemas.microsoft.com/office/drawing/2014/main" id="{A853C7C0-EC84-469D-B64F-EFA27E08DF02}"/>
+              </a:ext>
+            </a:extLst>
+          </p:cNvPr>
+          <p:cNvPicPr>
+            <a:picLocks noChangeAspect="1"/>
+          </p:cNvPicPr>
+          <p:nvPr/>
+        </p:nvPicPr>
+        <p:blipFill>
+          <a:blip r:embed="rId4"/>
+          <a:stretch>
+            <a:fillRect/>
+          </a:stretch>
+        </p:blipFill>
+        <p:spPr>
+          <a:xfrm>
+            <a:off x="6383826" y="1073027"/>
+            <a:ext cx="1642424" cy="574848"/>
+          </a:xfrm>
+          <a:prstGeom prst="rect">
+            <a:avLst/>
+          </a:prstGeom>
+        </p:spPr>
+      </p:pic>
     </p:spTree>
     <p:extLst>
       <p:ext uri="{BB962C8B-B14F-4D97-AF65-F5344CB8AC3E}">
@@ -3458,6 +3542,90 @@
           </a:p>
         </p:txBody>
       </p:sp>
+      <p:pic>
+        <p:nvPicPr>
+          <p:cNvPr id="6" name="Picture 2">
+            <a:extLst>
+              <a:ext uri="{FF2B5EF4-FFF2-40B4-BE49-F238E27FC236}">
+                <a16:creationId xmlns:a16="http://schemas.microsoft.com/office/drawing/2014/main" id="{9A96BB26-2566-4FCD-B7A7-D7088AF7AFE1}"/>
+              </a:ext>
+            </a:extLst>
+          </p:cNvPr>
+          <p:cNvPicPr>
+            <a:picLocks noChangeAspect="1" noChangeArrowheads="1"/>
+          </p:cNvPicPr>
+          <p:nvPr/>
+        </p:nvPicPr>
+        <p:blipFill rotWithShape="1">
+          <a:blip r:embed="rId2">
+            <a:extLst>
+              <a:ext uri="{BEBA8EAE-BF5A-486C-A8C5-ECC9F3942E4B}">
+                <a14:imgProps xmlns:a14="http://schemas.microsoft.com/office/drawing/2010/main">
+                  <a14:imgLayer r:embed="rId3">
+                    <a14:imgEffect>
+                      <a14:backgroundRemoval t="22283" b="75673" l="54554" r="90983"/>
+                    </a14:imgEffect>
+                  </a14:imgLayer>
+                </a14:imgProps>
+              </a:ext>
+              <a:ext uri="{28A0092B-C50C-407E-A947-70E740481C1C}">
+                <a14:useLocalDpi xmlns:a14="http://schemas.microsoft.com/office/drawing/2010/main" val="0"/>
+              </a:ext>
+            </a:extLst>
+          </a:blip>
+          <a:srcRect l="50000" t="15610" r="4463" b="17653"/>
+          <a:stretch/>
+        </p:blipFill>
+        <p:spPr bwMode="auto">
+          <a:xfrm>
+            <a:off x="4938382" y="1037974"/>
+            <a:ext cx="1295445" cy="884352"/>
+          </a:xfrm>
+          <a:prstGeom prst="rect">
+            <a:avLst/>
+          </a:prstGeom>
+          <a:noFill/>
+          <a:extLst>
+            <a:ext uri="{909E8E84-426E-40DD-AFC4-6F175D3DCCD1}">
+              <a14:hiddenFill xmlns:a14="http://schemas.microsoft.com/office/drawing/2010/main">
+                <a:solidFill>
+                  <a:srgbClr val="FFFFFF"/>
+                </a:solidFill>
+              </a14:hiddenFill>
+            </a:ext>
+          </a:extLst>
+        </p:spPr>
+      </p:pic>
+      <p:pic>
+        <p:nvPicPr>
+          <p:cNvPr id="7" name="Image 6">
+            <a:extLst>
+              <a:ext uri="{FF2B5EF4-FFF2-40B4-BE49-F238E27FC236}">
+                <a16:creationId xmlns:a16="http://schemas.microsoft.com/office/drawing/2014/main" id="{90F1674B-81ED-4B50-9415-FDDD6DB36D88}"/>
+              </a:ext>
+            </a:extLst>
+          </p:cNvPr>
+          <p:cNvPicPr>
+            <a:picLocks noChangeAspect="1"/>
+          </p:cNvPicPr>
+          <p:nvPr/>
+        </p:nvPicPr>
+        <p:blipFill>
+          <a:blip r:embed="rId4"/>
+          <a:stretch>
+            <a:fillRect/>
+          </a:stretch>
+        </p:blipFill>
+        <p:spPr>
+          <a:xfrm>
+            <a:off x="6383826" y="1073027"/>
+            <a:ext cx="1642424" cy="574848"/>
+          </a:xfrm>
+          <a:prstGeom prst="rect">
+            <a:avLst/>
+          </a:prstGeom>
+        </p:spPr>
+      </p:pic>
     </p:spTree>
     <p:extLst>
       <p:ext uri="{BB962C8B-B14F-4D97-AF65-F5344CB8AC3E}">

--- a/optimization-methods-for-artificial-intelligence/optimization-introduction.pptx
+++ b/optimization-methods-for-artificial-intelligence/optimization-introduction.pptx
@@ -3530,9 +3530,29 @@
               <a:rPr lang="en-US" dirty="0"/>
               <a:t>Bibliography</a:t>
             </a:r>
-          </a:p>
-          <a:p>
-            <a:endParaRPr lang="en-US" dirty="0"/>
+            <a:br>
+              <a:rPr lang="en-US" dirty="0"/>
+            </a:br>
+            <a:r>
+              <a:rPr lang="en-US" dirty="0"/>
+              <a:t>- </a:t>
+            </a:r>
+            <a:r>
+              <a:rPr lang="en-US" dirty="0" err="1"/>
+              <a:t>Kochenderfer</a:t>
+            </a:r>
+            <a:r>
+              <a:rPr lang="en-US" dirty="0"/>
+              <a:t> &amp; Wheeler, </a:t>
+            </a:r>
+            <a:r>
+              <a:rPr lang="en-US" i="1" dirty="0"/>
+              <a:t>Algorithms for Optimization</a:t>
+            </a:r>
+            <a:r>
+              <a:rPr lang="en-US" dirty="0"/>
+              <a:t>, MIT Press, 2019</a:t>
+            </a:r>
           </a:p>
           <a:p>
             <a:r>

--- a/optimization-methods-for-artificial-intelligence/optimization-introduction.pptx
+++ b/optimization-methods-for-artificial-intelligence/optimization-introduction.pptx
@@ -1911,6 +1911,58 @@
           </a:p>
         </p:txBody>
       </p:sp>
+      <p:pic>
+        <p:nvPicPr>
+          <p:cNvPr id="1026" name="Picture 2" descr="Brainstorm MtG Art from Conspiracy Set by Willian Murai - Art of Magic: the  Gathering">
+            <a:extLst>
+              <a:ext uri="{FF2B5EF4-FFF2-40B4-BE49-F238E27FC236}">
+                <a16:creationId xmlns:a16="http://schemas.microsoft.com/office/drawing/2014/main" id="{075B7F44-7D25-4561-BB6C-521979735BE7}"/>
+              </a:ext>
+            </a:extLst>
+          </p:cNvPr>
+          <p:cNvPicPr>
+            <a:picLocks noChangeAspect="1" noChangeArrowheads="1"/>
+          </p:cNvPicPr>
+          <p:nvPr/>
+        </p:nvPicPr>
+        <p:blipFill>
+          <a:blip r:embed="rId2">
+            <a:extLst>
+              <a:ext uri="{28A0092B-C50C-407E-A947-70E740481C1C}">
+                <a14:useLocalDpi xmlns:a14="http://schemas.microsoft.com/office/drawing/2010/main" val="0"/>
+              </a:ext>
+            </a:extLst>
+          </a:blip>
+          <a:srcRect/>
+          <a:stretch>
+            <a:fillRect/>
+          </a:stretch>
+        </p:blipFill>
+        <p:spPr bwMode="auto">
+          <a:xfrm>
+            <a:off x="7418895" y="3226545"/>
+            <a:ext cx="3934905" cy="2872630"/>
+          </a:xfrm>
+          <a:prstGeom prst="rect">
+            <a:avLst/>
+          </a:prstGeom>
+          <a:ln>
+            <a:noFill/>
+          </a:ln>
+          <a:effectLst>
+            <a:softEdge rad="112500"/>
+          </a:effectLst>
+          <a:extLst>
+            <a:ext uri="{909E8E84-426E-40DD-AFC4-6F175D3DCCD1}">
+              <a14:hiddenFill xmlns:a14="http://schemas.microsoft.com/office/drawing/2010/main">
+                <a:solidFill>
+                  <a:srgbClr val="FFFFFF"/>
+                </a:solidFill>
+              </a14:hiddenFill>
+            </a:ext>
+          </a:extLst>
+        </p:spPr>
+      </p:pic>
     </p:spTree>
     <p:extLst>
       <p:ext uri="{BB962C8B-B14F-4D97-AF65-F5344CB8AC3E}">
@@ -2006,7 +2058,15 @@
             <a:pPr lvl="1"/>
             <a:r>
               <a:rPr lang="en-US" dirty="0"/>
-              <a:t>In practice, impossible; but a systematic (grid) search could be</a:t>
+              <a:t>In practice, </a:t>
+            </a:r>
+            <a:r>
+              <a:rPr lang="en-US" b="1" dirty="0"/>
+              <a:t>impossible</a:t>
+            </a:r>
+            <a:r>
+              <a:rPr lang="en-US" dirty="0"/>
+              <a:t>; but a systematic (grid) search could be</a:t>
             </a:r>
           </a:p>
           <a:p>
@@ -2025,8 +2085,12 @@
           <a:p>
             <a:pPr lvl="1"/>
             <a:r>
-              <a:rPr lang="en-US" dirty="0"/>
-              <a:t>Does not take into account the feedback from objective function</a:t>
+              <a:rPr lang="en-US" b="1" dirty="0"/>
+              <a:t>Does not take into account the feedback </a:t>
+            </a:r>
+            <a:r>
+              <a:rPr lang="en-US" dirty="0"/>
+              <a:t>from objective function</a:t>
             </a:r>
           </a:p>
           <a:p>
@@ -2132,7 +2196,7 @@
         <p:spPr/>
         <p:txBody>
           <a:bodyPr>
-            <a:noAutofit/>
+            <a:normAutofit fontScale="92500" lnSpcReduction="10000"/>
           </a:bodyPr>
           <a:lstStyle/>
           <a:p>
@@ -2165,7 +2229,7 @@
           <a:p>
             <a:r>
               <a:rPr lang="en-US" dirty="0"/>
-              <a:t>Exact vs Stochastic</a:t>
+              <a:t>Exact vs Stochastic/Approximate</a:t>
             </a:r>
           </a:p>
           <a:p>
@@ -2179,14 +2243,7 @@
             <a:pPr lvl="1"/>
             <a:r>
               <a:rPr lang="en-US" dirty="0"/>
-              <a:t>However, they might require too much time…</a:t>
-            </a:r>
-          </a:p>
-          <a:p>
-            <a:pPr lvl="1"/>
-            <a:r>
-              <a:rPr lang="en-US" dirty="0"/>
-              <a:t>…or make assumptions on the objective function</a:t>
+              <a:t>Might require too much time or make (incorrect?) assumptions on the objective function</a:t>
             </a:r>
           </a:p>
           <a:p>
@@ -2201,6 +2258,13 @@
             <a:r>
               <a:rPr lang="en-US" dirty="0"/>
               <a:t>…but they have no guarantees on whether it’s the global optimum</a:t>
+            </a:r>
+          </a:p>
+          <a:p>
+            <a:pPr lvl="1"/>
+            <a:r>
+              <a:rPr lang="en-US" dirty="0"/>
+              <a:t>Terminology: “Stochastic’’ might also refer to stochastic variables</a:t>
             </a:r>
           </a:p>
         </p:txBody>
@@ -2308,6 +2372,13 @@
             <a:r>
               <a:rPr lang="en-US" dirty="0"/>
               <a:t>Use this knowledge to take decisions on next exploration</a:t>
+            </a:r>
+          </a:p>
+          <a:p>
+            <a:pPr lvl="1"/>
+            <a:r>
+              <a:rPr lang="en-US" dirty="0"/>
+              <a:t>Lots of function evaluations! Also, memory occupation</a:t>
             </a:r>
           </a:p>
           <a:p>
@@ -3056,7 +3127,7 @@
           <a:p>
             <a:r>
               <a:rPr lang="en-US" dirty="0"/>
-              <a:t>Computationally expensiveness of objective function</a:t>
+              <a:t>Computational expensiveness of objective function</a:t>
             </a:r>
           </a:p>
           <a:p>
@@ -3071,6 +3142,40 @@
             <a:r>
               <a:rPr lang="en-US" dirty="0"/>
               <a:t>Expensive: surrogate models, Bayesian optimization, store list of all solutions previously evaluated…</a:t>
+            </a:r>
+          </a:p>
+          <a:p>
+            <a:r>
+              <a:rPr lang="en-US" dirty="0"/>
+              <a:t>Objective function’s search space is deceptive/flat</a:t>
+            </a:r>
+          </a:p>
+          <a:p>
+            <a:pPr lvl="1"/>
+            <a:r>
+              <a:rPr lang="en-US" dirty="0"/>
+              <a:t>Assumption: “good solutions are close to other good solutions”</a:t>
+            </a:r>
+          </a:p>
+          <a:p>
+            <a:pPr lvl="1"/>
+            <a:r>
+              <a:rPr lang="en-US" dirty="0"/>
+              <a:t>If this is not true, most algorithms don’t work</a:t>
+            </a:r>
+          </a:p>
+          <a:p>
+            <a:pPr lvl="1"/>
+            <a:r>
+              <a:rPr lang="en-US" dirty="0"/>
+              <a:t>Better off with a completely random sampling</a:t>
+            </a:r>
+          </a:p>
+          <a:p>
+            <a:pPr lvl="1"/>
+            <a:r>
+              <a:rPr lang="en-US" dirty="0"/>
+              <a:t>Flat search space has no clues on where to move</a:t>
             </a:r>
           </a:p>
         </p:txBody>
@@ -3128,7 +3233,11 @@
           <a:p>
             <a:r>
               <a:rPr lang="en-US" dirty="0"/>
-              <a:t>Real-world applications can be weird</a:t>
+              <a:t>Real-world applications can be </a:t>
+            </a:r>
+            <a:r>
+              <a:rPr lang="en-US" i="1" dirty="0"/>
+              <a:t>weird</a:t>
             </a:r>
           </a:p>
         </p:txBody>
@@ -3288,12 +3397,6 @@
           <a:p>
             <a:r>
               <a:rPr lang="en-US" dirty="0"/>
-              <a:t>Why are we doing this overview?</a:t>
-            </a:r>
-          </a:p>
-          <a:p>
-            <a:r>
-              <a:rPr lang="en-US" dirty="0"/>
               <a:t>You will have optimization problems to solve</a:t>
             </a:r>
           </a:p>
@@ -3331,14 +3434,26 @@
             <a:pPr lvl="1"/>
             <a:r>
               <a:rPr lang="en-US" dirty="0"/>
-              <a:t>Heuristic is developed ad-hoc for the target problem</a:t>
-            </a:r>
-          </a:p>
-          <a:p>
-            <a:pPr lvl="1"/>
-            <a:r>
-              <a:rPr lang="en-US" dirty="0"/>
-              <a:t>Employs domain knowledge of the problem inside algorithm</a:t>
+              <a:t>Heuristic is developed </a:t>
+            </a:r>
+            <a:r>
+              <a:rPr lang="en-US" b="1" dirty="0"/>
+              <a:t>ad-hoc for the target problem</a:t>
+            </a:r>
+          </a:p>
+          <a:p>
+            <a:pPr lvl="1"/>
+            <a:r>
+              <a:rPr lang="en-US" dirty="0"/>
+              <a:t>Employs </a:t>
+            </a:r>
+            <a:r>
+              <a:rPr lang="en-US" b="1" dirty="0"/>
+              <a:t>domain knowledge</a:t>
+            </a:r>
+            <a:r>
+              <a:rPr lang="en-US" dirty="0"/>
+              <a:t> of the problem inside algorithm</a:t>
             </a:r>
           </a:p>
           <a:p>
@@ -3919,7 +4034,15 @@
             <a:pPr lvl="1"/>
             <a:r>
               <a:rPr lang="en-US" dirty="0"/>
-              <a:t>Point in search space that could be the solution to our problem</a:t>
+              <a:t>Point in search space that </a:t>
+            </a:r>
+            <a:r>
+              <a:rPr lang="en-US" i="1" dirty="0"/>
+              <a:t>could</a:t>
+            </a:r>
+            <a:r>
+              <a:rPr lang="en-US" dirty="0"/>
+              <a:t> be the solution to our problem</a:t>
             </a:r>
           </a:p>
           <a:p>
@@ -4383,7 +4506,11 @@
             <a:pPr lvl="1"/>
             <a:r>
               <a:rPr lang="en-US" dirty="0"/>
-              <a:t>Shape of the objective function (search space) is unknown</a:t>
+              <a:t>Shape of the objective function (search space) is </a:t>
+            </a:r>
+            <a:r>
+              <a:rPr lang="en-US" b="1" dirty="0"/>
+              <a:t>unknown</a:t>
             </a:r>
           </a:p>
           <a:p>
@@ -4736,21 +4863,45 @@
             <a:pPr lvl="1"/>
             <a:r>
               <a:rPr lang="it-IT" dirty="0"/>
-              <a:t>Initially, explore the search space as much as possible</a:t>
-            </a:r>
-          </a:p>
-          <a:p>
-            <a:pPr lvl="1"/>
-            <a:r>
-              <a:rPr lang="en-US" dirty="0"/>
-              <a:t>Then, focus on the most promising parts found</a:t>
-            </a:r>
-          </a:p>
-          <a:p>
-            <a:pPr lvl="1"/>
-            <a:r>
-              <a:rPr lang="en-US" dirty="0"/>
-              <a:t>Switch between exploration and exploitation is hard to time</a:t>
+              <a:t>Initially, </a:t>
+            </a:r>
+            <a:r>
+              <a:rPr lang="it-IT" b="1" dirty="0"/>
+              <a:t>explore</a:t>
+            </a:r>
+            <a:r>
+              <a:rPr lang="it-IT" dirty="0"/>
+              <a:t> the search space as much as possible</a:t>
+            </a:r>
+          </a:p>
+          <a:p>
+            <a:pPr lvl="1"/>
+            <a:r>
+              <a:rPr lang="en-US" dirty="0"/>
+              <a:t>Then, focus on</a:t>
+            </a:r>
+            <a:r>
+              <a:rPr lang="it-IT" dirty="0"/>
+              <a:t>/</a:t>
+            </a:r>
+            <a:r>
+              <a:rPr lang="it-IT" b="1" dirty="0"/>
+              <a:t>exploit</a:t>
+            </a:r>
+            <a:r>
+              <a:rPr lang="en-US" dirty="0"/>
+              <a:t> the most promising parts found</a:t>
+            </a:r>
+          </a:p>
+          <a:p>
+            <a:pPr lvl="1"/>
+            <a:r>
+              <a:rPr lang="en-US" dirty="0"/>
+              <a:t>Switch between exploration and exploitation is </a:t>
+            </a:r>
+            <a:r>
+              <a:rPr lang="en-US" b="1" dirty="0"/>
+              <a:t>hard to time</a:t>
             </a:r>
           </a:p>
         </p:txBody>

--- a/optimization-methods-for-artificial-intelligence/optimization-introduction.pptx
+++ b/optimization-methods-for-artificial-intelligence/optimization-introduction.pptx
@@ -4849,14 +4849,7 @@
           <a:p>
             <a:r>
               <a:rPr lang="it-IT" dirty="0"/>
-              <a:t>Exploration and exploitation</a:t>
-            </a:r>
-          </a:p>
-          <a:p>
-            <a:pPr lvl="1"/>
-            <a:r>
-              <a:rPr lang="it-IT" dirty="0"/>
-              <a:t>Assuming an iterative optimization algorithm</a:t>
+              <a:t>Exploration and exploitation in iterative search algorithms</a:t>
             </a:r>
           </a:p>
           <a:p>
@@ -4902,6 +4895,13 @@
             <a:r>
               <a:rPr lang="en-US" b="1" dirty="0"/>
               <a:t>hard to time</a:t>
+            </a:r>
+          </a:p>
+          <a:p>
+            <a:pPr lvl="1"/>
+            <a:r>
+              <a:rPr lang="en-US" dirty="0"/>
+              <a:t>Vocabulary: horizontal/vertical, breadth/depth, …</a:t>
             </a:r>
           </a:p>
         </p:txBody>
@@ -4935,8 +4935,8 @@
         </p:blipFill>
         <p:spPr bwMode="auto">
           <a:xfrm>
-            <a:off x="7268065" y="3761266"/>
-            <a:ext cx="4000893" cy="2572003"/>
+            <a:off x="7678701" y="4025245"/>
+            <a:ext cx="3590258" cy="2308024"/>
           </a:xfrm>
           <a:prstGeom prst="rect">
             <a:avLst/>

--- a/optimization-methods-for-artificial-intelligence/optimization-introduction.pptx
+++ b/optimization-methods-for-artificial-intelligence/optimization-introduction.pptx
@@ -9,22 +9,23 @@
     <p:sldId id="258" r:id="rId3"/>
     <p:sldId id="259" r:id="rId4"/>
     <p:sldId id="260" r:id="rId5"/>
-    <p:sldId id="262" r:id="rId6"/>
-    <p:sldId id="263" r:id="rId7"/>
-    <p:sldId id="261" r:id="rId8"/>
-    <p:sldId id="267" r:id="rId9"/>
-    <p:sldId id="276" r:id="rId10"/>
-    <p:sldId id="264" r:id="rId11"/>
-    <p:sldId id="270" r:id="rId12"/>
-    <p:sldId id="265" r:id="rId13"/>
-    <p:sldId id="268" r:id="rId14"/>
-    <p:sldId id="271" r:id="rId15"/>
-    <p:sldId id="272" r:id="rId16"/>
-    <p:sldId id="273" r:id="rId17"/>
-    <p:sldId id="275" r:id="rId18"/>
-    <p:sldId id="266" r:id="rId19"/>
-    <p:sldId id="274" r:id="rId20"/>
-    <p:sldId id="269" r:id="rId21"/>
+    <p:sldId id="277" r:id="rId6"/>
+    <p:sldId id="262" r:id="rId7"/>
+    <p:sldId id="263" r:id="rId8"/>
+    <p:sldId id="261" r:id="rId9"/>
+    <p:sldId id="267" r:id="rId10"/>
+    <p:sldId id="276" r:id="rId11"/>
+    <p:sldId id="264" r:id="rId12"/>
+    <p:sldId id="270" r:id="rId13"/>
+    <p:sldId id="265" r:id="rId14"/>
+    <p:sldId id="268" r:id="rId15"/>
+    <p:sldId id="271" r:id="rId16"/>
+    <p:sldId id="272" r:id="rId17"/>
+    <p:sldId id="273" r:id="rId18"/>
+    <p:sldId id="275" r:id="rId19"/>
+    <p:sldId id="266" r:id="rId20"/>
+    <p:sldId id="274" r:id="rId21"/>
+    <p:sldId id="269" r:id="rId22"/>
   </p:sldIdLst>
   <p:sldSz cx="12192000" cy="6858000"/>
   <p:notesSz cx="6858000" cy="9144000"/>
@@ -1860,6 +1861,191 @@
           <p:cNvPr id="2" name="Titre 1">
             <a:extLst>
               <a:ext uri="{FF2B5EF4-FFF2-40B4-BE49-F238E27FC236}">
+                <a16:creationId xmlns:a16="http://schemas.microsoft.com/office/drawing/2014/main" id="{BA25FDB9-E12E-4934-8F2F-2310B1DCEC22}"/>
+              </a:ext>
+            </a:extLst>
+          </p:cNvPr>
+          <p:cNvSpPr>
+            <a:spLocks noGrp="1"/>
+          </p:cNvSpPr>
+          <p:nvPr>
+            <p:ph type="title"/>
+          </p:nvPr>
+        </p:nvSpPr>
+        <p:spPr/>
+        <p:txBody>
+          <a:bodyPr/>
+          <a:lstStyle/>
+          <a:p>
+            <a:r>
+              <a:rPr lang="en-US" dirty="0"/>
+              <a:t>General principles and assumptions</a:t>
+            </a:r>
+          </a:p>
+        </p:txBody>
+      </p:sp>
+      <p:sp>
+        <p:nvSpPr>
+          <p:cNvPr id="3" name="Espace réservé du texte 2">
+            <a:extLst>
+              <a:ext uri="{FF2B5EF4-FFF2-40B4-BE49-F238E27FC236}">
+                <a16:creationId xmlns:a16="http://schemas.microsoft.com/office/drawing/2014/main" id="{2BBA0B92-E162-42C9-8FE0-3DEA81584E5D}"/>
+              </a:ext>
+            </a:extLst>
+          </p:cNvPr>
+          <p:cNvSpPr>
+            <a:spLocks noGrp="1"/>
+          </p:cNvSpPr>
+          <p:nvPr>
+            <p:ph type="body" sz="quarter" idx="10"/>
+          </p:nvPr>
+        </p:nvSpPr>
+        <p:spPr/>
+        <p:txBody>
+          <a:bodyPr/>
+          <a:lstStyle/>
+          <a:p>
+            <a:r>
+              <a:rPr lang="it-IT" dirty="0"/>
+              <a:t>Exploration and exploitation in iterative search algorithms</a:t>
+            </a:r>
+          </a:p>
+          <a:p>
+            <a:pPr lvl="1"/>
+            <a:r>
+              <a:rPr lang="it-IT" dirty="0"/>
+              <a:t>Initially, </a:t>
+            </a:r>
+            <a:r>
+              <a:rPr lang="it-IT" b="1" dirty="0"/>
+              <a:t>explore</a:t>
+            </a:r>
+            <a:r>
+              <a:rPr lang="it-IT" dirty="0"/>
+              <a:t> the search space as much as possible</a:t>
+            </a:r>
+          </a:p>
+          <a:p>
+            <a:pPr lvl="1"/>
+            <a:r>
+              <a:rPr lang="en-US" dirty="0"/>
+              <a:t>Then, focus on</a:t>
+            </a:r>
+            <a:r>
+              <a:rPr lang="it-IT" dirty="0"/>
+              <a:t>/</a:t>
+            </a:r>
+            <a:r>
+              <a:rPr lang="it-IT" b="1" dirty="0"/>
+              <a:t>exploit</a:t>
+            </a:r>
+            <a:r>
+              <a:rPr lang="en-US" dirty="0"/>
+              <a:t> the most promising parts found</a:t>
+            </a:r>
+          </a:p>
+          <a:p>
+            <a:pPr lvl="1"/>
+            <a:r>
+              <a:rPr lang="en-US" dirty="0"/>
+              <a:t>Switch between exploration and exploitation is </a:t>
+            </a:r>
+            <a:r>
+              <a:rPr lang="en-US" b="1" dirty="0"/>
+              <a:t>hard to time</a:t>
+            </a:r>
+          </a:p>
+          <a:p>
+            <a:pPr lvl="1"/>
+            <a:r>
+              <a:rPr lang="en-US" dirty="0"/>
+              <a:t>Vocabulary: horizontal/vertical, breadth/depth, …</a:t>
+            </a:r>
+          </a:p>
+        </p:txBody>
+      </p:sp>
+      <p:pic>
+        <p:nvPicPr>
+          <p:cNvPr id="4098" name="Picture 2" descr="Exploration-Exploitation Dilemma">
+            <a:extLst>
+              <a:ext uri="{FF2B5EF4-FFF2-40B4-BE49-F238E27FC236}">
+                <a16:creationId xmlns:a16="http://schemas.microsoft.com/office/drawing/2014/main" id="{46141549-27DA-481A-9A26-62FA0CF9E081}"/>
+              </a:ext>
+            </a:extLst>
+          </p:cNvPr>
+          <p:cNvPicPr>
+            <a:picLocks noChangeAspect="1" noChangeArrowheads="1"/>
+          </p:cNvPicPr>
+          <p:nvPr/>
+        </p:nvPicPr>
+        <p:blipFill>
+          <a:blip r:embed="rId2">
+            <a:extLst>
+              <a:ext uri="{28A0092B-C50C-407E-A947-70E740481C1C}">
+                <a14:useLocalDpi xmlns:a14="http://schemas.microsoft.com/office/drawing/2010/main" val="0"/>
+              </a:ext>
+            </a:extLst>
+          </a:blip>
+          <a:srcRect/>
+          <a:stretch>
+            <a:fillRect/>
+          </a:stretch>
+        </p:blipFill>
+        <p:spPr bwMode="auto">
+          <a:xfrm>
+            <a:off x="7678701" y="4025245"/>
+            <a:ext cx="3590258" cy="2308024"/>
+          </a:xfrm>
+          <a:prstGeom prst="rect">
+            <a:avLst/>
+          </a:prstGeom>
+          <a:noFill/>
+          <a:extLst>
+            <a:ext uri="{909E8E84-426E-40DD-AFC4-6F175D3DCCD1}">
+              <a14:hiddenFill xmlns:a14="http://schemas.microsoft.com/office/drawing/2010/main">
+                <a:solidFill>
+                  <a:srgbClr val="FFFFFF"/>
+                </a:solidFill>
+              </a14:hiddenFill>
+            </a:ext>
+          </a:extLst>
+        </p:spPr>
+      </p:pic>
+    </p:spTree>
+    <p:extLst>
+      <p:ext uri="{BB962C8B-B14F-4D97-AF65-F5344CB8AC3E}">
+        <p14:creationId xmlns:p14="http://schemas.microsoft.com/office/powerpoint/2010/main" val="3597807160"/>
+      </p:ext>
+    </p:extLst>
+  </p:cSld>
+  <p:clrMapOvr>
+    <a:masterClrMapping/>
+  </p:clrMapOvr>
+</p:sld>
+</file>
+
+<file path=ppt/slides/slide11.xml><?xml version="1.0" encoding="utf-8"?>
+<p:sld xmlns:a="http://schemas.openxmlformats.org/drawingml/2006/main" xmlns:r="http://schemas.openxmlformats.org/officeDocument/2006/relationships" xmlns:p="http://schemas.openxmlformats.org/presentationml/2006/main">
+  <p:cSld>
+    <p:spTree>
+      <p:nvGrpSpPr>
+        <p:cNvPr id="1" name=""/>
+        <p:cNvGrpSpPr/>
+        <p:nvPr/>
+      </p:nvGrpSpPr>
+      <p:grpSpPr>
+        <a:xfrm>
+          <a:off x="0" y="0"/>
+          <a:ext cx="0" cy="0"/>
+          <a:chOff x="0" y="0"/>
+          <a:chExt cx="0" cy="0"/>
+        </a:xfrm>
+      </p:grpSpPr>
+      <p:sp>
+        <p:nvSpPr>
+          <p:cNvPr id="2" name="Titre 1">
+            <a:extLst>
+              <a:ext uri="{FF2B5EF4-FFF2-40B4-BE49-F238E27FC236}">
                 <a16:creationId xmlns:a16="http://schemas.microsoft.com/office/drawing/2014/main" id="{E8769534-0F69-4CC0-A067-824E98004618}"/>
               </a:ext>
             </a:extLst>
@@ -1976,162 +2162,6 @@
 </p:sld>
 </file>
 
-<file path=ppt/slides/slide11.xml><?xml version="1.0" encoding="utf-8"?>
-<p:sld xmlns:a="http://schemas.openxmlformats.org/drawingml/2006/main" xmlns:r="http://schemas.openxmlformats.org/officeDocument/2006/relationships" xmlns:p="http://schemas.openxmlformats.org/presentationml/2006/main">
-  <p:cSld>
-    <p:spTree>
-      <p:nvGrpSpPr>
-        <p:cNvPr id="1" name=""/>
-        <p:cNvGrpSpPr/>
-        <p:nvPr/>
-      </p:nvGrpSpPr>
-      <p:grpSpPr>
-        <a:xfrm>
-          <a:off x="0" y="0"/>
-          <a:ext cx="0" cy="0"/>
-          <a:chOff x="0" y="0"/>
-          <a:chExt cx="0" cy="0"/>
-        </a:xfrm>
-      </p:grpSpPr>
-      <p:sp>
-        <p:nvSpPr>
-          <p:cNvPr id="2" name="Titre 1">
-            <a:extLst>
-              <a:ext uri="{FF2B5EF4-FFF2-40B4-BE49-F238E27FC236}">
-                <a16:creationId xmlns:a16="http://schemas.microsoft.com/office/drawing/2014/main" id="{E4D016DB-D19B-43C1-853F-F1F5F9DDFBFB}"/>
-              </a:ext>
-            </a:extLst>
-          </p:cNvPr>
-          <p:cNvSpPr>
-            <a:spLocks noGrp="1"/>
-          </p:cNvSpPr>
-          <p:nvPr>
-            <p:ph type="title"/>
-          </p:nvPr>
-        </p:nvSpPr>
-        <p:spPr/>
-        <p:txBody>
-          <a:bodyPr/>
-          <a:lstStyle/>
-          <a:p>
-            <a:r>
-              <a:rPr lang="en-US" dirty="0"/>
-              <a:t>Simple strategies</a:t>
-            </a:r>
-          </a:p>
-        </p:txBody>
-      </p:sp>
-      <p:sp>
-        <p:nvSpPr>
-          <p:cNvPr id="3" name="Espace réservé du texte 2">
-            <a:extLst>
-              <a:ext uri="{FF2B5EF4-FFF2-40B4-BE49-F238E27FC236}">
-                <a16:creationId xmlns:a16="http://schemas.microsoft.com/office/drawing/2014/main" id="{9828DD91-0794-43F5-BF35-929C3B3E0B5B}"/>
-              </a:ext>
-            </a:extLst>
-          </p:cNvPr>
-          <p:cNvSpPr>
-            <a:spLocks noGrp="1"/>
-          </p:cNvSpPr>
-          <p:nvPr>
-            <p:ph type="body" sz="quarter" idx="10"/>
-          </p:nvPr>
-        </p:nvSpPr>
-        <p:spPr/>
-        <p:txBody>
-          <a:bodyPr/>
-          <a:lstStyle/>
-          <a:p>
-            <a:r>
-              <a:rPr lang="en-US" dirty="0"/>
-              <a:t>Exhaustive search</a:t>
-            </a:r>
-          </a:p>
-          <a:p>
-            <a:pPr lvl="1"/>
-            <a:r>
-              <a:rPr lang="en-US" dirty="0"/>
-              <a:t>Evaluate all possible variable values in search space</a:t>
-            </a:r>
-          </a:p>
-          <a:p>
-            <a:pPr lvl="1"/>
-            <a:r>
-              <a:rPr lang="en-US" dirty="0"/>
-              <a:t>In practice, </a:t>
-            </a:r>
-            <a:r>
-              <a:rPr lang="en-US" b="1" dirty="0"/>
-              <a:t>impossible</a:t>
-            </a:r>
-            <a:r>
-              <a:rPr lang="en-US" dirty="0"/>
-              <a:t>; but a systematic (grid) search could be</a:t>
-            </a:r>
-          </a:p>
-          <a:p>
-            <a:r>
-              <a:rPr lang="en-US" dirty="0"/>
-              <a:t>Random search</a:t>
-            </a:r>
-          </a:p>
-          <a:p>
-            <a:pPr lvl="1"/>
-            <a:r>
-              <a:rPr lang="en-US" dirty="0"/>
-              <a:t>Randomly sample objective function in points within boundaries</a:t>
-            </a:r>
-          </a:p>
-          <a:p>
-            <a:pPr lvl="1"/>
-            <a:r>
-              <a:rPr lang="en-US" b="1" dirty="0"/>
-              <a:t>Does not take into account the feedback </a:t>
-            </a:r>
-            <a:r>
-              <a:rPr lang="en-US" dirty="0"/>
-              <a:t>from objective function</a:t>
-            </a:r>
-          </a:p>
-          <a:p>
-            <a:r>
-              <a:rPr lang="en-US" dirty="0"/>
-              <a:t>Greedy search</a:t>
-            </a:r>
-          </a:p>
-          <a:p>
-            <a:pPr lvl="1"/>
-            <a:r>
-              <a:rPr lang="en-US" dirty="0"/>
-              <a:t>Start from a point, explore neighborhood and take best point</a:t>
-            </a:r>
-          </a:p>
-          <a:p>
-            <a:pPr lvl="1"/>
-            <a:r>
-              <a:rPr lang="en-US" dirty="0"/>
-              <a:t>Keep going until no improvement is found</a:t>
-            </a:r>
-          </a:p>
-          <a:p>
-            <a:pPr lvl="1"/>
-            <a:endParaRPr lang="en-US" dirty="0"/>
-          </a:p>
-        </p:txBody>
-      </p:sp>
-    </p:spTree>
-    <p:extLst>
-      <p:ext uri="{BB962C8B-B14F-4D97-AF65-F5344CB8AC3E}">
-        <p14:creationId xmlns:p14="http://schemas.microsoft.com/office/powerpoint/2010/main" val="2919962269"/>
-      </p:ext>
-    </p:extLst>
-  </p:cSld>
-  <p:clrMapOvr>
-    <a:masterClrMapping/>
-  </p:clrMapOvr>
-</p:sld>
-</file>
-
 <file path=ppt/slides/slide12.xml><?xml version="1.0" encoding="utf-8"?>
 <p:sld xmlns:a="http://schemas.openxmlformats.org/drawingml/2006/main" xmlns:r="http://schemas.openxmlformats.org/officeDocument/2006/relationships" xmlns:p="http://schemas.openxmlformats.org/presentationml/2006/main">
   <p:cSld>
@@ -2154,7 +2184,7 @@
           <p:cNvPr id="2" name="Titre 1">
             <a:extLst>
               <a:ext uri="{FF2B5EF4-FFF2-40B4-BE49-F238E27FC236}">
-                <a16:creationId xmlns:a16="http://schemas.microsoft.com/office/drawing/2014/main" id="{D2AFAD20-0DE1-4157-BD39-702BC71C9B23}"/>
+                <a16:creationId xmlns:a16="http://schemas.microsoft.com/office/drawing/2014/main" id="{E4D016DB-D19B-43C1-853F-F1F5F9DDFBFB}"/>
               </a:ext>
             </a:extLst>
           </p:cNvPr>
@@ -2172,7 +2202,7 @@
           <a:p>
             <a:r>
               <a:rPr lang="en-US" dirty="0"/>
-              <a:t>Taxonomy of optimization methods</a:t>
+              <a:t>Simple strategies</a:t>
             </a:r>
           </a:p>
         </p:txBody>
@@ -2182,7 +2212,7 @@
           <p:cNvPr id="3" name="Espace réservé du texte 2">
             <a:extLst>
               <a:ext uri="{FF2B5EF4-FFF2-40B4-BE49-F238E27FC236}">
-                <a16:creationId xmlns:a16="http://schemas.microsoft.com/office/drawing/2014/main" id="{19817DE2-D8C5-47E2-BFF8-D249C242BFF0}"/>
+                <a16:creationId xmlns:a16="http://schemas.microsoft.com/office/drawing/2014/main" id="{9828DD91-0794-43F5-BF35-929C3B3E0B5B}"/>
               </a:ext>
             </a:extLst>
           </p:cNvPr>
@@ -2195,84 +2225,90 @@
         </p:nvSpPr>
         <p:spPr/>
         <p:txBody>
-          <a:bodyPr>
-            <a:normAutofit fontScale="92500" lnSpcReduction="10000"/>
-          </a:bodyPr>
+          <a:bodyPr/>
           <a:lstStyle/>
           <a:p>
             <a:r>
               <a:rPr lang="en-US" dirty="0"/>
-              <a:t>Continuous vs Discrete</a:t>
-            </a:r>
-          </a:p>
-          <a:p>
-            <a:pPr lvl="1"/>
-            <a:r>
-              <a:rPr lang="en-US" dirty="0"/>
-              <a:t>For discrete optimization, it becomes “choose one among many”</a:t>
-            </a:r>
-          </a:p>
-          <a:p>
-            <a:pPr lvl="1"/>
-            <a:r>
-              <a:rPr lang="en-US" dirty="0"/>
-              <a:t>Domain is “combinatorial optimization”</a:t>
-            </a:r>
-          </a:p>
-          <a:p>
-            <a:pPr lvl="1"/>
-            <a:r>
-              <a:rPr lang="en-US" dirty="0"/>
-              <a:t>Mixed discrete/continuous problems exist; also complex structures</a:t>
-            </a:r>
-          </a:p>
-          <a:p>
-            <a:r>
-              <a:rPr lang="en-US" dirty="0"/>
-              <a:t>Exact vs Stochastic/Approximate</a:t>
-            </a:r>
-          </a:p>
-          <a:p>
-            <a:pPr lvl="1"/>
-            <a:r>
-              <a:rPr lang="en-US" dirty="0"/>
-              <a:t>Exact methods guarantee convergence on a global optimum</a:t>
-            </a:r>
-          </a:p>
-          <a:p>
-            <a:pPr lvl="1"/>
-            <a:r>
-              <a:rPr lang="en-US" dirty="0"/>
-              <a:t>Might require too much time or make (incorrect?) assumptions on the objective function</a:t>
-            </a:r>
-          </a:p>
-          <a:p>
-            <a:pPr lvl="1"/>
-            <a:r>
-              <a:rPr lang="en-US" dirty="0"/>
-              <a:t>Stochastic methods deliver reasonable solution in short(er) time…</a:t>
-            </a:r>
-          </a:p>
-          <a:p>
-            <a:pPr lvl="1"/>
-            <a:r>
-              <a:rPr lang="en-US" dirty="0"/>
-              <a:t>…but they have no guarantees on whether it’s the global optimum</a:t>
-            </a:r>
-          </a:p>
-          <a:p>
-            <a:pPr lvl="1"/>
-            <a:r>
-              <a:rPr lang="en-US" dirty="0"/>
-              <a:t>Terminology: “Stochastic’’ might also refer to stochastic variables</a:t>
-            </a:r>
+              <a:t>Exhaustive search</a:t>
+            </a:r>
+          </a:p>
+          <a:p>
+            <a:pPr lvl="1"/>
+            <a:r>
+              <a:rPr lang="en-US" dirty="0"/>
+              <a:t>Evaluate all possible variable values in search space</a:t>
+            </a:r>
+          </a:p>
+          <a:p>
+            <a:pPr lvl="1"/>
+            <a:r>
+              <a:rPr lang="en-US" dirty="0"/>
+              <a:t>In practice, </a:t>
+            </a:r>
+            <a:r>
+              <a:rPr lang="en-US" b="1" dirty="0"/>
+              <a:t>impossible</a:t>
+            </a:r>
+            <a:r>
+              <a:rPr lang="en-US" dirty="0"/>
+              <a:t>; but a systematic (grid) search could be</a:t>
+            </a:r>
+          </a:p>
+          <a:p>
+            <a:r>
+              <a:rPr lang="en-US" dirty="0"/>
+              <a:t>Random search</a:t>
+            </a:r>
+          </a:p>
+          <a:p>
+            <a:pPr lvl="1"/>
+            <a:r>
+              <a:rPr lang="en-US" dirty="0"/>
+              <a:t>Randomly sample objective function in points within boundaries</a:t>
+            </a:r>
+          </a:p>
+          <a:p>
+            <a:pPr lvl="1"/>
+            <a:r>
+              <a:rPr lang="en-US" b="1" dirty="0"/>
+              <a:t>Does not take into account the feedback </a:t>
+            </a:r>
+            <a:r>
+              <a:rPr lang="en-US" dirty="0"/>
+              <a:t>from objective function</a:t>
+            </a:r>
+          </a:p>
+          <a:p>
+            <a:r>
+              <a:rPr lang="en-US" dirty="0"/>
+              <a:t>Greedy search</a:t>
+            </a:r>
+          </a:p>
+          <a:p>
+            <a:pPr lvl="1"/>
+            <a:r>
+              <a:rPr lang="en-US" dirty="0"/>
+              <a:t>Start from a point, explore neighborhood and take best point</a:t>
+            </a:r>
+          </a:p>
+          <a:p>
+            <a:pPr lvl="1"/>
+            <a:r>
+              <a:rPr lang="en-US" dirty="0"/>
+              <a:t>Keep going until no improvement is found</a:t>
+            </a:r>
+          </a:p>
+          <a:p>
+            <a:pPr lvl="1"/>
+            <a:endParaRPr lang="en-US" dirty="0"/>
           </a:p>
         </p:txBody>
       </p:sp>
     </p:spTree>
     <p:extLst>
       <p:ext uri="{BB962C8B-B14F-4D97-AF65-F5344CB8AC3E}">
-        <p14:creationId xmlns:p14="http://schemas.microsoft.com/office/powerpoint/2010/main" val="2823423570"/>
+        <p14:creationId xmlns:p14="http://schemas.microsoft.com/office/powerpoint/2010/main" val="2919962269"/>
       </p:ext>
     </p:extLst>
   </p:cSld>
@@ -2345,6 +2381,160 @@
         </p:nvSpPr>
         <p:spPr/>
         <p:txBody>
+          <a:bodyPr>
+            <a:normAutofit lnSpcReduction="10000"/>
+          </a:bodyPr>
+          <a:lstStyle/>
+          <a:p>
+            <a:r>
+              <a:rPr lang="en-US" dirty="0"/>
+              <a:t>Continuous vs Discrete</a:t>
+            </a:r>
+          </a:p>
+          <a:p>
+            <a:pPr lvl="1"/>
+            <a:r>
+              <a:rPr lang="en-US" dirty="0"/>
+              <a:t>For discrete optimization, it becomes “choose one among many”</a:t>
+            </a:r>
+          </a:p>
+          <a:p>
+            <a:pPr lvl="1"/>
+            <a:r>
+              <a:rPr lang="en-US" dirty="0"/>
+              <a:t>Domain is “combinatorial optimization”</a:t>
+            </a:r>
+          </a:p>
+          <a:p>
+            <a:pPr lvl="1"/>
+            <a:r>
+              <a:rPr lang="en-US" dirty="0"/>
+              <a:t>Mixed discrete/continuous problems exist; also complex structures</a:t>
+            </a:r>
+          </a:p>
+          <a:p>
+            <a:r>
+              <a:rPr lang="en-US" dirty="0"/>
+              <a:t>Exact vs Stochastic/Approximate</a:t>
+            </a:r>
+          </a:p>
+          <a:p>
+            <a:pPr lvl="1"/>
+            <a:r>
+              <a:rPr lang="en-US" dirty="0"/>
+              <a:t>Exact methods guarantee convergence on a global optimum</a:t>
+            </a:r>
+          </a:p>
+          <a:p>
+            <a:pPr lvl="1"/>
+            <a:r>
+              <a:rPr lang="en-US" dirty="0"/>
+              <a:t>Too much time or incorrect assumptions on objective function</a:t>
+            </a:r>
+          </a:p>
+          <a:p>
+            <a:pPr lvl="1"/>
+            <a:r>
+              <a:rPr lang="en-US" dirty="0"/>
+              <a:t>Stochastic methods deliver reasonable solution in short(er) time…</a:t>
+            </a:r>
+          </a:p>
+          <a:p>
+            <a:pPr lvl="1"/>
+            <a:r>
+              <a:rPr lang="en-US" dirty="0"/>
+              <a:t>…but they have no guarantees on whether it’s the global optimum</a:t>
+            </a:r>
+          </a:p>
+          <a:p>
+            <a:pPr lvl="1"/>
+            <a:r>
+              <a:rPr lang="en-US" dirty="0"/>
+              <a:t>Terminology: </a:t>
+            </a:r>
+            <a:r>
+              <a:rPr lang="en-US" u="sng" dirty="0"/>
+              <a:t>“Stochastic’’ might also refer to stochastic variables</a:t>
+            </a:r>
+          </a:p>
+        </p:txBody>
+      </p:sp>
+    </p:spTree>
+    <p:extLst>
+      <p:ext uri="{BB962C8B-B14F-4D97-AF65-F5344CB8AC3E}">
+        <p14:creationId xmlns:p14="http://schemas.microsoft.com/office/powerpoint/2010/main" val="2823423570"/>
+      </p:ext>
+    </p:extLst>
+  </p:cSld>
+  <p:clrMapOvr>
+    <a:masterClrMapping/>
+  </p:clrMapOvr>
+</p:sld>
+</file>
+
+<file path=ppt/slides/slide14.xml><?xml version="1.0" encoding="utf-8"?>
+<p:sld xmlns:a="http://schemas.openxmlformats.org/drawingml/2006/main" xmlns:r="http://schemas.openxmlformats.org/officeDocument/2006/relationships" xmlns:p="http://schemas.openxmlformats.org/presentationml/2006/main">
+  <p:cSld>
+    <p:spTree>
+      <p:nvGrpSpPr>
+        <p:cNvPr id="1" name=""/>
+        <p:cNvGrpSpPr/>
+        <p:nvPr/>
+      </p:nvGrpSpPr>
+      <p:grpSpPr>
+        <a:xfrm>
+          <a:off x="0" y="0"/>
+          <a:ext cx="0" cy="0"/>
+          <a:chOff x="0" y="0"/>
+          <a:chExt cx="0" cy="0"/>
+        </a:xfrm>
+      </p:grpSpPr>
+      <p:sp>
+        <p:nvSpPr>
+          <p:cNvPr id="2" name="Titre 1">
+            <a:extLst>
+              <a:ext uri="{FF2B5EF4-FFF2-40B4-BE49-F238E27FC236}">
+                <a16:creationId xmlns:a16="http://schemas.microsoft.com/office/drawing/2014/main" id="{D2AFAD20-0DE1-4157-BD39-702BC71C9B23}"/>
+              </a:ext>
+            </a:extLst>
+          </p:cNvPr>
+          <p:cNvSpPr>
+            <a:spLocks noGrp="1"/>
+          </p:cNvSpPr>
+          <p:nvPr>
+            <p:ph type="title"/>
+          </p:nvPr>
+        </p:nvSpPr>
+        <p:spPr/>
+        <p:txBody>
+          <a:bodyPr/>
+          <a:lstStyle/>
+          <a:p>
+            <a:r>
+              <a:rPr lang="en-US" dirty="0"/>
+              <a:t>Taxonomy of optimization methods</a:t>
+            </a:r>
+          </a:p>
+        </p:txBody>
+      </p:sp>
+      <p:sp>
+        <p:nvSpPr>
+          <p:cNvPr id="3" name="Espace réservé du texte 2">
+            <a:extLst>
+              <a:ext uri="{FF2B5EF4-FFF2-40B4-BE49-F238E27FC236}">
+                <a16:creationId xmlns:a16="http://schemas.microsoft.com/office/drawing/2014/main" id="{19817DE2-D8C5-47E2-BFF8-D249C242BFF0}"/>
+              </a:ext>
+            </a:extLst>
+          </p:cNvPr>
+          <p:cNvSpPr>
+            <a:spLocks noGrp="1"/>
+          </p:cNvSpPr>
+          <p:nvPr>
+            <p:ph type="body" sz="quarter" idx="10"/>
+          </p:nvPr>
+        </p:nvSpPr>
+        <p:spPr/>
+        <p:txBody>
           <a:bodyPr/>
           <a:lstStyle/>
           <a:p>
@@ -2427,7 +2617,7 @@
 </p:sld>
 </file>
 
-<file path=ppt/slides/slide14.xml><?xml version="1.0" encoding="utf-8"?>
+<file path=ppt/slides/slide15.xml><?xml version="1.0" encoding="utf-8"?>
 <p:sld xmlns:a="http://schemas.openxmlformats.org/drawingml/2006/main" xmlns:r="http://schemas.openxmlformats.org/officeDocument/2006/relationships" xmlns:p="http://schemas.openxmlformats.org/presentationml/2006/main">
   <p:cSld>
     <p:spTree>
@@ -2573,7 +2763,7 @@
 </p:sld>
 </file>
 
-<file path=ppt/slides/slide15.xml><?xml version="1.0" encoding="utf-8"?>
+<file path=ppt/slides/slide16.xml><?xml version="1.0" encoding="utf-8"?>
 <p:sld xmlns:a="http://schemas.openxmlformats.org/drawingml/2006/main" xmlns:r="http://schemas.openxmlformats.org/officeDocument/2006/relationships" xmlns:p="http://schemas.openxmlformats.org/presentationml/2006/main">
   <p:cSld>
     <p:spTree>
@@ -2823,7 +3013,7 @@
 </p:sld>
 </file>
 
-<file path=ppt/slides/slide16.xml><?xml version="1.0" encoding="utf-8"?>
+<file path=ppt/slides/slide17.xml><?xml version="1.0" encoding="utf-8"?>
 <p:sld xmlns:a="http://schemas.openxmlformats.org/drawingml/2006/main" xmlns:r="http://schemas.openxmlformats.org/officeDocument/2006/relationships" xmlns:p="http://schemas.openxmlformats.org/presentationml/2006/main">
   <p:cSld>
     <p:spTree>
@@ -3059,140 +3249,6 @@
 </p:sld>
 </file>
 
-<file path=ppt/slides/slide17.xml><?xml version="1.0" encoding="utf-8"?>
-<p:sld xmlns:a="http://schemas.openxmlformats.org/drawingml/2006/main" xmlns:r="http://schemas.openxmlformats.org/officeDocument/2006/relationships" xmlns:p="http://schemas.openxmlformats.org/presentationml/2006/main">
-  <p:cSld>
-    <p:spTree>
-      <p:nvGrpSpPr>
-        <p:cNvPr id="1" name=""/>
-        <p:cNvGrpSpPr/>
-        <p:nvPr/>
-      </p:nvGrpSpPr>
-      <p:grpSpPr>
-        <a:xfrm>
-          <a:off x="0" y="0"/>
-          <a:ext cx="0" cy="0"/>
-          <a:chOff x="0" y="0"/>
-          <a:chExt cx="0" cy="0"/>
-        </a:xfrm>
-      </p:grpSpPr>
-      <p:sp>
-        <p:nvSpPr>
-          <p:cNvPr id="2" name="Titre 1">
-            <a:extLst>
-              <a:ext uri="{FF2B5EF4-FFF2-40B4-BE49-F238E27FC236}">
-                <a16:creationId xmlns:a16="http://schemas.microsoft.com/office/drawing/2014/main" id="{38F283DB-373A-4D0E-91FF-512CE166AA5A}"/>
-              </a:ext>
-            </a:extLst>
-          </p:cNvPr>
-          <p:cNvSpPr>
-            <a:spLocks noGrp="1"/>
-          </p:cNvSpPr>
-          <p:nvPr>
-            <p:ph type="title"/>
-          </p:nvPr>
-        </p:nvSpPr>
-        <p:spPr/>
-        <p:txBody>
-          <a:bodyPr/>
-          <a:lstStyle/>
-          <a:p>
-            <a:r>
-              <a:rPr lang="en-US" dirty="0"/>
-              <a:t>Taxonomy of optimization problems</a:t>
-            </a:r>
-          </a:p>
-        </p:txBody>
-      </p:sp>
-      <p:sp>
-        <p:nvSpPr>
-          <p:cNvPr id="3" name="Espace réservé du texte 2">
-            <a:extLst>
-              <a:ext uri="{FF2B5EF4-FFF2-40B4-BE49-F238E27FC236}">
-                <a16:creationId xmlns:a16="http://schemas.microsoft.com/office/drawing/2014/main" id="{EB3459E1-6021-4DAD-881F-3E5891837093}"/>
-              </a:ext>
-            </a:extLst>
-          </p:cNvPr>
-          <p:cNvSpPr>
-            <a:spLocks noGrp="1"/>
-          </p:cNvSpPr>
-          <p:nvPr>
-            <p:ph type="body" sz="quarter" idx="10"/>
-          </p:nvPr>
-        </p:nvSpPr>
-        <p:spPr/>
-        <p:txBody>
-          <a:bodyPr/>
-          <a:lstStyle/>
-          <a:p>
-            <a:r>
-              <a:rPr lang="en-US" dirty="0"/>
-              <a:t>Computational expensiveness of objective function</a:t>
-            </a:r>
-          </a:p>
-          <a:p>
-            <a:pPr lvl="1"/>
-            <a:r>
-              <a:rPr lang="en-US" dirty="0"/>
-              <a:t>Not expensive: extensive sampling possible</a:t>
-            </a:r>
-          </a:p>
-          <a:p>
-            <a:pPr lvl="1"/>
-            <a:r>
-              <a:rPr lang="en-US" dirty="0"/>
-              <a:t>Expensive: surrogate models, Bayesian optimization, store list of all solutions previously evaluated…</a:t>
-            </a:r>
-          </a:p>
-          <a:p>
-            <a:r>
-              <a:rPr lang="en-US" dirty="0"/>
-              <a:t>Objective function’s search space is deceptive/flat</a:t>
-            </a:r>
-          </a:p>
-          <a:p>
-            <a:pPr lvl="1"/>
-            <a:r>
-              <a:rPr lang="en-US" dirty="0"/>
-              <a:t>Assumption: “good solutions are close to other good solutions”</a:t>
-            </a:r>
-          </a:p>
-          <a:p>
-            <a:pPr lvl="1"/>
-            <a:r>
-              <a:rPr lang="en-US" dirty="0"/>
-              <a:t>If this is not true, most algorithms don’t work</a:t>
-            </a:r>
-          </a:p>
-          <a:p>
-            <a:pPr lvl="1"/>
-            <a:r>
-              <a:rPr lang="en-US" dirty="0"/>
-              <a:t>Better off with a completely random sampling</a:t>
-            </a:r>
-          </a:p>
-          <a:p>
-            <a:pPr lvl="1"/>
-            <a:r>
-              <a:rPr lang="en-US" dirty="0"/>
-              <a:t>Flat search space has no clues on where to move</a:t>
-            </a:r>
-          </a:p>
-        </p:txBody>
-      </p:sp>
-    </p:spTree>
-    <p:extLst>
-      <p:ext uri="{BB962C8B-B14F-4D97-AF65-F5344CB8AC3E}">
-        <p14:creationId xmlns:p14="http://schemas.microsoft.com/office/powerpoint/2010/main" val="1704670619"/>
-      </p:ext>
-    </p:extLst>
-  </p:cSld>
-  <p:clrMapOvr>
-    <a:masterClrMapping/>
-  </p:clrMapOvr>
-</p:sld>
-</file>
-
 <file path=ppt/slides/slide18.xml><?xml version="1.0" encoding="utf-8"?>
 <p:sld xmlns:a="http://schemas.openxmlformats.org/drawingml/2006/main" xmlns:r="http://schemas.openxmlformats.org/officeDocument/2006/relationships" xmlns:p="http://schemas.openxmlformats.org/presentationml/2006/main">
   <p:cSld>
@@ -3215,7 +3271,7 @@
           <p:cNvPr id="2" name="Titre 1">
             <a:extLst>
               <a:ext uri="{FF2B5EF4-FFF2-40B4-BE49-F238E27FC236}">
-                <a16:creationId xmlns:a16="http://schemas.microsoft.com/office/drawing/2014/main" id="{9170B0D4-FEE2-4713-B14D-600141E0F4FE}"/>
+                <a16:creationId xmlns:a16="http://schemas.microsoft.com/office/drawing/2014/main" id="{38F283DB-373A-4D0E-91FF-512CE166AA5A}"/>
               </a:ext>
             </a:extLst>
           </p:cNvPr>
@@ -3233,11 +3289,7 @@
           <a:p>
             <a:r>
               <a:rPr lang="en-US" dirty="0"/>
-              <a:t>Real-world applications can be </a:t>
-            </a:r>
-            <a:r>
-              <a:rPr lang="en-US" i="1" dirty="0"/>
-              <a:t>weird</a:t>
+              <a:t>Taxonomy of optimization problems</a:t>
             </a:r>
           </a:p>
         </p:txBody>
@@ -3247,7 +3299,7 @@
           <p:cNvPr id="3" name="Espace réservé du texte 2">
             <a:extLst>
               <a:ext uri="{FF2B5EF4-FFF2-40B4-BE49-F238E27FC236}">
-                <a16:creationId xmlns:a16="http://schemas.microsoft.com/office/drawing/2014/main" id="{84BDD6C9-5CA1-4F5E-9AE7-5D6FCCF39868}"/>
+                <a16:creationId xmlns:a16="http://schemas.microsoft.com/office/drawing/2014/main" id="{EB3459E1-6021-4DAD-881F-3E5891837093}"/>
               </a:ext>
             </a:extLst>
           </p:cNvPr>
@@ -3265,53 +3317,55 @@
           <a:p>
             <a:r>
               <a:rPr lang="en-US" dirty="0"/>
-              <a:t>Mix of continuous and discrete variables</a:t>
-            </a:r>
-          </a:p>
-          <a:p>
-            <a:r>
-              <a:rPr lang="en-US" dirty="0"/>
-              <a:t>Optimize graphs, trees, ensembles </a:t>
-            </a:r>
-            <a:r>
-              <a:rPr lang="en-US"/>
-              <a:t>of trees…</a:t>
-            </a:r>
-            <a:endParaRPr lang="en-US" dirty="0"/>
-          </a:p>
-          <a:p>
-            <a:r>
-              <a:rPr lang="en-US" dirty="0"/>
-              <a:t>Search space can be hard to characterize</a:t>
-            </a:r>
-          </a:p>
-          <a:p>
-            <a:pPr lvl="1"/>
-            <a:r>
-              <a:rPr lang="en-US" dirty="0"/>
-              <a:t>E.g. “optimize the shape of a car to minimize wind resistance”</a:t>
-            </a:r>
-          </a:p>
-          <a:p>
-            <a:pPr lvl="1"/>
-            <a:r>
-              <a:rPr lang="en-US" dirty="0"/>
-              <a:t>E.g. “optimize the order of visit of a series of towns, to minimize traveling time”</a:t>
-            </a:r>
-          </a:p>
-          <a:p>
-            <a:pPr lvl="1"/>
-            <a:r>
-              <a:rPr lang="en-US" dirty="0"/>
-              <a:t>E.g. “optimize an Assembly language program that is able to set all bits in the </a:t>
-            </a:r>
-            <a:r>
-              <a:rPr lang="en-US" i="1" dirty="0"/>
-              <a:t>ax</a:t>
-            </a:r>
-            <a:r>
-              <a:rPr lang="en-US" dirty="0"/>
-              <a:t> computer registry to zero (maximize number of bits set to zero)”</a:t>
+              <a:t>Computational expensiveness of objective function</a:t>
+            </a:r>
+          </a:p>
+          <a:p>
+            <a:pPr lvl="1"/>
+            <a:r>
+              <a:rPr lang="en-US" dirty="0"/>
+              <a:t>Not expensive: extensive sampling possible</a:t>
+            </a:r>
+          </a:p>
+          <a:p>
+            <a:pPr lvl="1"/>
+            <a:r>
+              <a:rPr lang="en-US" dirty="0"/>
+              <a:t>Expensive: surrogate models, Bayesian optimization, store list of all solutions previously evaluated…</a:t>
+            </a:r>
+          </a:p>
+          <a:p>
+            <a:r>
+              <a:rPr lang="en-US" dirty="0"/>
+              <a:t>Objective function’s search space is deceptive/flat</a:t>
+            </a:r>
+          </a:p>
+          <a:p>
+            <a:pPr lvl="1"/>
+            <a:r>
+              <a:rPr lang="en-US" dirty="0"/>
+              <a:t>Assumption: “good solutions are close to other good solutions”</a:t>
+            </a:r>
+          </a:p>
+          <a:p>
+            <a:pPr lvl="1"/>
+            <a:r>
+              <a:rPr lang="en-US" dirty="0"/>
+              <a:t>If this is not true, most algorithms don’t work</a:t>
+            </a:r>
+          </a:p>
+          <a:p>
+            <a:pPr lvl="1"/>
+            <a:r>
+              <a:rPr lang="en-US" dirty="0"/>
+              <a:t>Better off with a completely random sampling</a:t>
+            </a:r>
+          </a:p>
+          <a:p>
+            <a:pPr lvl="1"/>
+            <a:r>
+              <a:rPr lang="en-US" dirty="0"/>
+              <a:t>Flat search space has no clues on where to move</a:t>
             </a:r>
           </a:p>
         </p:txBody>
@@ -3319,7 +3373,7 @@
     </p:spTree>
     <p:extLst>
       <p:ext uri="{BB962C8B-B14F-4D97-AF65-F5344CB8AC3E}">
-        <p14:creationId xmlns:p14="http://schemas.microsoft.com/office/powerpoint/2010/main" val="423835340"/>
+        <p14:creationId xmlns:p14="http://schemas.microsoft.com/office/powerpoint/2010/main" val="1704670619"/>
       </p:ext>
     </p:extLst>
   </p:cSld>
@@ -3351,7 +3405,7 @@
           <p:cNvPr id="2" name="Titre 1">
             <a:extLst>
               <a:ext uri="{FF2B5EF4-FFF2-40B4-BE49-F238E27FC236}">
-                <a16:creationId xmlns:a16="http://schemas.microsoft.com/office/drawing/2014/main" id="{8A111054-157A-4EAD-92D3-024F1981BE8B}"/>
+                <a16:creationId xmlns:a16="http://schemas.microsoft.com/office/drawing/2014/main" id="{9170B0D4-FEE2-4713-B14D-600141E0F4FE}"/>
               </a:ext>
             </a:extLst>
           </p:cNvPr>
@@ -3369,7 +3423,11 @@
           <a:p>
             <a:r>
               <a:rPr lang="en-US" dirty="0"/>
-              <a:t>Intended outcome</a:t>
+              <a:t>Real-world applications can be </a:t>
+            </a:r>
+            <a:r>
+              <a:rPr lang="en-US" i="1" dirty="0"/>
+              <a:t>weird</a:t>
             </a:r>
           </a:p>
         </p:txBody>
@@ -3379,7 +3437,7 @@
           <p:cNvPr id="3" name="Espace réservé du texte 2">
             <a:extLst>
               <a:ext uri="{FF2B5EF4-FFF2-40B4-BE49-F238E27FC236}">
-                <a16:creationId xmlns:a16="http://schemas.microsoft.com/office/drawing/2014/main" id="{0BA73617-3CAE-4848-8E24-6D82ABF3557D}"/>
+                <a16:creationId xmlns:a16="http://schemas.microsoft.com/office/drawing/2014/main" id="{84BDD6C9-5CA1-4F5E-9AE7-5D6FCCF39868}"/>
               </a:ext>
             </a:extLst>
           </p:cNvPr>
@@ -3397,74 +3455,56 @@
           <a:p>
             <a:r>
               <a:rPr lang="en-US" dirty="0"/>
-              <a:t>You will have optimization problems to solve</a:t>
-            </a:r>
-          </a:p>
-          <a:p>
-            <a:pPr lvl="1"/>
-            <a:r>
-              <a:rPr lang="en-US" dirty="0"/>
-              <a:t>Identify the typology (linear, non-linear, dynamic, static…)</a:t>
-            </a:r>
-          </a:p>
-          <a:p>
-            <a:pPr lvl="1"/>
-            <a:r>
-              <a:rPr lang="en-US" dirty="0"/>
-              <a:t>Match with the best algorithm for the problem</a:t>
-            </a:r>
-          </a:p>
-          <a:p>
-            <a:pPr lvl="1"/>
-            <a:r>
-              <a:rPr lang="en-US" dirty="0"/>
-              <a:t>Or get some ideas on how to design an optimization algorithm</a:t>
-            </a:r>
-          </a:p>
-          <a:p>
-            <a:endParaRPr lang="en-US" dirty="0"/>
-          </a:p>
-          <a:p>
-            <a:r>
-              <a:rPr lang="en-US" dirty="0"/>
-              <a:t>Very often, the best optimization algorithm is HEURISTIC</a:t>
-            </a:r>
-          </a:p>
-          <a:p>
-            <a:pPr lvl="1"/>
-            <a:r>
-              <a:rPr lang="en-US" dirty="0"/>
-              <a:t>Heuristic is developed </a:t>
-            </a:r>
-            <a:r>
-              <a:rPr lang="en-US" b="1" dirty="0"/>
-              <a:t>ad-hoc for the target problem</a:t>
-            </a:r>
-          </a:p>
-          <a:p>
-            <a:pPr lvl="1"/>
-            <a:r>
-              <a:rPr lang="en-US" dirty="0"/>
-              <a:t>Employs </a:t>
-            </a:r>
-            <a:r>
-              <a:rPr lang="en-US" b="1" dirty="0"/>
-              <a:t>domain knowledge</a:t>
-            </a:r>
-            <a:r>
-              <a:rPr lang="en-US" dirty="0"/>
-              <a:t> of the problem inside algorithm</a:t>
-            </a:r>
-          </a:p>
-          <a:p>
-            <a:endParaRPr lang="en-US" dirty="0"/>
+              <a:t>Mix of continuous and discrete variables</a:t>
+            </a:r>
+          </a:p>
+          <a:p>
+            <a:r>
+              <a:rPr lang="en-US" dirty="0"/>
+              <a:t>Optimize graphs, trees, ensembles of trees…</a:t>
+            </a:r>
+          </a:p>
+          <a:p>
+            <a:r>
+              <a:rPr lang="en-US" dirty="0"/>
+              <a:t>Search space can be hard to characterize</a:t>
+            </a:r>
+          </a:p>
+          <a:p>
+            <a:pPr lvl="1"/>
+            <a:r>
+              <a:rPr lang="en-US" dirty="0"/>
+              <a:t>E.g. “optimize the shape of a car to minimize wind resistance”</a:t>
+            </a:r>
+          </a:p>
+          <a:p>
+            <a:pPr lvl="1"/>
+            <a:r>
+              <a:rPr lang="en-US" dirty="0"/>
+              <a:t>E.g. “optimize order of visit of towns, to minimize traveling time”</a:t>
+            </a:r>
+          </a:p>
+          <a:p>
+            <a:pPr lvl="1"/>
+            <a:r>
+              <a:rPr lang="en-US" dirty="0"/>
+              <a:t>E.g. “optimize an Assembly language program that is able to set all bits in the </a:t>
+            </a:r>
+            <a:r>
+              <a:rPr lang="en-US" i="1" dirty="0"/>
+              <a:t>ax</a:t>
+            </a:r>
+            <a:r>
+              <a:rPr lang="en-US" dirty="0"/>
+              <a:t> computer registry to zero (maximize number of bits set to zero)”</a:t>
+            </a:r>
           </a:p>
         </p:txBody>
       </p:sp>
     </p:spTree>
     <p:extLst>
       <p:ext uri="{BB962C8B-B14F-4D97-AF65-F5344CB8AC3E}">
-        <p14:creationId xmlns:p14="http://schemas.microsoft.com/office/powerpoint/2010/main" val="646405908"/>
+        <p14:creationId xmlns:p14="http://schemas.microsoft.com/office/powerpoint/2010/main" val="423835340"/>
       </p:ext>
     </p:extLst>
   </p:cSld>
@@ -3574,6 +3614,151 @@
 </file>
 
 <file path=ppt/slides/slide20.xml><?xml version="1.0" encoding="utf-8"?>
+<p:sld xmlns:a="http://schemas.openxmlformats.org/drawingml/2006/main" xmlns:r="http://schemas.openxmlformats.org/officeDocument/2006/relationships" xmlns:p="http://schemas.openxmlformats.org/presentationml/2006/main">
+  <p:cSld>
+    <p:spTree>
+      <p:nvGrpSpPr>
+        <p:cNvPr id="1" name=""/>
+        <p:cNvGrpSpPr/>
+        <p:nvPr/>
+      </p:nvGrpSpPr>
+      <p:grpSpPr>
+        <a:xfrm>
+          <a:off x="0" y="0"/>
+          <a:ext cx="0" cy="0"/>
+          <a:chOff x="0" y="0"/>
+          <a:chExt cx="0" cy="0"/>
+        </a:xfrm>
+      </p:grpSpPr>
+      <p:sp>
+        <p:nvSpPr>
+          <p:cNvPr id="2" name="Titre 1">
+            <a:extLst>
+              <a:ext uri="{FF2B5EF4-FFF2-40B4-BE49-F238E27FC236}">
+                <a16:creationId xmlns:a16="http://schemas.microsoft.com/office/drawing/2014/main" id="{8A111054-157A-4EAD-92D3-024F1981BE8B}"/>
+              </a:ext>
+            </a:extLst>
+          </p:cNvPr>
+          <p:cNvSpPr>
+            <a:spLocks noGrp="1"/>
+          </p:cNvSpPr>
+          <p:nvPr>
+            <p:ph type="title"/>
+          </p:nvPr>
+        </p:nvSpPr>
+        <p:spPr/>
+        <p:txBody>
+          <a:bodyPr/>
+          <a:lstStyle/>
+          <a:p>
+            <a:r>
+              <a:rPr lang="en-US" dirty="0"/>
+              <a:t>Intended outcome</a:t>
+            </a:r>
+          </a:p>
+        </p:txBody>
+      </p:sp>
+      <p:sp>
+        <p:nvSpPr>
+          <p:cNvPr id="3" name="Espace réservé du texte 2">
+            <a:extLst>
+              <a:ext uri="{FF2B5EF4-FFF2-40B4-BE49-F238E27FC236}">
+                <a16:creationId xmlns:a16="http://schemas.microsoft.com/office/drawing/2014/main" id="{0BA73617-3CAE-4848-8E24-6D82ABF3557D}"/>
+              </a:ext>
+            </a:extLst>
+          </p:cNvPr>
+          <p:cNvSpPr>
+            <a:spLocks noGrp="1"/>
+          </p:cNvSpPr>
+          <p:nvPr>
+            <p:ph type="body" sz="quarter" idx="10"/>
+          </p:nvPr>
+        </p:nvSpPr>
+        <p:spPr/>
+        <p:txBody>
+          <a:bodyPr/>
+          <a:lstStyle/>
+          <a:p>
+            <a:r>
+              <a:rPr lang="en-US" dirty="0"/>
+              <a:t>You will have optimization problems to solve</a:t>
+            </a:r>
+          </a:p>
+          <a:p>
+            <a:pPr lvl="1"/>
+            <a:r>
+              <a:rPr lang="en-US" dirty="0"/>
+              <a:t>Identify the typology (linear, non-linear, dynamic, static…)</a:t>
+            </a:r>
+          </a:p>
+          <a:p>
+            <a:pPr lvl="1"/>
+            <a:r>
+              <a:rPr lang="en-US" dirty="0"/>
+              <a:t>Match with the best algorithm for the problem</a:t>
+            </a:r>
+          </a:p>
+          <a:p>
+            <a:pPr lvl="1"/>
+            <a:r>
+              <a:rPr lang="en-US" dirty="0"/>
+              <a:t>Or get some ideas on how to design an optimization algorithm</a:t>
+            </a:r>
+          </a:p>
+          <a:p>
+            <a:endParaRPr lang="en-US" dirty="0"/>
+          </a:p>
+          <a:p>
+            <a:r>
+              <a:rPr lang="en-US" dirty="0"/>
+              <a:t>Very often, the best optimization algorithm is HEURISTIC</a:t>
+            </a:r>
+          </a:p>
+          <a:p>
+            <a:pPr lvl="1"/>
+            <a:r>
+              <a:rPr lang="en-US" dirty="0"/>
+              <a:t>Heuristic is developed </a:t>
+            </a:r>
+            <a:r>
+              <a:rPr lang="en-US" b="1" dirty="0"/>
+              <a:t>ad-hoc for the target problem</a:t>
+            </a:r>
+          </a:p>
+          <a:p>
+            <a:pPr lvl="1"/>
+            <a:r>
+              <a:rPr lang="en-US" dirty="0"/>
+              <a:t>Employs </a:t>
+            </a:r>
+            <a:r>
+              <a:rPr lang="en-US" b="1" dirty="0"/>
+              <a:t>domain knowledge</a:t>
+            </a:r>
+            <a:r>
+              <a:rPr lang="en-US" dirty="0"/>
+              <a:t> of the problem inside algorithm</a:t>
+            </a:r>
+          </a:p>
+          <a:p>
+            <a:endParaRPr lang="en-US" dirty="0"/>
+          </a:p>
+        </p:txBody>
+      </p:sp>
+    </p:spTree>
+    <p:extLst>
+      <p:ext uri="{BB962C8B-B14F-4D97-AF65-F5344CB8AC3E}">
+        <p14:creationId xmlns:p14="http://schemas.microsoft.com/office/powerpoint/2010/main" val="646405908"/>
+      </p:ext>
+    </p:extLst>
+  </p:cSld>
+  <p:clrMapOvr>
+    <a:masterClrMapping/>
+  </p:clrMapOvr>
+</p:sld>
+</file>
+
+<file path=ppt/slides/slide21.xml><?xml version="1.0" encoding="utf-8"?>
 <p:sld xmlns:a="http://schemas.openxmlformats.org/drawingml/2006/main" xmlns:r="http://schemas.openxmlformats.org/officeDocument/2006/relationships" xmlns:p="http://schemas.openxmlformats.org/presentationml/2006/main">
   <p:cSld>
     <p:spTree>
@@ -4006,8 +4191,12 @@
           <a:p>
             <a:pPr lvl="1"/>
             <a:r>
-              <a:rPr lang="en-US" dirty="0"/>
-              <a:t>Limits of the variables for each dimension</a:t>
+              <a:rPr lang="en-US" b="1" dirty="0"/>
+              <a:t>Limits</a:t>
+            </a:r>
+            <a:r>
+              <a:rPr lang="en-US" dirty="0"/>
+              <a:t> of variable values</a:t>
             </a:r>
           </a:p>
           <a:p>
@@ -4033,8 +4222,12 @@
           <a:p>
             <a:pPr lvl="1"/>
             <a:r>
-              <a:rPr lang="en-US" dirty="0"/>
-              <a:t>Point in search space that </a:t>
+              <a:rPr lang="en-US" b="1" dirty="0"/>
+              <a:t>Point in search space</a:t>
+            </a:r>
+            <a:r>
+              <a:rPr lang="en-US" dirty="0"/>
+              <a:t> that </a:t>
             </a:r>
             <a:r>
               <a:rPr lang="en-US" i="1" dirty="0"/>
@@ -4088,6 +4281,556 @@
 </file>
 
 <file path=ppt/slides/slide5.xml><?xml version="1.0" encoding="utf-8"?>
+<p:sld xmlns:a="http://schemas.openxmlformats.org/drawingml/2006/main" xmlns:r="http://schemas.openxmlformats.org/officeDocument/2006/relationships" xmlns:p="http://schemas.openxmlformats.org/presentationml/2006/main">
+  <p:cSld>
+    <p:spTree>
+      <p:nvGrpSpPr>
+        <p:cNvPr id="1" name=""/>
+        <p:cNvGrpSpPr/>
+        <p:nvPr/>
+      </p:nvGrpSpPr>
+      <p:grpSpPr>
+        <a:xfrm>
+          <a:off x="0" y="0"/>
+          <a:ext cx="0" cy="0"/>
+          <a:chOff x="0" y="0"/>
+          <a:chExt cx="0" cy="0"/>
+        </a:xfrm>
+      </p:grpSpPr>
+      <p:sp>
+        <p:nvSpPr>
+          <p:cNvPr id="2" name="Titre 1">
+            <a:extLst>
+              <a:ext uri="{FF2B5EF4-FFF2-40B4-BE49-F238E27FC236}">
+                <a16:creationId xmlns:a16="http://schemas.microsoft.com/office/drawing/2014/main" id="{8ACF62E3-A562-45C6-B902-D15212AF45B6}"/>
+              </a:ext>
+            </a:extLst>
+          </p:cNvPr>
+          <p:cNvSpPr>
+            <a:spLocks noGrp="1"/>
+          </p:cNvSpPr>
+          <p:nvPr>
+            <p:ph type="title"/>
+          </p:nvPr>
+        </p:nvSpPr>
+        <p:spPr/>
+        <p:txBody>
+          <a:bodyPr/>
+          <a:lstStyle/>
+          <a:p>
+            <a:r>
+              <a:rPr lang="en-US" dirty="0"/>
+              <a:t>Vocabulary</a:t>
+            </a:r>
+          </a:p>
+        </p:txBody>
+      </p:sp>
+      <mc:AlternateContent xmlns:mc="http://schemas.openxmlformats.org/markup-compatibility/2006">
+        <mc:Choice xmlns:a14="http://schemas.microsoft.com/office/drawing/2010/main" Requires="a14">
+          <p:sp>
+            <p:nvSpPr>
+              <p:cNvPr id="3" name="Espace réservé du texte 2">
+                <a:extLst>
+                  <a:ext uri="{FF2B5EF4-FFF2-40B4-BE49-F238E27FC236}">
+                    <a16:creationId xmlns:a16="http://schemas.microsoft.com/office/drawing/2014/main" id="{C2AE8A5B-406D-4D04-BE3B-0A0ECC7C8E64}"/>
+                  </a:ext>
+                </a:extLst>
+              </p:cNvPr>
+              <p:cNvSpPr>
+                <a:spLocks noGrp="1"/>
+              </p:cNvSpPr>
+              <p:nvPr>
+                <p:ph type="body" sz="quarter" idx="10"/>
+              </p:nvPr>
+            </p:nvSpPr>
+            <p:spPr/>
+            <p:txBody>
+              <a:bodyPr>
+                <a:noAutofit/>
+              </a:bodyPr>
+              <a:lstStyle/>
+              <a:p>
+                <a:r>
+                  <a:rPr lang="en-US" dirty="0"/>
+                  <a:t>Neighborhood</a:t>
+                </a:r>
+              </a:p>
+              <a:p>
+                <a:pPr lvl="1"/>
+                <a:r>
+                  <a:rPr lang="en-US" dirty="0"/>
+                  <a:t>Part of the search space “near” a given solution</a:t>
+                </a:r>
+              </a:p>
+              <a:p>
+                <a:pPr lvl="1">
+                  <a:spcAft>
+                    <a:spcPts val="600"/>
+                  </a:spcAft>
+                </a:pPr>
+                <a:r>
+                  <a:rPr lang="en-US" dirty="0"/>
+                  <a:t>In a </a:t>
+                </a:r>
+                <a:r>
+                  <a:rPr lang="en-US" b="1" dirty="0"/>
+                  <a:t>continuous search space</a:t>
+                </a:r>
+                <a:r>
+                  <a:rPr lang="en-US" dirty="0"/>
+                  <a:t>, small hypervolume around point</a:t>
+                </a:r>
+              </a:p>
+              <a:p>
+                <a:pPr marL="457200" lvl="1" indent="0">
+                  <a:buNone/>
+                </a:pPr>
+                <a14:m>
+                  <m:oMathPara xmlns:m="http://schemas.openxmlformats.org/officeDocument/2006/math">
+                    <m:oMathParaPr>
+                      <m:jc m:val="centerGroup"/>
+                    </m:oMathParaPr>
+                    <m:oMath xmlns:m="http://schemas.openxmlformats.org/officeDocument/2006/math">
+                      <m:r>
+                        <a:rPr lang="it-IT" b="0" i="1" smtClean="0">
+                          <a:latin typeface="Cambria Math" panose="02040503050406030204" pitchFamily="18" charset="0"/>
+                        </a:rPr>
+                        <m:t>𝑁</m:t>
+                      </m:r>
+                      <m:d>
+                        <m:dPr>
+                          <m:ctrlPr>
+                            <a:rPr lang="it-IT" b="0" i="1" smtClean="0">
+                              <a:latin typeface="Cambria Math" panose="02040503050406030204" pitchFamily="18" charset="0"/>
+                            </a:rPr>
+                          </m:ctrlPr>
+                        </m:dPr>
+                        <m:e>
+                          <m:r>
+                            <a:rPr lang="it-IT" b="0" i="1" smtClean="0">
+                              <a:latin typeface="Cambria Math" panose="02040503050406030204" pitchFamily="18" charset="0"/>
+                            </a:rPr>
+                            <m:t>𝑥</m:t>
+                          </m:r>
+                        </m:e>
+                      </m:d>
+                      <m:r>
+                        <a:rPr lang="it-IT" b="0" i="1" smtClean="0">
+                          <a:latin typeface="Cambria Math" panose="02040503050406030204" pitchFamily="18" charset="0"/>
+                        </a:rPr>
+                        <m:t>={</m:t>
+                      </m:r>
+                      <m:sSup>
+                        <m:sSupPr>
+                          <m:ctrlPr>
+                            <a:rPr lang="it-IT" b="0" i="1" smtClean="0">
+                              <a:latin typeface="Cambria Math" panose="02040503050406030204" pitchFamily="18" charset="0"/>
+                            </a:rPr>
+                          </m:ctrlPr>
+                        </m:sSupPr>
+                        <m:e>
+                          <m:r>
+                            <a:rPr lang="it-IT" b="0" i="1" smtClean="0">
+                              <a:latin typeface="Cambria Math" panose="02040503050406030204" pitchFamily="18" charset="0"/>
+                            </a:rPr>
+                            <m:t>𝑥</m:t>
+                          </m:r>
+                        </m:e>
+                        <m:sup>
+                          <m:r>
+                            <a:rPr lang="it-IT" b="0" i="1" smtClean="0">
+                              <a:latin typeface="Cambria Math" panose="02040503050406030204" pitchFamily="18" charset="0"/>
+                            </a:rPr>
+                            <m:t>′</m:t>
+                          </m:r>
+                        </m:sup>
+                      </m:sSup>
+                      <m:r>
+                        <a:rPr lang="it-IT" b="0" i="1" smtClean="0">
+                          <a:latin typeface="Cambria Math" panose="02040503050406030204" pitchFamily="18" charset="0"/>
+                          <a:ea typeface="Cambria Math" panose="02040503050406030204" pitchFamily="18" charset="0"/>
+                        </a:rPr>
+                        <m:t>∈</m:t>
+                      </m:r>
+                      <m:sSup>
+                        <m:sSupPr>
+                          <m:ctrlPr>
+                            <a:rPr lang="it-IT" b="0" i="1" smtClean="0">
+                              <a:latin typeface="Cambria Math" panose="02040503050406030204" pitchFamily="18" charset="0"/>
+                              <a:ea typeface="Cambria Math" panose="02040503050406030204" pitchFamily="18" charset="0"/>
+                            </a:rPr>
+                          </m:ctrlPr>
+                        </m:sSupPr>
+                        <m:e>
+                          <m:r>
+                            <a:rPr lang="it-IT" b="0" i="1" smtClean="0">
+                              <a:latin typeface="Cambria Math" panose="02040503050406030204" pitchFamily="18" charset="0"/>
+                              <a:ea typeface="Cambria Math" panose="02040503050406030204" pitchFamily="18" charset="0"/>
+                            </a:rPr>
+                            <m:t>ℝ</m:t>
+                          </m:r>
+                        </m:e>
+                        <m:sup>
+                          <m:r>
+                            <a:rPr lang="it-IT" b="0" i="1" smtClean="0">
+                              <a:latin typeface="Cambria Math" panose="02040503050406030204" pitchFamily="18" charset="0"/>
+                              <a:ea typeface="Cambria Math" panose="02040503050406030204" pitchFamily="18" charset="0"/>
+                            </a:rPr>
+                            <m:t>𝑑</m:t>
+                          </m:r>
+                        </m:sup>
+                      </m:sSup>
+                      <m:r>
+                        <a:rPr lang="it-IT" b="0" i="1" smtClean="0">
+                          <a:latin typeface="Cambria Math" panose="02040503050406030204" pitchFamily="18" charset="0"/>
+                          <a:ea typeface="Cambria Math" panose="02040503050406030204" pitchFamily="18" charset="0"/>
+                        </a:rPr>
+                        <m:t>, </m:t>
+                      </m:r>
+                      <m:sSub>
+                        <m:sSubPr>
+                          <m:ctrlPr>
+                            <a:rPr lang="it-IT" b="0" i="1" smtClean="0">
+                              <a:latin typeface="Cambria Math" panose="02040503050406030204" pitchFamily="18" charset="0"/>
+                              <a:ea typeface="Cambria Math" panose="02040503050406030204" pitchFamily="18" charset="0"/>
+                            </a:rPr>
+                          </m:ctrlPr>
+                        </m:sSubPr>
+                        <m:e>
+                          <m:d>
+                            <m:dPr>
+                              <m:begChr m:val="‖"/>
+                              <m:endChr m:val="‖"/>
+                              <m:ctrlPr>
+                                <a:rPr lang="it-IT" b="0" i="1" smtClean="0">
+                                  <a:latin typeface="Cambria Math" panose="02040503050406030204" pitchFamily="18" charset="0"/>
+                                  <a:ea typeface="Cambria Math" panose="02040503050406030204" pitchFamily="18" charset="0"/>
+                                </a:rPr>
+                              </m:ctrlPr>
+                            </m:dPr>
+                            <m:e>
+                              <m:r>
+                                <a:rPr lang="it-IT" b="0" i="1" smtClean="0">
+                                  <a:latin typeface="Cambria Math" panose="02040503050406030204" pitchFamily="18" charset="0"/>
+                                  <a:ea typeface="Cambria Math" panose="02040503050406030204" pitchFamily="18" charset="0"/>
+                                </a:rPr>
+                                <m:t>𝑥</m:t>
+                              </m:r>
+                              <m:r>
+                                <a:rPr lang="it-IT" b="0" i="1" smtClean="0">
+                                  <a:latin typeface="Cambria Math" panose="02040503050406030204" pitchFamily="18" charset="0"/>
+                                  <a:ea typeface="Cambria Math" panose="02040503050406030204" pitchFamily="18" charset="0"/>
+                                </a:rPr>
+                                <m:t>−</m:t>
+                              </m:r>
+                              <m:sSup>
+                                <m:sSupPr>
+                                  <m:ctrlPr>
+                                    <a:rPr lang="it-IT" b="0" i="1" smtClean="0">
+                                      <a:latin typeface="Cambria Math" panose="02040503050406030204" pitchFamily="18" charset="0"/>
+                                      <a:ea typeface="Cambria Math" panose="02040503050406030204" pitchFamily="18" charset="0"/>
+                                    </a:rPr>
+                                  </m:ctrlPr>
+                                </m:sSupPr>
+                                <m:e>
+                                  <m:r>
+                                    <a:rPr lang="it-IT" b="0" i="1" smtClean="0">
+                                      <a:latin typeface="Cambria Math" panose="02040503050406030204" pitchFamily="18" charset="0"/>
+                                      <a:ea typeface="Cambria Math" panose="02040503050406030204" pitchFamily="18" charset="0"/>
+                                    </a:rPr>
+                                    <m:t>𝑥</m:t>
+                                  </m:r>
+                                </m:e>
+                                <m:sup>
+                                  <m:r>
+                                    <a:rPr lang="it-IT" b="0" i="1" smtClean="0">
+                                      <a:latin typeface="Cambria Math" panose="02040503050406030204" pitchFamily="18" charset="0"/>
+                                      <a:ea typeface="Cambria Math" panose="02040503050406030204" pitchFamily="18" charset="0"/>
+                                    </a:rPr>
+                                    <m:t>′</m:t>
+                                  </m:r>
+                                </m:sup>
+                              </m:sSup>
+                            </m:e>
+                          </m:d>
+                        </m:e>
+                        <m:sub>
+                          <m:r>
+                            <a:rPr lang="it-IT" b="0" i="1" smtClean="0">
+                              <a:latin typeface="Cambria Math" panose="02040503050406030204" pitchFamily="18" charset="0"/>
+                              <a:ea typeface="Cambria Math" panose="02040503050406030204" pitchFamily="18" charset="0"/>
+                            </a:rPr>
+                            <m:t>𝑛</m:t>
+                          </m:r>
+                        </m:sub>
+                      </m:sSub>
+                      <m:r>
+                        <a:rPr lang="it-IT" b="0" i="1" smtClean="0">
+                          <a:latin typeface="Cambria Math" panose="02040503050406030204" pitchFamily="18" charset="0"/>
+                          <a:ea typeface="Cambria Math" panose="02040503050406030204" pitchFamily="18" charset="0"/>
+                        </a:rPr>
+                        <m:t>≤</m:t>
+                      </m:r>
+                      <m:r>
+                        <a:rPr lang="it-IT" b="0" i="1" smtClean="0">
+                          <a:latin typeface="Cambria Math" panose="02040503050406030204" pitchFamily="18" charset="0"/>
+                          <a:ea typeface="Cambria Math" panose="02040503050406030204" pitchFamily="18" charset="0"/>
+                        </a:rPr>
+                        <m:t>𝜖</m:t>
+                      </m:r>
+                      <m:r>
+                        <a:rPr lang="it-IT" b="0" i="1" smtClean="0">
+                          <a:latin typeface="Cambria Math" panose="02040503050406030204" pitchFamily="18" charset="0"/>
+                          <a:ea typeface="Cambria Math" panose="02040503050406030204" pitchFamily="18" charset="0"/>
+                        </a:rPr>
+                        <m:t>}</m:t>
+                      </m:r>
+                    </m:oMath>
+                  </m:oMathPara>
+                </a14:m>
+                <a:endParaRPr lang="en-US" dirty="0"/>
+              </a:p>
+              <a:p>
+                <a:pPr lvl="1"/>
+                <a:r>
+                  <a:rPr lang="en-US" dirty="0"/>
+                  <a:t>In a </a:t>
+                </a:r>
+                <a:r>
+                  <a:rPr lang="en-US" b="1" dirty="0"/>
+                  <a:t>discrete search space</a:t>
+                </a:r>
+                <a:r>
+                  <a:rPr lang="en-US" dirty="0"/>
+                  <a:t>, we need to define a </a:t>
+                </a:r>
+                <a:r>
+                  <a:rPr lang="en-US" b="1" dirty="0"/>
+                  <a:t>move operator</a:t>
+                </a:r>
+              </a:p>
+              <a:p>
+                <a:pPr marL="457200" lvl="1" indent="0">
+                  <a:buNone/>
+                </a:pPr>
+                <a:r>
+                  <a:rPr lang="it-IT" b="0" dirty="0"/>
+                  <a:t>	</a:t>
+                </a:r>
+                <a14:m>
+                  <m:oMath xmlns:m="http://schemas.openxmlformats.org/officeDocument/2006/math">
+                    <m:r>
+                      <a:rPr lang="it-IT" b="0" i="1" smtClean="0">
+                        <a:latin typeface="Cambria Math" panose="02040503050406030204" pitchFamily="18" charset="0"/>
+                      </a:rPr>
+                      <m:t>𝑁</m:t>
+                    </m:r>
+                    <m:d>
+                      <m:dPr>
+                        <m:ctrlPr>
+                          <a:rPr lang="it-IT" b="0" i="1" smtClean="0">
+                            <a:latin typeface="Cambria Math" panose="02040503050406030204" pitchFamily="18" charset="0"/>
+                          </a:rPr>
+                        </m:ctrlPr>
+                      </m:dPr>
+                      <m:e>
+                        <m:r>
+                          <a:rPr lang="it-IT" b="0" i="1" smtClean="0">
+                            <a:latin typeface="Cambria Math" panose="02040503050406030204" pitchFamily="18" charset="0"/>
+                          </a:rPr>
+                          <m:t>𝑥</m:t>
+                        </m:r>
+                      </m:e>
+                    </m:d>
+                    <m:r>
+                      <a:rPr lang="it-IT" b="0" i="1" smtClean="0">
+                        <a:latin typeface="Cambria Math" panose="02040503050406030204" pitchFamily="18" charset="0"/>
+                      </a:rPr>
+                      <m:t>={</m:t>
+                    </m:r>
+                    <m:sSup>
+                      <m:sSupPr>
+                        <m:ctrlPr>
+                          <a:rPr lang="it-IT" b="0" i="1" smtClean="0">
+                            <a:latin typeface="Cambria Math" panose="02040503050406030204" pitchFamily="18" charset="0"/>
+                          </a:rPr>
+                        </m:ctrlPr>
+                      </m:sSupPr>
+                      <m:e>
+                        <m:r>
+                          <a:rPr lang="it-IT" b="0" i="1" smtClean="0">
+                            <a:latin typeface="Cambria Math" panose="02040503050406030204" pitchFamily="18" charset="0"/>
+                          </a:rPr>
+                          <m:t>𝑥</m:t>
+                        </m:r>
+                      </m:e>
+                      <m:sup>
+                        <m:r>
+                          <a:rPr lang="it-IT" b="0" i="1" smtClean="0">
+                            <a:latin typeface="Cambria Math" panose="02040503050406030204" pitchFamily="18" charset="0"/>
+                          </a:rPr>
+                          <m:t>′</m:t>
+                        </m:r>
+                      </m:sup>
+                    </m:sSup>
+                    <m:r>
+                      <a:rPr lang="it-IT" b="0" i="1" smtClean="0">
+                        <a:latin typeface="Cambria Math" panose="02040503050406030204" pitchFamily="18" charset="0"/>
+                        <a:ea typeface="Cambria Math" panose="02040503050406030204" pitchFamily="18" charset="0"/>
+                      </a:rPr>
+                      <m:t>𝜖</m:t>
+                    </m:r>
+                    <m:r>
+                      <a:rPr lang="it-IT" b="0" i="1" smtClean="0">
+                        <a:latin typeface="Cambria Math" panose="02040503050406030204" pitchFamily="18" charset="0"/>
+                        <a:ea typeface="Cambria Math" panose="02040503050406030204" pitchFamily="18" charset="0"/>
+                      </a:rPr>
+                      <m:t> </m:t>
+                    </m:r>
+                    <m:r>
+                      <a:rPr lang="it-IT" b="0" i="1" smtClean="0">
+                        <a:latin typeface="Cambria Math" panose="02040503050406030204" pitchFamily="18" charset="0"/>
+                        <a:ea typeface="Cambria Math" panose="02040503050406030204" pitchFamily="18" charset="0"/>
+                      </a:rPr>
+                      <m:t>𝑆</m:t>
+                    </m:r>
+                    <m:r>
+                      <a:rPr lang="it-IT" b="0" i="1" smtClean="0">
+                        <a:latin typeface="Cambria Math" panose="02040503050406030204" pitchFamily="18" charset="0"/>
+                        <a:ea typeface="Cambria Math" panose="02040503050406030204" pitchFamily="18" charset="0"/>
+                      </a:rPr>
+                      <m:t>, </m:t>
+                    </m:r>
+                    <m:r>
+                      <a:rPr lang="it-IT" b="0" i="1" smtClean="0">
+                        <a:latin typeface="Cambria Math" panose="02040503050406030204" pitchFamily="18" charset="0"/>
+                        <a:ea typeface="Cambria Math" panose="02040503050406030204" pitchFamily="18" charset="0"/>
+                      </a:rPr>
+                      <m:t>𝑥</m:t>
+                    </m:r>
+                    <m:r>
+                      <a:rPr lang="it-IT" b="0" i="1" smtClean="0">
+                        <a:latin typeface="Cambria Math" panose="02040503050406030204" pitchFamily="18" charset="0"/>
+                        <a:ea typeface="Cambria Math" panose="02040503050406030204" pitchFamily="18" charset="0"/>
+                      </a:rPr>
+                      <m:t>′</m:t>
+                    </m:r>
+                  </m:oMath>
+                </a14:m>
+                <a:r>
+                  <a:rPr lang="en-US" dirty="0"/>
+                  <a:t> is reachable from </a:t>
+                </a:r>
+                <a14:m>
+                  <m:oMath xmlns:m="http://schemas.openxmlformats.org/officeDocument/2006/math">
+                    <m:r>
+                      <a:rPr lang="it-IT" b="0" i="1" smtClean="0">
+                        <a:latin typeface="Cambria Math" panose="02040503050406030204" pitchFamily="18" charset="0"/>
+                      </a:rPr>
+                      <m:t>𝑥</m:t>
+                    </m:r>
+                  </m:oMath>
+                </a14:m>
+                <a:r>
+                  <a:rPr lang="en-US" dirty="0"/>
+                  <a:t> using a single move</a:t>
+                </a:r>
+                <a14:m>
+                  <m:oMath xmlns:m="http://schemas.openxmlformats.org/officeDocument/2006/math">
+                    <m:r>
+                      <a:rPr lang="it-IT" b="0" i="1" smtClean="0">
+                        <a:latin typeface="Cambria Math" panose="02040503050406030204" pitchFamily="18" charset="0"/>
+                      </a:rPr>
+                      <m:t>}</m:t>
+                    </m:r>
+                  </m:oMath>
+                </a14:m>
+                <a:endParaRPr lang="en-US" dirty="0"/>
+              </a:p>
+              <a:p>
+                <a:pPr lvl="1"/>
+                <a:r>
+                  <a:rPr lang="en-US" dirty="0"/>
+                  <a:t>Example: for a bit string, 0101010…1 move can be “flip bit”</a:t>
+                </a:r>
+              </a:p>
+              <a:p>
+                <a:r>
+                  <a:rPr lang="en-US" dirty="0"/>
+                  <a:t>Local vs global search</a:t>
+                </a:r>
+              </a:p>
+              <a:p>
+                <a:pPr lvl="1"/>
+                <a:r>
+                  <a:rPr lang="en-US" dirty="0"/>
+                  <a:t>Local search moves only inside the neighborhood</a:t>
+                </a:r>
+              </a:p>
+              <a:p>
+                <a:pPr lvl="1"/>
+                <a:r>
+                  <a:rPr lang="en-US" dirty="0"/>
+                  <a:t>Sometimes used loosely, definition is not precise</a:t>
+                </a:r>
+              </a:p>
+            </p:txBody>
+          </p:sp>
+        </mc:Choice>
+        <mc:Fallback>
+          <p:sp>
+            <p:nvSpPr>
+              <p:cNvPr id="3" name="Espace réservé du texte 2">
+                <a:extLst>
+                  <a:ext uri="{FF2B5EF4-FFF2-40B4-BE49-F238E27FC236}">
+                    <a16:creationId xmlns:a16="http://schemas.microsoft.com/office/drawing/2014/main" id="{C2AE8A5B-406D-4D04-BE3B-0A0ECC7C8E64}"/>
+                  </a:ext>
+                </a:extLst>
+              </p:cNvPr>
+              <p:cNvSpPr>
+                <a:spLocks noGrp="1" noRot="1" noChangeAspect="1" noMove="1" noResize="1" noEditPoints="1" noAdjustHandles="1" noChangeArrowheads="1" noChangeShapeType="1" noTextEdit="1"/>
+              </p:cNvSpPr>
+              <p:nvPr>
+                <p:ph type="body" sz="quarter" idx="10"/>
+              </p:nvPr>
+            </p:nvSpPr>
+            <p:spPr>
+              <a:blipFill>
+                <a:blip r:embed="rId2"/>
+                <a:stretch>
+                  <a:fillRect l="-1333" t="-2734" b="-4036"/>
+                </a:stretch>
+              </a:blipFill>
+            </p:spPr>
+            <p:txBody>
+              <a:bodyPr/>
+              <a:lstStyle/>
+              <a:p>
+                <a:r>
+                  <a:rPr lang="en-US">
+                    <a:noFill/>
+                  </a:rPr>
+                  <a:t> </a:t>
+                </a:r>
+              </a:p>
+            </p:txBody>
+          </p:sp>
+        </mc:Fallback>
+      </mc:AlternateContent>
+    </p:spTree>
+    <p:extLst>
+      <p:ext uri="{BB962C8B-B14F-4D97-AF65-F5344CB8AC3E}">
+        <p14:creationId xmlns:p14="http://schemas.microsoft.com/office/powerpoint/2010/main" val="1430489927"/>
+      </p:ext>
+    </p:extLst>
+  </p:cSld>
+  <p:clrMapOvr>
+    <a:masterClrMapping/>
+  </p:clrMapOvr>
+</p:sld>
+</file>
+
+<file path=ppt/slides/slide6.xml><?xml version="1.0" encoding="utf-8"?>
 <p:sld xmlns:a="http://schemas.openxmlformats.org/drawingml/2006/main" xmlns:r="http://schemas.openxmlformats.org/officeDocument/2006/relationships" xmlns:p="http://schemas.openxmlformats.org/presentationml/2006/main">
   <p:cSld>
     <p:spTree>
@@ -4248,7 +4991,7 @@
 </p:sld>
 </file>
 
-<file path=ppt/slides/slide6.xml><?xml version="1.0" encoding="utf-8"?>
+<file path=ppt/slides/slide7.xml><?xml version="1.0" encoding="utf-8"?>
 <p:sld xmlns:a="http://schemas.openxmlformats.org/drawingml/2006/main" xmlns:r="http://schemas.openxmlformats.org/officeDocument/2006/relationships" xmlns:p="http://schemas.openxmlformats.org/presentationml/2006/main">
   <p:cSld>
     <p:spTree>
@@ -4429,7 +5172,7 @@
 </p:sld>
 </file>
 
-<file path=ppt/slides/slide7.xml><?xml version="1.0" encoding="utf-8"?>
+<file path=ppt/slides/slide8.xml><?xml version="1.0" encoding="utf-8"?>
 <p:sld xmlns:a="http://schemas.openxmlformats.org/drawingml/2006/main" xmlns:r="http://schemas.openxmlformats.org/officeDocument/2006/relationships" xmlns:p="http://schemas.openxmlformats.org/presentationml/2006/main">
   <p:cSld>
     <p:spTree>
@@ -4618,7 +5361,7 @@
 </p:sld>
 </file>
 
-<file path=ppt/slides/slide8.xml><?xml version="1.0" encoding="utf-8"?>
+<file path=ppt/slides/slide9.xml><?xml version="1.0" encoding="utf-8"?>
 <p:sld xmlns:a="http://schemas.openxmlformats.org/drawingml/2006/main" xmlns:r="http://schemas.openxmlformats.org/officeDocument/2006/relationships" xmlns:p="http://schemas.openxmlformats.org/presentationml/2006/main">
   <p:cSld>
     <p:spTree>
@@ -4772,191 +5515,6 @@
     <p:extLst>
       <p:ext uri="{BB962C8B-B14F-4D97-AF65-F5344CB8AC3E}">
         <p14:creationId xmlns:p14="http://schemas.microsoft.com/office/powerpoint/2010/main" val="2019085142"/>
-      </p:ext>
-    </p:extLst>
-  </p:cSld>
-  <p:clrMapOvr>
-    <a:masterClrMapping/>
-  </p:clrMapOvr>
-</p:sld>
-</file>
-
-<file path=ppt/slides/slide9.xml><?xml version="1.0" encoding="utf-8"?>
-<p:sld xmlns:a="http://schemas.openxmlformats.org/drawingml/2006/main" xmlns:r="http://schemas.openxmlformats.org/officeDocument/2006/relationships" xmlns:p="http://schemas.openxmlformats.org/presentationml/2006/main">
-  <p:cSld>
-    <p:spTree>
-      <p:nvGrpSpPr>
-        <p:cNvPr id="1" name=""/>
-        <p:cNvGrpSpPr/>
-        <p:nvPr/>
-      </p:nvGrpSpPr>
-      <p:grpSpPr>
-        <a:xfrm>
-          <a:off x="0" y="0"/>
-          <a:ext cx="0" cy="0"/>
-          <a:chOff x="0" y="0"/>
-          <a:chExt cx="0" cy="0"/>
-        </a:xfrm>
-      </p:grpSpPr>
-      <p:sp>
-        <p:nvSpPr>
-          <p:cNvPr id="2" name="Titre 1">
-            <a:extLst>
-              <a:ext uri="{FF2B5EF4-FFF2-40B4-BE49-F238E27FC236}">
-                <a16:creationId xmlns:a16="http://schemas.microsoft.com/office/drawing/2014/main" id="{BA25FDB9-E12E-4934-8F2F-2310B1DCEC22}"/>
-              </a:ext>
-            </a:extLst>
-          </p:cNvPr>
-          <p:cNvSpPr>
-            <a:spLocks noGrp="1"/>
-          </p:cNvSpPr>
-          <p:nvPr>
-            <p:ph type="title"/>
-          </p:nvPr>
-        </p:nvSpPr>
-        <p:spPr/>
-        <p:txBody>
-          <a:bodyPr/>
-          <a:lstStyle/>
-          <a:p>
-            <a:r>
-              <a:rPr lang="en-US" dirty="0"/>
-              <a:t>General principles and assumptions</a:t>
-            </a:r>
-          </a:p>
-        </p:txBody>
-      </p:sp>
-      <p:sp>
-        <p:nvSpPr>
-          <p:cNvPr id="3" name="Espace réservé du texte 2">
-            <a:extLst>
-              <a:ext uri="{FF2B5EF4-FFF2-40B4-BE49-F238E27FC236}">
-                <a16:creationId xmlns:a16="http://schemas.microsoft.com/office/drawing/2014/main" id="{2BBA0B92-E162-42C9-8FE0-3DEA81584E5D}"/>
-              </a:ext>
-            </a:extLst>
-          </p:cNvPr>
-          <p:cNvSpPr>
-            <a:spLocks noGrp="1"/>
-          </p:cNvSpPr>
-          <p:nvPr>
-            <p:ph type="body" sz="quarter" idx="10"/>
-          </p:nvPr>
-        </p:nvSpPr>
-        <p:spPr/>
-        <p:txBody>
-          <a:bodyPr/>
-          <a:lstStyle/>
-          <a:p>
-            <a:r>
-              <a:rPr lang="it-IT" dirty="0"/>
-              <a:t>Exploration and exploitation in iterative search algorithms</a:t>
-            </a:r>
-          </a:p>
-          <a:p>
-            <a:pPr lvl="1"/>
-            <a:r>
-              <a:rPr lang="it-IT" dirty="0"/>
-              <a:t>Initially, </a:t>
-            </a:r>
-            <a:r>
-              <a:rPr lang="it-IT" b="1" dirty="0"/>
-              <a:t>explore</a:t>
-            </a:r>
-            <a:r>
-              <a:rPr lang="it-IT" dirty="0"/>
-              <a:t> the search space as much as possible</a:t>
-            </a:r>
-          </a:p>
-          <a:p>
-            <a:pPr lvl="1"/>
-            <a:r>
-              <a:rPr lang="en-US" dirty="0"/>
-              <a:t>Then, focus on</a:t>
-            </a:r>
-            <a:r>
-              <a:rPr lang="it-IT" dirty="0"/>
-              <a:t>/</a:t>
-            </a:r>
-            <a:r>
-              <a:rPr lang="it-IT" b="1" dirty="0"/>
-              <a:t>exploit</a:t>
-            </a:r>
-            <a:r>
-              <a:rPr lang="en-US" dirty="0"/>
-              <a:t> the most promising parts found</a:t>
-            </a:r>
-          </a:p>
-          <a:p>
-            <a:pPr lvl="1"/>
-            <a:r>
-              <a:rPr lang="en-US" dirty="0"/>
-              <a:t>Switch between exploration and exploitation is </a:t>
-            </a:r>
-            <a:r>
-              <a:rPr lang="en-US" b="1" dirty="0"/>
-              <a:t>hard to time</a:t>
-            </a:r>
-          </a:p>
-          <a:p>
-            <a:pPr lvl="1"/>
-            <a:r>
-              <a:rPr lang="en-US" dirty="0"/>
-              <a:t>Vocabulary: horizontal/vertical, breadth/depth, …</a:t>
-            </a:r>
-          </a:p>
-        </p:txBody>
-      </p:sp>
-      <p:pic>
-        <p:nvPicPr>
-          <p:cNvPr id="4098" name="Picture 2" descr="Exploration-Exploitation Dilemma">
-            <a:extLst>
-              <a:ext uri="{FF2B5EF4-FFF2-40B4-BE49-F238E27FC236}">
-                <a16:creationId xmlns:a16="http://schemas.microsoft.com/office/drawing/2014/main" id="{46141549-27DA-481A-9A26-62FA0CF9E081}"/>
-              </a:ext>
-            </a:extLst>
-          </p:cNvPr>
-          <p:cNvPicPr>
-            <a:picLocks noChangeAspect="1" noChangeArrowheads="1"/>
-          </p:cNvPicPr>
-          <p:nvPr/>
-        </p:nvPicPr>
-        <p:blipFill>
-          <a:blip r:embed="rId2">
-            <a:extLst>
-              <a:ext uri="{28A0092B-C50C-407E-A947-70E740481C1C}">
-                <a14:useLocalDpi xmlns:a14="http://schemas.microsoft.com/office/drawing/2010/main" val="0"/>
-              </a:ext>
-            </a:extLst>
-          </a:blip>
-          <a:srcRect/>
-          <a:stretch>
-            <a:fillRect/>
-          </a:stretch>
-        </p:blipFill>
-        <p:spPr bwMode="auto">
-          <a:xfrm>
-            <a:off x="7678701" y="4025245"/>
-            <a:ext cx="3590258" cy="2308024"/>
-          </a:xfrm>
-          <a:prstGeom prst="rect">
-            <a:avLst/>
-          </a:prstGeom>
-          <a:noFill/>
-          <a:extLst>
-            <a:ext uri="{909E8E84-426E-40DD-AFC4-6F175D3DCCD1}">
-              <a14:hiddenFill xmlns:a14="http://schemas.microsoft.com/office/drawing/2010/main">
-                <a:solidFill>
-                  <a:srgbClr val="FFFFFF"/>
-                </a:solidFill>
-              </a14:hiddenFill>
-            </a:ext>
-          </a:extLst>
-        </p:spPr>
-      </p:pic>
-    </p:spTree>
-    <p:extLst>
-      <p:ext uri="{BB962C8B-B14F-4D97-AF65-F5344CB8AC3E}">
-        <p14:creationId xmlns:p14="http://schemas.microsoft.com/office/powerpoint/2010/main" val="3597807160"/>
       </p:ext>
     </p:extLst>
   </p:cSld>

--- a/optimization-methods-for-artificial-intelligence/optimization-introduction.pptx
+++ b/optimization-methods-for-artificial-intelligence/optimization-introduction.pptx
@@ -4325,8 +4325,8 @@
           </a:p>
         </p:txBody>
       </p:sp>
-      <mc:AlternateContent xmlns:mc="http://schemas.openxmlformats.org/markup-compatibility/2006">
-        <mc:Choice xmlns:a14="http://schemas.microsoft.com/office/drawing/2010/main" Requires="a14">
+      <mc:AlternateContent xmlns:mc="http://schemas.openxmlformats.org/markup-compatibility/2006" xmlns:a14="http://schemas.microsoft.com/office/drawing/2010/main">
+        <mc:Choice Requires="a14">
           <p:sp>
             <p:nvSpPr>
               <p:cNvPr id="3" name="Espace réservé du texte 2">
@@ -4777,7 +4777,7 @@
             </p:txBody>
           </p:sp>
         </mc:Choice>
-        <mc:Fallback>
+        <mc:Fallback xmlns="">
           <p:sp>
             <p:nvSpPr>
               <p:cNvPr id="3" name="Espace réservé du texte 2">
